--- a/module_4/Project 4 Tselikov Sergey.pptx
+++ b/module_4/Project 4 Tselikov Sergey.pptx
@@ -2,7 +2,7 @@
 <file path=ppt/presentation.xml><?xml version="1.0" encoding="utf-8"?>
 <p:presentation xmlns:a="http://schemas.openxmlformats.org/drawingml/2006/main" xmlns:r="http://schemas.openxmlformats.org/officeDocument/2006/relationships" xmlns:p="http://schemas.openxmlformats.org/presentationml/2006/main" autoCompressPictures="0">
   <p:sldMasterIdLst>
-    <p:sldMasterId id="2147483660" r:id="rId1"/>
+    <p:sldMasterId id="2147483672" r:id="rId1"/>
   </p:sldMasterIdLst>
   <p:sldIdLst>
     <p:sldId id="256" r:id="rId2"/>
@@ -11,14 +11,16 @@
     <p:sldId id="257" r:id="rId5"/>
     <p:sldId id="260" r:id="rId6"/>
     <p:sldId id="261" r:id="rId7"/>
+    <p:sldId id="262" r:id="rId8"/>
+    <p:sldId id="263" r:id="rId9"/>
   </p:sldIdLst>
   <p:sldSz cx="12192000" cy="6858000"/>
   <p:notesSz cx="6858000" cy="9144000"/>
   <p:defaultTextStyle>
     <a:defPPr>
-      <a:defRPr lang="en-RU"/>
+      <a:defRPr lang="en-US"/>
     </a:defPPr>
-    <a:lvl1pPr marL="0" algn="l" defTabSz="914400" rtl="0" eaLnBrk="1" latinLnBrk="0" hangingPunct="1">
+    <a:lvl1pPr marL="0" algn="l" defTabSz="457200" rtl="0" eaLnBrk="1" latinLnBrk="0" hangingPunct="1">
       <a:defRPr sz="1800" kern="1200">
         <a:solidFill>
           <a:schemeClr val="tx1"/>
@@ -28,7 +30,7 @@
         <a:cs typeface="+mn-cs"/>
       </a:defRPr>
     </a:lvl1pPr>
-    <a:lvl2pPr marL="457200" algn="l" defTabSz="914400" rtl="0" eaLnBrk="1" latinLnBrk="0" hangingPunct="1">
+    <a:lvl2pPr marL="457200" algn="l" defTabSz="457200" rtl="0" eaLnBrk="1" latinLnBrk="0" hangingPunct="1">
       <a:defRPr sz="1800" kern="1200">
         <a:solidFill>
           <a:schemeClr val="tx1"/>
@@ -38,7 +40,7 @@
         <a:cs typeface="+mn-cs"/>
       </a:defRPr>
     </a:lvl2pPr>
-    <a:lvl3pPr marL="914400" algn="l" defTabSz="914400" rtl="0" eaLnBrk="1" latinLnBrk="0" hangingPunct="1">
+    <a:lvl3pPr marL="914400" algn="l" defTabSz="457200" rtl="0" eaLnBrk="1" latinLnBrk="0" hangingPunct="1">
       <a:defRPr sz="1800" kern="1200">
         <a:solidFill>
           <a:schemeClr val="tx1"/>
@@ -48,7 +50,7 @@
         <a:cs typeface="+mn-cs"/>
       </a:defRPr>
     </a:lvl3pPr>
-    <a:lvl4pPr marL="1371600" algn="l" defTabSz="914400" rtl="0" eaLnBrk="1" latinLnBrk="0" hangingPunct="1">
+    <a:lvl4pPr marL="1371600" algn="l" defTabSz="457200" rtl="0" eaLnBrk="1" latinLnBrk="0" hangingPunct="1">
       <a:defRPr sz="1800" kern="1200">
         <a:solidFill>
           <a:schemeClr val="tx1"/>
@@ -58,7 +60,7 @@
         <a:cs typeface="+mn-cs"/>
       </a:defRPr>
     </a:lvl4pPr>
-    <a:lvl5pPr marL="1828800" algn="l" defTabSz="914400" rtl="0" eaLnBrk="1" latinLnBrk="0" hangingPunct="1">
+    <a:lvl5pPr marL="1828800" algn="l" defTabSz="457200" rtl="0" eaLnBrk="1" latinLnBrk="0" hangingPunct="1">
       <a:defRPr sz="1800" kern="1200">
         <a:solidFill>
           <a:schemeClr val="tx1"/>
@@ -68,7 +70,7 @@
         <a:cs typeface="+mn-cs"/>
       </a:defRPr>
     </a:lvl5pPr>
-    <a:lvl6pPr marL="2286000" algn="l" defTabSz="914400" rtl="0" eaLnBrk="1" latinLnBrk="0" hangingPunct="1">
+    <a:lvl6pPr marL="2286000" algn="l" defTabSz="457200" rtl="0" eaLnBrk="1" latinLnBrk="0" hangingPunct="1">
       <a:defRPr sz="1800" kern="1200">
         <a:solidFill>
           <a:schemeClr val="tx1"/>
@@ -78,7 +80,7 @@
         <a:cs typeface="+mn-cs"/>
       </a:defRPr>
     </a:lvl6pPr>
-    <a:lvl7pPr marL="2743200" algn="l" defTabSz="914400" rtl="0" eaLnBrk="1" latinLnBrk="0" hangingPunct="1">
+    <a:lvl7pPr marL="2743200" algn="l" defTabSz="457200" rtl="0" eaLnBrk="1" latinLnBrk="0" hangingPunct="1">
       <a:defRPr sz="1800" kern="1200">
         <a:solidFill>
           <a:schemeClr val="tx1"/>
@@ -88,7 +90,7 @@
         <a:cs typeface="+mn-cs"/>
       </a:defRPr>
     </a:lvl7pPr>
-    <a:lvl8pPr marL="3200400" algn="l" defTabSz="914400" rtl="0" eaLnBrk="1" latinLnBrk="0" hangingPunct="1">
+    <a:lvl8pPr marL="3200400" algn="l" defTabSz="457200" rtl="0" eaLnBrk="1" latinLnBrk="0" hangingPunct="1">
       <a:defRPr sz="1800" kern="1200">
         <a:solidFill>
           <a:schemeClr val="tx1"/>
@@ -98,7 +100,7 @@
         <a:cs typeface="+mn-cs"/>
       </a:defRPr>
     </a:lvl8pPr>
-    <a:lvl9pPr marL="3657600" algn="l" defTabSz="914400" rtl="0" eaLnBrk="1" latinLnBrk="0" hangingPunct="1">
+    <a:lvl9pPr marL="3657600" algn="l" defTabSz="457200" rtl="0" eaLnBrk="1" latinLnBrk="0" hangingPunct="1">
       <a:defRPr sz="1800" kern="1200">
         <a:solidFill>
           <a:schemeClr val="tx1"/>
@@ -109,6 +111,11 @@
       </a:defRPr>
     </a:lvl9pPr>
   </p:defaultTextStyle>
+  <p:extLst>
+    <p:ext uri="{EFAFB233-063F-42B5-8137-9DF3F51BA10A}">
+      <p15:sldGuideLst xmlns:p15="http://schemas.microsoft.com/office/powerpoint/2012/main"/>
+    </p:ext>
+  </p:extLst>
 </p:presentation>
 </file>
 
@@ -131,13 +138,7 @@
       </p:grpSpPr>
       <p:sp>
         <p:nvSpPr>
-          <p:cNvPr id="2" name="Title 1">
-            <a:extLst>
-              <a:ext uri="{FF2B5EF4-FFF2-40B4-BE49-F238E27FC236}">
-                <a16:creationId xmlns:a16="http://schemas.microsoft.com/office/drawing/2014/main" id="{19BDF70D-F898-914C-9D7E-AE2EB526F04D}"/>
-              </a:ext>
-            </a:extLst>
-          </p:cNvPr>
+          <p:cNvPr id="2" name="Title 1"/>
           <p:cNvSpPr>
             <a:spLocks noGrp="1"/>
           </p:cNvSpPr>
@@ -147,15 +148,17 @@
         </p:nvSpPr>
         <p:spPr>
           <a:xfrm>
-            <a:off x="1524000" y="1122363"/>
-            <a:ext cx="9144000" cy="2387600"/>
+            <a:off x="2589213" y="2514600"/>
+            <a:ext cx="8915399" cy="2262781"/>
           </a:xfrm>
         </p:spPr>
         <p:txBody>
-          <a:bodyPr anchor="b"/>
+          <a:bodyPr anchor="b">
+            <a:normAutofit/>
+          </a:bodyPr>
           <a:lstStyle>
-            <a:lvl1pPr algn="ctr">
-              <a:defRPr sz="6000"/>
+            <a:lvl1pPr>
+              <a:defRPr sz="5400"/>
             </a:lvl1pPr>
           </a:lstStyle>
           <a:p>
@@ -163,19 +166,13 @@
               <a:rPr lang="en-GB"/>
               <a:t>Click to edit Master title style</a:t>
             </a:r>
-            <a:endParaRPr lang="en-RU"/>
-          </a:p>
-        </p:txBody>
-      </p:sp>
-      <p:sp>
-        <p:nvSpPr>
-          <p:cNvPr id="3" name="Subtitle 2">
-            <a:extLst>
-              <a:ext uri="{FF2B5EF4-FFF2-40B4-BE49-F238E27FC236}">
-                <a16:creationId xmlns:a16="http://schemas.microsoft.com/office/drawing/2014/main" id="{7788610C-147E-974B-A121-FDB62D497A98}"/>
-              </a:ext>
-            </a:extLst>
-          </p:cNvPr>
+            <a:endParaRPr lang="en-US" dirty="0"/>
+          </a:p>
+        </p:txBody>
+      </p:sp>
+      <p:sp>
+        <p:nvSpPr>
+          <p:cNvPr id="3" name="Subtitle 2"/>
           <p:cNvSpPr>
             <a:spLocks noGrp="1"/>
           </p:cNvSpPr>
@@ -185,48 +182,103 @@
         </p:nvSpPr>
         <p:spPr>
           <a:xfrm>
-            <a:off x="1524000" y="3602038"/>
-            <a:ext cx="9144000" cy="1655762"/>
+            <a:off x="2589213" y="4777379"/>
+            <a:ext cx="8915399" cy="1126283"/>
           </a:xfrm>
         </p:spPr>
         <p:txBody>
-          <a:bodyPr/>
+          <a:bodyPr anchor="t"/>
           <a:lstStyle>
-            <a:lvl1pPr marL="0" indent="0" algn="ctr">
-              <a:buNone/>
-              <a:defRPr sz="2400"/>
+            <a:lvl1pPr marL="0" indent="0" algn="l">
+              <a:buNone/>
+              <a:defRPr>
+                <a:solidFill>
+                  <a:schemeClr val="tx1">
+                    <a:lumMod val="65000"/>
+                    <a:lumOff val="35000"/>
+                  </a:schemeClr>
+                </a:solidFill>
+              </a:defRPr>
             </a:lvl1pPr>
             <a:lvl2pPr marL="457200" indent="0" algn="ctr">
               <a:buNone/>
-              <a:defRPr sz="2000"/>
+              <a:defRPr>
+                <a:solidFill>
+                  <a:schemeClr val="tx1">
+                    <a:tint val="75000"/>
+                  </a:schemeClr>
+                </a:solidFill>
+              </a:defRPr>
             </a:lvl2pPr>
             <a:lvl3pPr marL="914400" indent="0" algn="ctr">
               <a:buNone/>
-              <a:defRPr sz="1800"/>
+              <a:defRPr>
+                <a:solidFill>
+                  <a:schemeClr val="tx1">
+                    <a:tint val="75000"/>
+                  </a:schemeClr>
+                </a:solidFill>
+              </a:defRPr>
             </a:lvl3pPr>
             <a:lvl4pPr marL="1371600" indent="0" algn="ctr">
               <a:buNone/>
-              <a:defRPr sz="1600"/>
+              <a:defRPr>
+                <a:solidFill>
+                  <a:schemeClr val="tx1">
+                    <a:tint val="75000"/>
+                  </a:schemeClr>
+                </a:solidFill>
+              </a:defRPr>
             </a:lvl4pPr>
             <a:lvl5pPr marL="1828800" indent="0" algn="ctr">
               <a:buNone/>
-              <a:defRPr sz="1600"/>
+              <a:defRPr>
+                <a:solidFill>
+                  <a:schemeClr val="tx1">
+                    <a:tint val="75000"/>
+                  </a:schemeClr>
+                </a:solidFill>
+              </a:defRPr>
             </a:lvl5pPr>
             <a:lvl6pPr marL="2286000" indent="0" algn="ctr">
               <a:buNone/>
-              <a:defRPr sz="1600"/>
+              <a:defRPr>
+                <a:solidFill>
+                  <a:schemeClr val="tx1">
+                    <a:tint val="75000"/>
+                  </a:schemeClr>
+                </a:solidFill>
+              </a:defRPr>
             </a:lvl6pPr>
             <a:lvl7pPr marL="2743200" indent="0" algn="ctr">
               <a:buNone/>
-              <a:defRPr sz="1600"/>
+              <a:defRPr>
+                <a:solidFill>
+                  <a:schemeClr val="tx1">
+                    <a:tint val="75000"/>
+                  </a:schemeClr>
+                </a:solidFill>
+              </a:defRPr>
             </a:lvl7pPr>
             <a:lvl8pPr marL="3200400" indent="0" algn="ctr">
               <a:buNone/>
-              <a:defRPr sz="1600"/>
+              <a:defRPr>
+                <a:solidFill>
+                  <a:schemeClr val="tx1">
+                    <a:tint val="75000"/>
+                  </a:schemeClr>
+                </a:solidFill>
+              </a:defRPr>
             </a:lvl8pPr>
             <a:lvl9pPr marL="3657600" indent="0" algn="ctr">
               <a:buNone/>
-              <a:defRPr sz="1600"/>
+              <a:defRPr>
+                <a:solidFill>
+                  <a:schemeClr val="tx1">
+                    <a:tint val="75000"/>
+                  </a:schemeClr>
+                </a:solidFill>
+              </a:defRPr>
             </a:lvl9pPr>
           </a:lstStyle>
           <a:p>
@@ -234,19 +286,13 @@
               <a:rPr lang="en-GB"/>
               <a:t>Click to edit Master subtitle style</a:t>
             </a:r>
-            <a:endParaRPr lang="en-RU"/>
-          </a:p>
-        </p:txBody>
-      </p:sp>
-      <p:sp>
-        <p:nvSpPr>
-          <p:cNvPr id="4" name="Date Placeholder 3">
-            <a:extLst>
-              <a:ext uri="{FF2B5EF4-FFF2-40B4-BE49-F238E27FC236}">
-                <a16:creationId xmlns:a16="http://schemas.microsoft.com/office/drawing/2014/main" id="{B1680A2F-AABA-DD4D-BE81-A594D7BBA5B3}"/>
-              </a:ext>
-            </a:extLst>
-          </p:cNvPr>
+            <a:endParaRPr lang="en-US" dirty="0"/>
+          </a:p>
+        </p:txBody>
+      </p:sp>
+      <p:sp>
+        <p:nvSpPr>
+          <p:cNvPr id="4" name="Date Placeholder 3"/>
           <p:cNvSpPr>
             <a:spLocks noGrp="1"/>
           </p:cNvSpPr>
@@ -261,7 +307,7 @@
           <a:p>
             <a:fld id="{48A87A34-81AB-432B-8DAE-1953F412C126}" type="datetimeFigureOut">
               <a:rPr lang="en-US" smtClean="0"/>
-              <a:t>12/25/20</a:t>
+              <a:t>1/28/21</a:t>
             </a:fld>
             <a:endParaRPr lang="en-US" dirty="0"/>
           </a:p>
@@ -269,13 +315,7 @@
       </p:sp>
       <p:sp>
         <p:nvSpPr>
-          <p:cNvPr id="5" name="Footer Placeholder 4">
-            <a:extLst>
-              <a:ext uri="{FF2B5EF4-FFF2-40B4-BE49-F238E27FC236}">
-                <a16:creationId xmlns:a16="http://schemas.microsoft.com/office/drawing/2014/main" id="{C87AF394-030A-0C46-BA19-E6D954D69BE7}"/>
-              </a:ext>
-            </a:extLst>
-          </p:cNvPr>
+          <p:cNvPr id="5" name="Footer Placeholder 4"/>
           <p:cNvSpPr>
             <a:spLocks noGrp="1"/>
           </p:cNvSpPr>
@@ -294,13 +334,89 @@
       </p:sp>
       <p:sp>
         <p:nvSpPr>
-          <p:cNvPr id="6" name="Slide Number Placeholder 5">
-            <a:extLst>
-              <a:ext uri="{FF2B5EF4-FFF2-40B4-BE49-F238E27FC236}">
-                <a16:creationId xmlns:a16="http://schemas.microsoft.com/office/drawing/2014/main" id="{AB0A409C-A277-A64D-8AC1-721AE8A7DB25}"/>
-              </a:ext>
-            </a:extLst>
-          </p:cNvPr>
+          <p:cNvPr id="7" name="Freeform 6"/>
+          <p:cNvSpPr/>
+          <p:nvPr/>
+        </p:nvSpPr>
+        <p:spPr bwMode="auto">
+          <a:xfrm>
+            <a:off x="0" y="4323810"/>
+            <a:ext cx="1744652" cy="778589"/>
+          </a:xfrm>
+          <a:custGeom>
+            <a:avLst/>
+            <a:gdLst/>
+            <a:ahLst/>
+            <a:cxnLst/>
+            <a:rect l="0" t="0" r="r" b="b"/>
+            <a:pathLst>
+              <a:path w="372" h="166">
+                <a:moveTo>
+                  <a:pt x="287" y="166"/>
+                </a:moveTo>
+                <a:cubicBezTo>
+                  <a:pt x="290" y="166"/>
+                  <a:pt x="292" y="165"/>
+                  <a:pt x="293" y="164"/>
+                </a:cubicBezTo>
+                <a:cubicBezTo>
+                  <a:pt x="293" y="163"/>
+                  <a:pt x="294" y="163"/>
+                  <a:pt x="294" y="163"/>
+                </a:cubicBezTo>
+                <a:cubicBezTo>
+                  <a:pt x="370" y="87"/>
+                  <a:pt x="370" y="87"/>
+                  <a:pt x="370" y="87"/>
+                </a:cubicBezTo>
+                <a:cubicBezTo>
+                  <a:pt x="372" y="85"/>
+                  <a:pt x="372" y="81"/>
+                  <a:pt x="370" y="78"/>
+                </a:cubicBezTo>
+                <a:cubicBezTo>
+                  <a:pt x="294" y="3"/>
+                  <a:pt x="294" y="3"/>
+                  <a:pt x="294" y="3"/>
+                </a:cubicBezTo>
+                <a:cubicBezTo>
+                  <a:pt x="294" y="2"/>
+                  <a:pt x="293" y="2"/>
+                  <a:pt x="293" y="2"/>
+                </a:cubicBezTo>
+                <a:cubicBezTo>
+                  <a:pt x="292" y="1"/>
+                  <a:pt x="290" y="0"/>
+                  <a:pt x="287" y="0"/>
+                </a:cubicBezTo>
+                <a:cubicBezTo>
+                  <a:pt x="0" y="0"/>
+                  <a:pt x="0" y="0"/>
+                  <a:pt x="0" y="0"/>
+                </a:cubicBezTo>
+                <a:cubicBezTo>
+                  <a:pt x="0" y="166"/>
+                  <a:pt x="0" y="166"/>
+                  <a:pt x="0" y="166"/>
+                </a:cubicBezTo>
+                <a:lnTo>
+                  <a:pt x="287" y="166"/>
+                </a:lnTo>
+                <a:close/>
+              </a:path>
+            </a:pathLst>
+          </a:custGeom>
+          <a:solidFill>
+            <a:schemeClr val="accent1"/>
+          </a:solidFill>
+          <a:ln>
+            <a:noFill/>
+          </a:ln>
+        </p:spPr>
+      </p:sp>
+      <p:sp>
+        <p:nvSpPr>
+          <p:cNvPr id="6" name="Slide Number Placeholder 5"/>
           <p:cNvSpPr>
             <a:spLocks noGrp="1"/>
           </p:cNvSpPr>
@@ -308,7 +424,12 @@
             <p:ph type="sldNum" sz="quarter" idx="12"/>
           </p:nvPr>
         </p:nvSpPr>
-        <p:spPr/>
+        <p:spPr>
+          <a:xfrm>
+            <a:off x="531812" y="4529540"/>
+            <a:ext cx="779767" cy="365125"/>
+          </a:xfrm>
+        </p:spPr>
         <p:txBody>
           <a:bodyPr/>
           <a:lstStyle/>
@@ -324,7 +445,7 @@
     </p:spTree>
     <p:extLst>
       <p:ext uri="{BB962C8B-B14F-4D97-AF65-F5344CB8AC3E}">
-        <p14:creationId xmlns:p14="http://schemas.microsoft.com/office/powerpoint/2010/main" val="1388123160"/>
+        <p14:creationId xmlns:p14="http://schemas.microsoft.com/office/powerpoint/2010/main" val="1510055376"/>
       </p:ext>
     </p:extLst>
   </p:cSld>
@@ -335,6 +456,1807 @@
 </file>
 
 <file path=ppt/slideLayouts/slideLayout10.xml><?xml version="1.0" encoding="utf-8"?>
+<p:sldLayout xmlns:a="http://schemas.openxmlformats.org/drawingml/2006/main" xmlns:r="http://schemas.openxmlformats.org/officeDocument/2006/relationships" xmlns:p="http://schemas.openxmlformats.org/presentationml/2006/main" preserve="1">
+  <p:cSld name="Title and Caption">
+    <p:spTree>
+      <p:nvGrpSpPr>
+        <p:cNvPr id="1" name=""/>
+        <p:cNvGrpSpPr/>
+        <p:nvPr/>
+      </p:nvGrpSpPr>
+      <p:grpSpPr>
+        <a:xfrm>
+          <a:off x="0" y="0"/>
+          <a:ext cx="0" cy="0"/>
+          <a:chOff x="0" y="0"/>
+          <a:chExt cx="0" cy="0"/>
+        </a:xfrm>
+      </p:grpSpPr>
+      <p:sp>
+        <p:nvSpPr>
+          <p:cNvPr id="2" name="Title 1"/>
+          <p:cNvSpPr>
+            <a:spLocks noGrp="1"/>
+          </p:cNvSpPr>
+          <p:nvPr>
+            <p:ph type="title"/>
+          </p:nvPr>
+        </p:nvSpPr>
+        <p:spPr>
+          <a:xfrm>
+            <a:off x="2589212" y="609600"/>
+            <a:ext cx="8915399" cy="3117040"/>
+          </a:xfrm>
+        </p:spPr>
+        <p:txBody>
+          <a:bodyPr anchor="ctr">
+            <a:normAutofit/>
+          </a:bodyPr>
+          <a:lstStyle>
+            <a:lvl1pPr algn="l">
+              <a:defRPr sz="4800" b="0" cap="none"/>
+            </a:lvl1pPr>
+          </a:lstStyle>
+          <a:p>
+            <a:r>
+              <a:rPr lang="en-GB"/>
+              <a:t>Click to edit Master title style</a:t>
+            </a:r>
+            <a:endParaRPr lang="en-US" dirty="0"/>
+          </a:p>
+        </p:txBody>
+      </p:sp>
+      <p:sp>
+        <p:nvSpPr>
+          <p:cNvPr id="3" name="Text Placeholder 2"/>
+          <p:cNvSpPr>
+            <a:spLocks noGrp="1"/>
+          </p:cNvSpPr>
+          <p:nvPr>
+            <p:ph type="body" idx="1"/>
+          </p:nvPr>
+        </p:nvSpPr>
+        <p:spPr>
+          <a:xfrm>
+            <a:off x="2589212" y="4354046"/>
+            <a:ext cx="8915399" cy="1555864"/>
+          </a:xfrm>
+        </p:spPr>
+        <p:txBody>
+          <a:bodyPr anchor="ctr">
+            <a:normAutofit/>
+          </a:bodyPr>
+          <a:lstStyle>
+            <a:lvl1pPr marL="0" indent="0" algn="l">
+              <a:buNone/>
+              <a:defRPr sz="1800">
+                <a:solidFill>
+                  <a:schemeClr val="tx1">
+                    <a:lumMod val="65000"/>
+                    <a:lumOff val="35000"/>
+                  </a:schemeClr>
+                </a:solidFill>
+              </a:defRPr>
+            </a:lvl1pPr>
+            <a:lvl2pPr marL="457200" indent="0">
+              <a:buNone/>
+              <a:defRPr sz="1800">
+                <a:solidFill>
+                  <a:schemeClr val="tx1">
+                    <a:tint val="75000"/>
+                  </a:schemeClr>
+                </a:solidFill>
+              </a:defRPr>
+            </a:lvl2pPr>
+            <a:lvl3pPr marL="914400" indent="0">
+              <a:buNone/>
+              <a:defRPr sz="1600">
+                <a:solidFill>
+                  <a:schemeClr val="tx1">
+                    <a:tint val="75000"/>
+                  </a:schemeClr>
+                </a:solidFill>
+              </a:defRPr>
+            </a:lvl3pPr>
+            <a:lvl4pPr marL="1371600" indent="0">
+              <a:buNone/>
+              <a:defRPr sz="1400">
+                <a:solidFill>
+                  <a:schemeClr val="tx1">
+                    <a:tint val="75000"/>
+                  </a:schemeClr>
+                </a:solidFill>
+              </a:defRPr>
+            </a:lvl4pPr>
+            <a:lvl5pPr marL="1828800" indent="0">
+              <a:buNone/>
+              <a:defRPr sz="1400">
+                <a:solidFill>
+                  <a:schemeClr val="tx1">
+                    <a:tint val="75000"/>
+                  </a:schemeClr>
+                </a:solidFill>
+              </a:defRPr>
+            </a:lvl5pPr>
+            <a:lvl6pPr marL="2286000" indent="0">
+              <a:buNone/>
+              <a:defRPr sz="1400">
+                <a:solidFill>
+                  <a:schemeClr val="tx1">
+                    <a:tint val="75000"/>
+                  </a:schemeClr>
+                </a:solidFill>
+              </a:defRPr>
+            </a:lvl6pPr>
+            <a:lvl7pPr marL="2743200" indent="0">
+              <a:buNone/>
+              <a:defRPr sz="1400">
+                <a:solidFill>
+                  <a:schemeClr val="tx1">
+                    <a:tint val="75000"/>
+                  </a:schemeClr>
+                </a:solidFill>
+              </a:defRPr>
+            </a:lvl7pPr>
+            <a:lvl8pPr marL="3200400" indent="0">
+              <a:buNone/>
+              <a:defRPr sz="1400">
+                <a:solidFill>
+                  <a:schemeClr val="tx1">
+                    <a:tint val="75000"/>
+                  </a:schemeClr>
+                </a:solidFill>
+              </a:defRPr>
+            </a:lvl8pPr>
+            <a:lvl9pPr marL="3657600" indent="0">
+              <a:buNone/>
+              <a:defRPr sz="1400">
+                <a:solidFill>
+                  <a:schemeClr val="tx1">
+                    <a:tint val="75000"/>
+                  </a:schemeClr>
+                </a:solidFill>
+              </a:defRPr>
+            </a:lvl9pPr>
+          </a:lstStyle>
+          <a:p>
+            <a:pPr lvl="0"/>
+            <a:r>
+              <a:rPr lang="en-GB"/>
+              <a:t>Click to edit Master text styles</a:t>
+            </a:r>
+          </a:p>
+        </p:txBody>
+      </p:sp>
+      <p:sp>
+        <p:nvSpPr>
+          <p:cNvPr id="4" name="Date Placeholder 3"/>
+          <p:cNvSpPr>
+            <a:spLocks noGrp="1"/>
+          </p:cNvSpPr>
+          <p:nvPr>
+            <p:ph type="dt" sz="half" idx="10"/>
+          </p:nvPr>
+        </p:nvSpPr>
+        <p:spPr/>
+        <p:txBody>
+          <a:bodyPr/>
+          <a:lstStyle/>
+          <a:p>
+            <a:fld id="{48A87A34-81AB-432B-8DAE-1953F412C126}" type="datetimeFigureOut">
+              <a:rPr lang="en-US" smtClean="0"/>
+              <a:pPr/>
+              <a:t>1/28/21</a:t>
+            </a:fld>
+            <a:endParaRPr lang="en-US" dirty="0"/>
+          </a:p>
+        </p:txBody>
+      </p:sp>
+      <p:sp>
+        <p:nvSpPr>
+          <p:cNvPr id="5" name="Footer Placeholder 4"/>
+          <p:cNvSpPr>
+            <a:spLocks noGrp="1"/>
+          </p:cNvSpPr>
+          <p:nvPr>
+            <p:ph type="ftr" sz="quarter" idx="11"/>
+          </p:nvPr>
+        </p:nvSpPr>
+        <p:spPr/>
+        <p:txBody>
+          <a:bodyPr/>
+          <a:lstStyle/>
+          <a:p>
+            <a:endParaRPr lang="en-US" dirty="0"/>
+          </a:p>
+        </p:txBody>
+      </p:sp>
+      <p:sp>
+        <p:nvSpPr>
+          <p:cNvPr id="9" name="Freeform 11"/>
+          <p:cNvSpPr/>
+          <p:nvPr/>
+        </p:nvSpPr>
+        <p:spPr bwMode="auto">
+          <a:xfrm flipV="1">
+            <a:off x="-4189" y="3178175"/>
+            <a:ext cx="1588527" cy="507297"/>
+          </a:xfrm>
+          <a:custGeom>
+            <a:avLst/>
+            <a:gdLst/>
+            <a:ahLst/>
+            <a:cxnLst/>
+            <a:rect l="l" t="t" r="r" b="b"/>
+            <a:pathLst>
+              <a:path w="9248" h="10000">
+                <a:moveTo>
+                  <a:pt x="9248" y="4701"/>
+                </a:moveTo>
+                <a:lnTo>
+                  <a:pt x="7915" y="188"/>
+                </a:lnTo>
+                <a:cubicBezTo>
+                  <a:pt x="7906" y="156"/>
+                  <a:pt x="7895" y="126"/>
+                  <a:pt x="7886" y="94"/>
+                </a:cubicBezTo>
+                <a:cubicBezTo>
+                  <a:pt x="7859" y="0"/>
+                  <a:pt x="7831" y="0"/>
+                  <a:pt x="7803" y="0"/>
+                </a:cubicBezTo>
+                <a:lnTo>
+                  <a:pt x="7275" y="0"/>
+                </a:lnTo>
+                <a:lnTo>
+                  <a:pt x="0" y="70"/>
+                </a:lnTo>
+                <a:cubicBezTo>
+                  <a:pt x="8" y="3380"/>
+                  <a:pt x="17" y="6690"/>
+                  <a:pt x="25" y="10000"/>
+                </a:cubicBezTo>
+                <a:lnTo>
+                  <a:pt x="7275" y="9966"/>
+                </a:lnTo>
+                <a:lnTo>
+                  <a:pt x="7803" y="9966"/>
+                </a:lnTo>
+                <a:cubicBezTo>
+                  <a:pt x="7831" y="9966"/>
+                  <a:pt x="7859" y="9872"/>
+                  <a:pt x="7886" y="9872"/>
+                </a:cubicBezTo>
+                <a:cubicBezTo>
+                  <a:pt x="7886" y="9778"/>
+                  <a:pt x="7915" y="9778"/>
+                  <a:pt x="7915" y="9778"/>
+                </a:cubicBezTo>
+                <a:lnTo>
+                  <a:pt x="9248" y="5265"/>
+                </a:lnTo>
+                <a:cubicBezTo>
+                  <a:pt x="9303" y="5077"/>
+                  <a:pt x="9303" y="4889"/>
+                  <a:pt x="9248" y="4701"/>
+                </a:cubicBezTo>
+                <a:close/>
+              </a:path>
+            </a:pathLst>
+          </a:custGeom>
+          <a:solidFill>
+            <a:schemeClr val="accent1"/>
+          </a:solidFill>
+          <a:ln>
+            <a:noFill/>
+          </a:ln>
+        </p:spPr>
+      </p:sp>
+      <p:sp>
+        <p:nvSpPr>
+          <p:cNvPr id="6" name="Slide Number Placeholder 5"/>
+          <p:cNvSpPr>
+            <a:spLocks noGrp="1"/>
+          </p:cNvSpPr>
+          <p:nvPr>
+            <p:ph type="sldNum" sz="quarter" idx="12"/>
+          </p:nvPr>
+        </p:nvSpPr>
+        <p:spPr>
+          <a:xfrm>
+            <a:off x="531812" y="3244139"/>
+            <a:ext cx="779767" cy="365125"/>
+          </a:xfrm>
+        </p:spPr>
+        <p:txBody>
+          <a:bodyPr/>
+          <a:lstStyle/>
+          <a:p>
+            <a:fld id="{6D22F896-40B5-4ADD-8801-0D06FADFA095}" type="slidenum">
+              <a:rPr lang="en-US" smtClean="0"/>
+              <a:pPr/>
+              <a:t>‹#›</a:t>
+            </a:fld>
+            <a:endParaRPr lang="en-US" dirty="0"/>
+          </a:p>
+        </p:txBody>
+      </p:sp>
+    </p:spTree>
+    <p:extLst>
+      <p:ext uri="{BB962C8B-B14F-4D97-AF65-F5344CB8AC3E}">
+        <p14:creationId xmlns:p14="http://schemas.microsoft.com/office/powerpoint/2010/main" val="3700183787"/>
+      </p:ext>
+    </p:extLst>
+  </p:cSld>
+  <p:clrMapOvr>
+    <a:masterClrMapping/>
+  </p:clrMapOvr>
+</p:sldLayout>
+</file>
+
+<file path=ppt/slideLayouts/slideLayout11.xml><?xml version="1.0" encoding="utf-8"?>
+<p:sldLayout xmlns:a="http://schemas.openxmlformats.org/drawingml/2006/main" xmlns:r="http://schemas.openxmlformats.org/officeDocument/2006/relationships" xmlns:p="http://schemas.openxmlformats.org/presentationml/2006/main" preserve="1">
+  <p:cSld name="Quote with Caption">
+    <p:spTree>
+      <p:nvGrpSpPr>
+        <p:cNvPr id="1" name=""/>
+        <p:cNvGrpSpPr/>
+        <p:nvPr/>
+      </p:nvGrpSpPr>
+      <p:grpSpPr>
+        <a:xfrm>
+          <a:off x="0" y="0"/>
+          <a:ext cx="0" cy="0"/>
+          <a:chOff x="0" y="0"/>
+          <a:chExt cx="0" cy="0"/>
+        </a:xfrm>
+      </p:grpSpPr>
+      <p:sp>
+        <p:nvSpPr>
+          <p:cNvPr id="2" name="Title 1"/>
+          <p:cNvSpPr>
+            <a:spLocks noGrp="1"/>
+          </p:cNvSpPr>
+          <p:nvPr>
+            <p:ph type="title"/>
+          </p:nvPr>
+        </p:nvSpPr>
+        <p:spPr>
+          <a:xfrm>
+            <a:off x="2849949" y="609600"/>
+            <a:ext cx="8393926" cy="2895600"/>
+          </a:xfrm>
+        </p:spPr>
+        <p:txBody>
+          <a:bodyPr anchor="ctr">
+            <a:normAutofit/>
+          </a:bodyPr>
+          <a:lstStyle>
+            <a:lvl1pPr algn="l">
+              <a:defRPr sz="4800" b="0" cap="none"/>
+            </a:lvl1pPr>
+          </a:lstStyle>
+          <a:p>
+            <a:r>
+              <a:rPr lang="en-GB"/>
+              <a:t>Click to edit Master title style</a:t>
+            </a:r>
+            <a:endParaRPr lang="en-US" dirty="0"/>
+          </a:p>
+        </p:txBody>
+      </p:sp>
+      <p:sp>
+        <p:nvSpPr>
+          <p:cNvPr id="13" name="Text Placeholder 9"/>
+          <p:cNvSpPr>
+            <a:spLocks noGrp="1"/>
+          </p:cNvSpPr>
+          <p:nvPr>
+            <p:ph type="body" sz="quarter" idx="13"/>
+          </p:nvPr>
+        </p:nvSpPr>
+        <p:spPr>
+          <a:xfrm>
+            <a:off x="3275012" y="3505200"/>
+            <a:ext cx="7536554" cy="381000"/>
+          </a:xfrm>
+        </p:spPr>
+        <p:txBody>
+          <a:bodyPr anchor="ctr">
+            <a:noAutofit/>
+          </a:bodyPr>
+          <a:lstStyle>
+            <a:lvl1pPr marL="0" indent="0">
+              <a:buFontTx/>
+              <a:buNone/>
+              <a:defRPr sz="1600">
+                <a:solidFill>
+                  <a:schemeClr val="tx1">
+                    <a:lumMod val="50000"/>
+                    <a:lumOff val="50000"/>
+                  </a:schemeClr>
+                </a:solidFill>
+              </a:defRPr>
+            </a:lvl1pPr>
+            <a:lvl2pPr marL="457200" indent="0">
+              <a:buFontTx/>
+              <a:buNone/>
+              <a:defRPr/>
+            </a:lvl2pPr>
+            <a:lvl3pPr marL="914400" indent="0">
+              <a:buFontTx/>
+              <a:buNone/>
+              <a:defRPr/>
+            </a:lvl3pPr>
+            <a:lvl4pPr marL="1371600" indent="0">
+              <a:buFontTx/>
+              <a:buNone/>
+              <a:defRPr/>
+            </a:lvl4pPr>
+            <a:lvl5pPr marL="1828800" indent="0">
+              <a:buFontTx/>
+              <a:buNone/>
+              <a:defRPr/>
+            </a:lvl5pPr>
+          </a:lstStyle>
+          <a:p>
+            <a:pPr lvl="0"/>
+            <a:r>
+              <a:rPr lang="en-GB"/>
+              <a:t>Click to edit Master text styles</a:t>
+            </a:r>
+          </a:p>
+        </p:txBody>
+      </p:sp>
+      <p:sp>
+        <p:nvSpPr>
+          <p:cNvPr id="3" name="Text Placeholder 2"/>
+          <p:cNvSpPr>
+            <a:spLocks noGrp="1"/>
+          </p:cNvSpPr>
+          <p:nvPr>
+            <p:ph type="body" idx="1"/>
+          </p:nvPr>
+        </p:nvSpPr>
+        <p:spPr>
+          <a:xfrm>
+            <a:off x="2589212" y="4354046"/>
+            <a:ext cx="8915399" cy="1555864"/>
+          </a:xfrm>
+        </p:spPr>
+        <p:txBody>
+          <a:bodyPr anchor="ctr">
+            <a:normAutofit/>
+          </a:bodyPr>
+          <a:lstStyle>
+            <a:lvl1pPr marL="0" indent="0" algn="l">
+              <a:buNone/>
+              <a:defRPr sz="1800">
+                <a:solidFill>
+                  <a:schemeClr val="tx1">
+                    <a:lumMod val="65000"/>
+                    <a:lumOff val="35000"/>
+                  </a:schemeClr>
+                </a:solidFill>
+              </a:defRPr>
+            </a:lvl1pPr>
+            <a:lvl2pPr marL="457200" indent="0">
+              <a:buNone/>
+              <a:defRPr sz="1800">
+                <a:solidFill>
+                  <a:schemeClr val="tx1">
+                    <a:tint val="75000"/>
+                  </a:schemeClr>
+                </a:solidFill>
+              </a:defRPr>
+            </a:lvl2pPr>
+            <a:lvl3pPr marL="914400" indent="0">
+              <a:buNone/>
+              <a:defRPr sz="1600">
+                <a:solidFill>
+                  <a:schemeClr val="tx1">
+                    <a:tint val="75000"/>
+                  </a:schemeClr>
+                </a:solidFill>
+              </a:defRPr>
+            </a:lvl3pPr>
+            <a:lvl4pPr marL="1371600" indent="0">
+              <a:buNone/>
+              <a:defRPr sz="1400">
+                <a:solidFill>
+                  <a:schemeClr val="tx1">
+                    <a:tint val="75000"/>
+                  </a:schemeClr>
+                </a:solidFill>
+              </a:defRPr>
+            </a:lvl4pPr>
+            <a:lvl5pPr marL="1828800" indent="0">
+              <a:buNone/>
+              <a:defRPr sz="1400">
+                <a:solidFill>
+                  <a:schemeClr val="tx1">
+                    <a:tint val="75000"/>
+                  </a:schemeClr>
+                </a:solidFill>
+              </a:defRPr>
+            </a:lvl5pPr>
+            <a:lvl6pPr marL="2286000" indent="0">
+              <a:buNone/>
+              <a:defRPr sz="1400">
+                <a:solidFill>
+                  <a:schemeClr val="tx1">
+                    <a:tint val="75000"/>
+                  </a:schemeClr>
+                </a:solidFill>
+              </a:defRPr>
+            </a:lvl6pPr>
+            <a:lvl7pPr marL="2743200" indent="0">
+              <a:buNone/>
+              <a:defRPr sz="1400">
+                <a:solidFill>
+                  <a:schemeClr val="tx1">
+                    <a:tint val="75000"/>
+                  </a:schemeClr>
+                </a:solidFill>
+              </a:defRPr>
+            </a:lvl7pPr>
+            <a:lvl8pPr marL="3200400" indent="0">
+              <a:buNone/>
+              <a:defRPr sz="1400">
+                <a:solidFill>
+                  <a:schemeClr val="tx1">
+                    <a:tint val="75000"/>
+                  </a:schemeClr>
+                </a:solidFill>
+              </a:defRPr>
+            </a:lvl8pPr>
+            <a:lvl9pPr marL="3657600" indent="0">
+              <a:buNone/>
+              <a:defRPr sz="1400">
+                <a:solidFill>
+                  <a:schemeClr val="tx1">
+                    <a:tint val="75000"/>
+                  </a:schemeClr>
+                </a:solidFill>
+              </a:defRPr>
+            </a:lvl9pPr>
+          </a:lstStyle>
+          <a:p>
+            <a:pPr lvl="0"/>
+            <a:r>
+              <a:rPr lang="en-GB"/>
+              <a:t>Click to edit Master text styles</a:t>
+            </a:r>
+          </a:p>
+        </p:txBody>
+      </p:sp>
+      <p:sp>
+        <p:nvSpPr>
+          <p:cNvPr id="4" name="Date Placeholder 3"/>
+          <p:cNvSpPr>
+            <a:spLocks noGrp="1"/>
+          </p:cNvSpPr>
+          <p:nvPr>
+            <p:ph type="dt" sz="half" idx="10"/>
+          </p:nvPr>
+        </p:nvSpPr>
+        <p:spPr/>
+        <p:txBody>
+          <a:bodyPr/>
+          <a:lstStyle/>
+          <a:p>
+            <a:fld id="{48A87A34-81AB-432B-8DAE-1953F412C126}" type="datetimeFigureOut">
+              <a:rPr lang="en-US" smtClean="0"/>
+              <a:pPr/>
+              <a:t>1/28/21</a:t>
+            </a:fld>
+            <a:endParaRPr lang="en-US" dirty="0"/>
+          </a:p>
+        </p:txBody>
+      </p:sp>
+      <p:sp>
+        <p:nvSpPr>
+          <p:cNvPr id="5" name="Footer Placeholder 4"/>
+          <p:cNvSpPr>
+            <a:spLocks noGrp="1"/>
+          </p:cNvSpPr>
+          <p:nvPr>
+            <p:ph type="ftr" sz="quarter" idx="11"/>
+          </p:nvPr>
+        </p:nvSpPr>
+        <p:spPr/>
+        <p:txBody>
+          <a:bodyPr/>
+          <a:lstStyle/>
+          <a:p>
+            <a:endParaRPr lang="en-US" dirty="0"/>
+          </a:p>
+        </p:txBody>
+      </p:sp>
+      <p:sp>
+        <p:nvSpPr>
+          <p:cNvPr id="11" name="Freeform 11"/>
+          <p:cNvSpPr/>
+          <p:nvPr/>
+        </p:nvSpPr>
+        <p:spPr bwMode="auto">
+          <a:xfrm flipV="1">
+            <a:off x="-4189" y="3178175"/>
+            <a:ext cx="1588527" cy="507297"/>
+          </a:xfrm>
+          <a:custGeom>
+            <a:avLst/>
+            <a:gdLst/>
+            <a:ahLst/>
+            <a:cxnLst/>
+            <a:rect l="l" t="t" r="r" b="b"/>
+            <a:pathLst>
+              <a:path w="9248" h="10000">
+                <a:moveTo>
+                  <a:pt x="9248" y="4701"/>
+                </a:moveTo>
+                <a:lnTo>
+                  <a:pt x="7915" y="188"/>
+                </a:lnTo>
+                <a:cubicBezTo>
+                  <a:pt x="7906" y="156"/>
+                  <a:pt x="7895" y="126"/>
+                  <a:pt x="7886" y="94"/>
+                </a:cubicBezTo>
+                <a:cubicBezTo>
+                  <a:pt x="7859" y="0"/>
+                  <a:pt x="7831" y="0"/>
+                  <a:pt x="7803" y="0"/>
+                </a:cubicBezTo>
+                <a:lnTo>
+                  <a:pt x="7275" y="0"/>
+                </a:lnTo>
+                <a:lnTo>
+                  <a:pt x="0" y="70"/>
+                </a:lnTo>
+                <a:cubicBezTo>
+                  <a:pt x="8" y="3380"/>
+                  <a:pt x="17" y="6690"/>
+                  <a:pt x="25" y="10000"/>
+                </a:cubicBezTo>
+                <a:lnTo>
+                  <a:pt x="7275" y="9966"/>
+                </a:lnTo>
+                <a:lnTo>
+                  <a:pt x="7803" y="9966"/>
+                </a:lnTo>
+                <a:cubicBezTo>
+                  <a:pt x="7831" y="9966"/>
+                  <a:pt x="7859" y="9872"/>
+                  <a:pt x="7886" y="9872"/>
+                </a:cubicBezTo>
+                <a:cubicBezTo>
+                  <a:pt x="7886" y="9778"/>
+                  <a:pt x="7915" y="9778"/>
+                  <a:pt x="7915" y="9778"/>
+                </a:cubicBezTo>
+                <a:lnTo>
+                  <a:pt x="9248" y="5265"/>
+                </a:lnTo>
+                <a:cubicBezTo>
+                  <a:pt x="9303" y="5077"/>
+                  <a:pt x="9303" y="4889"/>
+                  <a:pt x="9248" y="4701"/>
+                </a:cubicBezTo>
+                <a:close/>
+              </a:path>
+            </a:pathLst>
+          </a:custGeom>
+          <a:solidFill>
+            <a:schemeClr val="accent1"/>
+          </a:solidFill>
+          <a:ln>
+            <a:noFill/>
+          </a:ln>
+        </p:spPr>
+      </p:sp>
+      <p:sp>
+        <p:nvSpPr>
+          <p:cNvPr id="6" name="Slide Number Placeholder 5"/>
+          <p:cNvSpPr>
+            <a:spLocks noGrp="1"/>
+          </p:cNvSpPr>
+          <p:nvPr>
+            <p:ph type="sldNum" sz="quarter" idx="12"/>
+          </p:nvPr>
+        </p:nvSpPr>
+        <p:spPr>
+          <a:xfrm>
+            <a:off x="531812" y="3244139"/>
+            <a:ext cx="779767" cy="365125"/>
+          </a:xfrm>
+        </p:spPr>
+        <p:txBody>
+          <a:bodyPr/>
+          <a:lstStyle/>
+          <a:p>
+            <a:fld id="{6D22F896-40B5-4ADD-8801-0D06FADFA095}" type="slidenum">
+              <a:rPr lang="en-US" smtClean="0"/>
+              <a:pPr/>
+              <a:t>‹#›</a:t>
+            </a:fld>
+            <a:endParaRPr lang="en-US" dirty="0"/>
+          </a:p>
+        </p:txBody>
+      </p:sp>
+      <p:sp>
+        <p:nvSpPr>
+          <p:cNvPr id="14" name="TextBox 13"/>
+          <p:cNvSpPr txBox="1"/>
+          <p:nvPr/>
+        </p:nvSpPr>
+        <p:spPr>
+          <a:xfrm>
+            <a:off x="2467652" y="648005"/>
+            <a:ext cx="609600" cy="584776"/>
+          </a:xfrm>
+          <a:prstGeom prst="rect">
+            <a:avLst/>
+          </a:prstGeom>
+        </p:spPr>
+        <p:txBody>
+          <a:bodyPr vert="horz" lIns="91440" tIns="45720" rIns="91440" bIns="45720" rtlCol="0" anchor="ctr">
+            <a:noAutofit/>
+          </a:bodyPr>
+          <a:lstStyle/>
+          <a:p>
+            <a:pPr lvl="0"/>
+            <a:r>
+              <a:rPr lang="en-US" sz="8000" baseline="0" dirty="0">
+                <a:ln w="3175" cmpd="sng">
+                  <a:noFill/>
+                </a:ln>
+                <a:solidFill>
+                  <a:schemeClr val="accent1"/>
+                </a:solidFill>
+                <a:effectLst/>
+                <a:latin typeface="Arial"/>
+              </a:rPr>
+              <a:t>“</a:t>
+            </a:r>
+          </a:p>
+        </p:txBody>
+      </p:sp>
+      <p:sp>
+        <p:nvSpPr>
+          <p:cNvPr id="15" name="TextBox 14"/>
+          <p:cNvSpPr txBox="1"/>
+          <p:nvPr/>
+        </p:nvSpPr>
+        <p:spPr>
+          <a:xfrm>
+            <a:off x="11114852" y="2905306"/>
+            <a:ext cx="609600" cy="584776"/>
+          </a:xfrm>
+          <a:prstGeom prst="rect">
+            <a:avLst/>
+          </a:prstGeom>
+        </p:spPr>
+        <p:txBody>
+          <a:bodyPr vert="horz" lIns="91440" tIns="45720" rIns="91440" bIns="45720" rtlCol="0" anchor="ctr">
+            <a:noAutofit/>
+          </a:bodyPr>
+          <a:lstStyle/>
+          <a:p>
+            <a:pPr lvl="0"/>
+            <a:r>
+              <a:rPr lang="en-US" sz="8000" baseline="0" dirty="0">
+                <a:ln w="3175" cmpd="sng">
+                  <a:noFill/>
+                </a:ln>
+                <a:solidFill>
+                  <a:schemeClr val="accent1"/>
+                </a:solidFill>
+                <a:effectLst/>
+                <a:latin typeface="Arial"/>
+              </a:rPr>
+              <a:t>”</a:t>
+            </a:r>
+          </a:p>
+        </p:txBody>
+      </p:sp>
+    </p:spTree>
+    <p:extLst>
+      <p:ext uri="{BB962C8B-B14F-4D97-AF65-F5344CB8AC3E}">
+        <p14:creationId xmlns:p14="http://schemas.microsoft.com/office/powerpoint/2010/main" val="1695948296"/>
+      </p:ext>
+    </p:extLst>
+  </p:cSld>
+  <p:clrMapOvr>
+    <a:masterClrMapping/>
+  </p:clrMapOvr>
+</p:sldLayout>
+</file>
+
+<file path=ppt/slideLayouts/slideLayout12.xml><?xml version="1.0" encoding="utf-8"?>
+<p:sldLayout xmlns:a="http://schemas.openxmlformats.org/drawingml/2006/main" xmlns:r="http://schemas.openxmlformats.org/officeDocument/2006/relationships" xmlns:p="http://schemas.openxmlformats.org/presentationml/2006/main" preserve="1">
+  <p:cSld name="Name Card">
+    <p:spTree>
+      <p:nvGrpSpPr>
+        <p:cNvPr id="1" name=""/>
+        <p:cNvGrpSpPr/>
+        <p:nvPr/>
+      </p:nvGrpSpPr>
+      <p:grpSpPr>
+        <a:xfrm>
+          <a:off x="0" y="0"/>
+          <a:ext cx="0" cy="0"/>
+          <a:chOff x="0" y="0"/>
+          <a:chExt cx="0" cy="0"/>
+        </a:xfrm>
+      </p:grpSpPr>
+      <p:sp>
+        <p:nvSpPr>
+          <p:cNvPr id="2" name="Title 1"/>
+          <p:cNvSpPr>
+            <a:spLocks noGrp="1"/>
+          </p:cNvSpPr>
+          <p:nvPr>
+            <p:ph type="title"/>
+          </p:nvPr>
+        </p:nvSpPr>
+        <p:spPr>
+          <a:xfrm>
+            <a:off x="2589213" y="2438400"/>
+            <a:ext cx="8915400" cy="2724845"/>
+          </a:xfrm>
+        </p:spPr>
+        <p:txBody>
+          <a:bodyPr anchor="b">
+            <a:normAutofit/>
+          </a:bodyPr>
+          <a:lstStyle>
+            <a:lvl1pPr algn="l">
+              <a:defRPr sz="4800" b="0"/>
+            </a:lvl1pPr>
+          </a:lstStyle>
+          <a:p>
+            <a:r>
+              <a:rPr lang="en-GB"/>
+              <a:t>Click to edit Master title style</a:t>
+            </a:r>
+            <a:endParaRPr lang="en-US" dirty="0"/>
+          </a:p>
+        </p:txBody>
+      </p:sp>
+      <p:sp>
+        <p:nvSpPr>
+          <p:cNvPr id="4" name="Text Placeholder 3"/>
+          <p:cNvSpPr>
+            <a:spLocks noGrp="1"/>
+          </p:cNvSpPr>
+          <p:nvPr>
+            <p:ph type="body" sz="half" idx="2"/>
+          </p:nvPr>
+        </p:nvSpPr>
+        <p:spPr>
+          <a:xfrm>
+            <a:off x="2589213" y="5181600"/>
+            <a:ext cx="8915400" cy="729622"/>
+          </a:xfrm>
+        </p:spPr>
+        <p:txBody>
+          <a:bodyPr vert="horz" lIns="91440" tIns="45720" rIns="91440" bIns="45720" rtlCol="0" anchor="t">
+            <a:normAutofit/>
+          </a:bodyPr>
+          <a:lstStyle>
+            <a:lvl1pPr>
+              <a:buNone/>
+              <a:defRPr lang="en-US">
+                <a:solidFill>
+                  <a:schemeClr val="tx1">
+                    <a:lumMod val="65000"/>
+                    <a:lumOff val="35000"/>
+                  </a:schemeClr>
+                </a:solidFill>
+              </a:defRPr>
+            </a:lvl1pPr>
+          </a:lstStyle>
+          <a:p>
+            <a:pPr marL="0" lvl="0" indent="0">
+              <a:buNone/>
+            </a:pPr>
+            <a:r>
+              <a:rPr lang="en-GB"/>
+              <a:t>Click to edit Master text styles</a:t>
+            </a:r>
+          </a:p>
+        </p:txBody>
+      </p:sp>
+      <p:sp>
+        <p:nvSpPr>
+          <p:cNvPr id="5" name="Date Placeholder 4"/>
+          <p:cNvSpPr>
+            <a:spLocks noGrp="1"/>
+          </p:cNvSpPr>
+          <p:nvPr>
+            <p:ph type="dt" sz="half" idx="10"/>
+          </p:nvPr>
+        </p:nvSpPr>
+        <p:spPr/>
+        <p:txBody>
+          <a:bodyPr/>
+          <a:lstStyle/>
+          <a:p>
+            <a:fld id="{48A87A34-81AB-432B-8DAE-1953F412C126}" type="datetimeFigureOut">
+              <a:rPr lang="en-US" smtClean="0"/>
+              <a:pPr/>
+              <a:t>1/28/21</a:t>
+            </a:fld>
+            <a:endParaRPr lang="en-US" dirty="0"/>
+          </a:p>
+        </p:txBody>
+      </p:sp>
+      <p:sp>
+        <p:nvSpPr>
+          <p:cNvPr id="6" name="Footer Placeholder 5"/>
+          <p:cNvSpPr>
+            <a:spLocks noGrp="1"/>
+          </p:cNvSpPr>
+          <p:nvPr>
+            <p:ph type="ftr" sz="quarter" idx="11"/>
+          </p:nvPr>
+        </p:nvSpPr>
+        <p:spPr/>
+        <p:txBody>
+          <a:bodyPr/>
+          <a:lstStyle/>
+          <a:p>
+            <a:endParaRPr lang="en-US" dirty="0"/>
+          </a:p>
+        </p:txBody>
+      </p:sp>
+      <p:sp>
+        <p:nvSpPr>
+          <p:cNvPr id="9" name="Freeform 11"/>
+          <p:cNvSpPr/>
+          <p:nvPr/>
+        </p:nvSpPr>
+        <p:spPr bwMode="auto">
+          <a:xfrm flipV="1">
+            <a:off x="-4189" y="4911725"/>
+            <a:ext cx="1588527" cy="507297"/>
+          </a:xfrm>
+          <a:custGeom>
+            <a:avLst/>
+            <a:gdLst/>
+            <a:ahLst/>
+            <a:cxnLst/>
+            <a:rect l="l" t="t" r="r" b="b"/>
+            <a:pathLst>
+              <a:path w="9248" h="10000">
+                <a:moveTo>
+                  <a:pt x="9248" y="4701"/>
+                </a:moveTo>
+                <a:lnTo>
+                  <a:pt x="7915" y="188"/>
+                </a:lnTo>
+                <a:cubicBezTo>
+                  <a:pt x="7906" y="156"/>
+                  <a:pt x="7895" y="126"/>
+                  <a:pt x="7886" y="94"/>
+                </a:cubicBezTo>
+                <a:cubicBezTo>
+                  <a:pt x="7859" y="0"/>
+                  <a:pt x="7831" y="0"/>
+                  <a:pt x="7803" y="0"/>
+                </a:cubicBezTo>
+                <a:lnTo>
+                  <a:pt x="7275" y="0"/>
+                </a:lnTo>
+                <a:lnTo>
+                  <a:pt x="0" y="70"/>
+                </a:lnTo>
+                <a:cubicBezTo>
+                  <a:pt x="8" y="3380"/>
+                  <a:pt x="17" y="6690"/>
+                  <a:pt x="25" y="10000"/>
+                </a:cubicBezTo>
+                <a:lnTo>
+                  <a:pt x="7275" y="9966"/>
+                </a:lnTo>
+                <a:lnTo>
+                  <a:pt x="7803" y="9966"/>
+                </a:lnTo>
+                <a:cubicBezTo>
+                  <a:pt x="7831" y="9966"/>
+                  <a:pt x="7859" y="9872"/>
+                  <a:pt x="7886" y="9872"/>
+                </a:cubicBezTo>
+                <a:cubicBezTo>
+                  <a:pt x="7886" y="9778"/>
+                  <a:pt x="7915" y="9778"/>
+                  <a:pt x="7915" y="9778"/>
+                </a:cubicBezTo>
+                <a:lnTo>
+                  <a:pt x="9248" y="5265"/>
+                </a:lnTo>
+                <a:cubicBezTo>
+                  <a:pt x="9303" y="5077"/>
+                  <a:pt x="9303" y="4889"/>
+                  <a:pt x="9248" y="4701"/>
+                </a:cubicBezTo>
+                <a:close/>
+              </a:path>
+            </a:pathLst>
+          </a:custGeom>
+          <a:solidFill>
+            <a:schemeClr val="accent1"/>
+          </a:solidFill>
+          <a:ln>
+            <a:noFill/>
+          </a:ln>
+        </p:spPr>
+      </p:sp>
+      <p:sp>
+        <p:nvSpPr>
+          <p:cNvPr id="7" name="Slide Number Placeholder 6"/>
+          <p:cNvSpPr>
+            <a:spLocks noGrp="1"/>
+          </p:cNvSpPr>
+          <p:nvPr>
+            <p:ph type="sldNum" sz="quarter" idx="12"/>
+          </p:nvPr>
+        </p:nvSpPr>
+        <p:spPr>
+          <a:xfrm>
+            <a:off x="531812" y="4983087"/>
+            <a:ext cx="779767" cy="365125"/>
+          </a:xfrm>
+        </p:spPr>
+        <p:txBody>
+          <a:bodyPr/>
+          <a:lstStyle/>
+          <a:p>
+            <a:fld id="{6D22F896-40B5-4ADD-8801-0D06FADFA095}" type="slidenum">
+              <a:rPr lang="en-US" smtClean="0"/>
+              <a:pPr/>
+              <a:t>‹#›</a:t>
+            </a:fld>
+            <a:endParaRPr lang="en-US" dirty="0"/>
+          </a:p>
+        </p:txBody>
+      </p:sp>
+    </p:spTree>
+    <p:extLst>
+      <p:ext uri="{BB962C8B-B14F-4D97-AF65-F5344CB8AC3E}">
+        <p14:creationId xmlns:p14="http://schemas.microsoft.com/office/powerpoint/2010/main" val="627190845"/>
+      </p:ext>
+    </p:extLst>
+  </p:cSld>
+  <p:clrMapOvr>
+    <a:masterClrMapping/>
+  </p:clrMapOvr>
+</p:sldLayout>
+</file>
+
+<file path=ppt/slideLayouts/slideLayout13.xml><?xml version="1.0" encoding="utf-8"?>
+<p:sldLayout xmlns:a="http://schemas.openxmlformats.org/drawingml/2006/main" xmlns:r="http://schemas.openxmlformats.org/officeDocument/2006/relationships" xmlns:p="http://schemas.openxmlformats.org/presentationml/2006/main" preserve="1">
+  <p:cSld name="Quote Name Card">
+    <p:spTree>
+      <p:nvGrpSpPr>
+        <p:cNvPr id="1" name=""/>
+        <p:cNvGrpSpPr/>
+        <p:nvPr/>
+      </p:nvGrpSpPr>
+      <p:grpSpPr>
+        <a:xfrm>
+          <a:off x="0" y="0"/>
+          <a:ext cx="0" cy="0"/>
+          <a:chOff x="0" y="0"/>
+          <a:chExt cx="0" cy="0"/>
+        </a:xfrm>
+      </p:grpSpPr>
+      <p:sp>
+        <p:nvSpPr>
+          <p:cNvPr id="12" name="Title 1"/>
+          <p:cNvSpPr>
+            <a:spLocks noGrp="1"/>
+          </p:cNvSpPr>
+          <p:nvPr>
+            <p:ph type="title"/>
+          </p:nvPr>
+        </p:nvSpPr>
+        <p:spPr>
+          <a:xfrm>
+            <a:off x="2849949" y="609600"/>
+            <a:ext cx="8393926" cy="2895600"/>
+          </a:xfrm>
+        </p:spPr>
+        <p:txBody>
+          <a:bodyPr anchor="ctr">
+            <a:normAutofit/>
+          </a:bodyPr>
+          <a:lstStyle>
+            <a:lvl1pPr algn="l">
+              <a:defRPr sz="4800" b="0" cap="none"/>
+            </a:lvl1pPr>
+          </a:lstStyle>
+          <a:p>
+            <a:r>
+              <a:rPr lang="en-GB"/>
+              <a:t>Click to edit Master title style</a:t>
+            </a:r>
+            <a:endParaRPr lang="en-US" dirty="0"/>
+          </a:p>
+        </p:txBody>
+      </p:sp>
+      <p:sp>
+        <p:nvSpPr>
+          <p:cNvPr id="21" name="Text Placeholder 9"/>
+          <p:cNvSpPr>
+            <a:spLocks noGrp="1"/>
+          </p:cNvSpPr>
+          <p:nvPr>
+            <p:ph type="body" sz="quarter" idx="13"/>
+          </p:nvPr>
+        </p:nvSpPr>
+        <p:spPr>
+          <a:xfrm>
+            <a:off x="2589212" y="4343400"/>
+            <a:ext cx="8915400" cy="838200"/>
+          </a:xfrm>
+        </p:spPr>
+        <p:txBody>
+          <a:bodyPr anchor="b">
+            <a:noAutofit/>
+          </a:bodyPr>
+          <a:lstStyle>
+            <a:lvl1pPr marL="0" indent="0">
+              <a:buFontTx/>
+              <a:buNone/>
+              <a:defRPr sz="2400">
+                <a:solidFill>
+                  <a:schemeClr val="accent1"/>
+                </a:solidFill>
+              </a:defRPr>
+            </a:lvl1pPr>
+            <a:lvl2pPr marL="457200" indent="0">
+              <a:buFontTx/>
+              <a:buNone/>
+              <a:defRPr/>
+            </a:lvl2pPr>
+            <a:lvl3pPr marL="914400" indent="0">
+              <a:buFontTx/>
+              <a:buNone/>
+              <a:defRPr/>
+            </a:lvl3pPr>
+            <a:lvl4pPr marL="1371600" indent="0">
+              <a:buFontTx/>
+              <a:buNone/>
+              <a:defRPr/>
+            </a:lvl4pPr>
+            <a:lvl5pPr marL="1828800" indent="0">
+              <a:buFontTx/>
+              <a:buNone/>
+              <a:defRPr/>
+            </a:lvl5pPr>
+          </a:lstStyle>
+          <a:p>
+            <a:pPr lvl="0"/>
+            <a:r>
+              <a:rPr lang="en-GB"/>
+              <a:t>Click to edit Master text styles</a:t>
+            </a:r>
+          </a:p>
+        </p:txBody>
+      </p:sp>
+      <p:sp>
+        <p:nvSpPr>
+          <p:cNvPr id="4" name="Text Placeholder 3"/>
+          <p:cNvSpPr>
+            <a:spLocks noGrp="1"/>
+          </p:cNvSpPr>
+          <p:nvPr>
+            <p:ph type="body" sz="half" idx="2"/>
+          </p:nvPr>
+        </p:nvSpPr>
+        <p:spPr>
+          <a:xfrm>
+            <a:off x="2589213" y="5181600"/>
+            <a:ext cx="8915400" cy="729622"/>
+          </a:xfrm>
+        </p:spPr>
+        <p:txBody>
+          <a:bodyPr vert="horz" lIns="91440" tIns="45720" rIns="91440" bIns="45720" rtlCol="0" anchor="t">
+            <a:normAutofit/>
+          </a:bodyPr>
+          <a:lstStyle>
+            <a:lvl1pPr>
+              <a:buNone/>
+              <a:defRPr lang="en-US">
+                <a:solidFill>
+                  <a:schemeClr val="tx1">
+                    <a:lumMod val="65000"/>
+                    <a:lumOff val="35000"/>
+                  </a:schemeClr>
+                </a:solidFill>
+              </a:defRPr>
+            </a:lvl1pPr>
+          </a:lstStyle>
+          <a:p>
+            <a:pPr marL="0" lvl="0" indent="0">
+              <a:buNone/>
+            </a:pPr>
+            <a:r>
+              <a:rPr lang="en-GB"/>
+              <a:t>Click to edit Master text styles</a:t>
+            </a:r>
+          </a:p>
+        </p:txBody>
+      </p:sp>
+      <p:sp>
+        <p:nvSpPr>
+          <p:cNvPr id="5" name="Date Placeholder 4"/>
+          <p:cNvSpPr>
+            <a:spLocks noGrp="1"/>
+          </p:cNvSpPr>
+          <p:nvPr>
+            <p:ph type="dt" sz="half" idx="10"/>
+          </p:nvPr>
+        </p:nvSpPr>
+        <p:spPr/>
+        <p:txBody>
+          <a:bodyPr/>
+          <a:lstStyle/>
+          <a:p>
+            <a:fld id="{48A87A34-81AB-432B-8DAE-1953F412C126}" type="datetimeFigureOut">
+              <a:rPr lang="en-US" smtClean="0"/>
+              <a:pPr/>
+              <a:t>1/28/21</a:t>
+            </a:fld>
+            <a:endParaRPr lang="en-US" dirty="0"/>
+          </a:p>
+        </p:txBody>
+      </p:sp>
+      <p:sp>
+        <p:nvSpPr>
+          <p:cNvPr id="6" name="Footer Placeholder 5"/>
+          <p:cNvSpPr>
+            <a:spLocks noGrp="1"/>
+          </p:cNvSpPr>
+          <p:nvPr>
+            <p:ph type="ftr" sz="quarter" idx="11"/>
+          </p:nvPr>
+        </p:nvSpPr>
+        <p:spPr/>
+        <p:txBody>
+          <a:bodyPr/>
+          <a:lstStyle/>
+          <a:p>
+            <a:endParaRPr lang="en-US" dirty="0"/>
+          </a:p>
+        </p:txBody>
+      </p:sp>
+      <p:sp>
+        <p:nvSpPr>
+          <p:cNvPr id="11" name="Freeform 11"/>
+          <p:cNvSpPr/>
+          <p:nvPr/>
+        </p:nvSpPr>
+        <p:spPr bwMode="auto">
+          <a:xfrm flipV="1">
+            <a:off x="-4189" y="4911725"/>
+            <a:ext cx="1588527" cy="507297"/>
+          </a:xfrm>
+          <a:custGeom>
+            <a:avLst/>
+            <a:gdLst/>
+            <a:ahLst/>
+            <a:cxnLst/>
+            <a:rect l="l" t="t" r="r" b="b"/>
+            <a:pathLst>
+              <a:path w="9248" h="10000">
+                <a:moveTo>
+                  <a:pt x="9248" y="4701"/>
+                </a:moveTo>
+                <a:lnTo>
+                  <a:pt x="7915" y="188"/>
+                </a:lnTo>
+                <a:cubicBezTo>
+                  <a:pt x="7906" y="156"/>
+                  <a:pt x="7895" y="126"/>
+                  <a:pt x="7886" y="94"/>
+                </a:cubicBezTo>
+                <a:cubicBezTo>
+                  <a:pt x="7859" y="0"/>
+                  <a:pt x="7831" y="0"/>
+                  <a:pt x="7803" y="0"/>
+                </a:cubicBezTo>
+                <a:lnTo>
+                  <a:pt x="7275" y="0"/>
+                </a:lnTo>
+                <a:lnTo>
+                  <a:pt x="0" y="70"/>
+                </a:lnTo>
+                <a:cubicBezTo>
+                  <a:pt x="8" y="3380"/>
+                  <a:pt x="17" y="6690"/>
+                  <a:pt x="25" y="10000"/>
+                </a:cubicBezTo>
+                <a:lnTo>
+                  <a:pt x="7275" y="9966"/>
+                </a:lnTo>
+                <a:lnTo>
+                  <a:pt x="7803" y="9966"/>
+                </a:lnTo>
+                <a:cubicBezTo>
+                  <a:pt x="7831" y="9966"/>
+                  <a:pt x="7859" y="9872"/>
+                  <a:pt x="7886" y="9872"/>
+                </a:cubicBezTo>
+                <a:cubicBezTo>
+                  <a:pt x="7886" y="9778"/>
+                  <a:pt x="7915" y="9778"/>
+                  <a:pt x="7915" y="9778"/>
+                </a:cubicBezTo>
+                <a:lnTo>
+                  <a:pt x="9248" y="5265"/>
+                </a:lnTo>
+                <a:cubicBezTo>
+                  <a:pt x="9303" y="5077"/>
+                  <a:pt x="9303" y="4889"/>
+                  <a:pt x="9248" y="4701"/>
+                </a:cubicBezTo>
+                <a:close/>
+              </a:path>
+            </a:pathLst>
+          </a:custGeom>
+          <a:solidFill>
+            <a:schemeClr val="accent1"/>
+          </a:solidFill>
+          <a:ln>
+            <a:noFill/>
+          </a:ln>
+        </p:spPr>
+      </p:sp>
+      <p:sp>
+        <p:nvSpPr>
+          <p:cNvPr id="7" name="Slide Number Placeholder 6"/>
+          <p:cNvSpPr>
+            <a:spLocks noGrp="1"/>
+          </p:cNvSpPr>
+          <p:nvPr>
+            <p:ph type="sldNum" sz="quarter" idx="12"/>
+          </p:nvPr>
+        </p:nvSpPr>
+        <p:spPr>
+          <a:xfrm>
+            <a:off x="531812" y="4983087"/>
+            <a:ext cx="779767" cy="365125"/>
+          </a:xfrm>
+        </p:spPr>
+        <p:txBody>
+          <a:bodyPr/>
+          <a:lstStyle/>
+          <a:p>
+            <a:fld id="{6D22F896-40B5-4ADD-8801-0D06FADFA095}" type="slidenum">
+              <a:rPr lang="en-US" smtClean="0"/>
+              <a:pPr/>
+              <a:t>‹#›</a:t>
+            </a:fld>
+            <a:endParaRPr lang="en-US" dirty="0"/>
+          </a:p>
+        </p:txBody>
+      </p:sp>
+      <p:sp>
+        <p:nvSpPr>
+          <p:cNvPr id="17" name="TextBox 16"/>
+          <p:cNvSpPr txBox="1"/>
+          <p:nvPr/>
+        </p:nvSpPr>
+        <p:spPr>
+          <a:xfrm>
+            <a:off x="2467652" y="648005"/>
+            <a:ext cx="609600" cy="584776"/>
+          </a:xfrm>
+          <a:prstGeom prst="rect">
+            <a:avLst/>
+          </a:prstGeom>
+        </p:spPr>
+        <p:txBody>
+          <a:bodyPr vert="horz" lIns="91440" tIns="45720" rIns="91440" bIns="45720" rtlCol="0" anchor="ctr">
+            <a:noAutofit/>
+          </a:bodyPr>
+          <a:lstStyle/>
+          <a:p>
+            <a:pPr lvl="0"/>
+            <a:r>
+              <a:rPr lang="en-US" sz="8000" baseline="0" dirty="0">
+                <a:ln w="3175" cmpd="sng">
+                  <a:noFill/>
+                </a:ln>
+                <a:solidFill>
+                  <a:schemeClr val="accent1"/>
+                </a:solidFill>
+                <a:effectLst/>
+                <a:latin typeface="Arial"/>
+              </a:rPr>
+              <a:t>“</a:t>
+            </a:r>
+          </a:p>
+        </p:txBody>
+      </p:sp>
+      <p:sp>
+        <p:nvSpPr>
+          <p:cNvPr id="18" name="TextBox 17"/>
+          <p:cNvSpPr txBox="1"/>
+          <p:nvPr/>
+        </p:nvSpPr>
+        <p:spPr>
+          <a:xfrm>
+            <a:off x="11114852" y="2905306"/>
+            <a:ext cx="609600" cy="584776"/>
+          </a:xfrm>
+          <a:prstGeom prst="rect">
+            <a:avLst/>
+          </a:prstGeom>
+        </p:spPr>
+        <p:txBody>
+          <a:bodyPr vert="horz" lIns="91440" tIns="45720" rIns="91440" bIns="45720" rtlCol="0" anchor="ctr">
+            <a:noAutofit/>
+          </a:bodyPr>
+          <a:lstStyle/>
+          <a:p>
+            <a:pPr lvl="0"/>
+            <a:r>
+              <a:rPr lang="en-US" sz="8000" baseline="0" dirty="0">
+                <a:ln w="3175" cmpd="sng">
+                  <a:noFill/>
+                </a:ln>
+                <a:solidFill>
+                  <a:schemeClr val="accent1"/>
+                </a:solidFill>
+                <a:effectLst/>
+                <a:latin typeface="Arial"/>
+              </a:rPr>
+              <a:t>”</a:t>
+            </a:r>
+          </a:p>
+        </p:txBody>
+      </p:sp>
+    </p:spTree>
+    <p:extLst>
+      <p:ext uri="{BB962C8B-B14F-4D97-AF65-F5344CB8AC3E}">
+        <p14:creationId xmlns:p14="http://schemas.microsoft.com/office/powerpoint/2010/main" val="359322431"/>
+      </p:ext>
+    </p:extLst>
+  </p:cSld>
+  <p:clrMapOvr>
+    <a:masterClrMapping/>
+  </p:clrMapOvr>
+</p:sldLayout>
+</file>
+
+<file path=ppt/slideLayouts/slideLayout14.xml><?xml version="1.0" encoding="utf-8"?>
+<p:sldLayout xmlns:a="http://schemas.openxmlformats.org/drawingml/2006/main" xmlns:r="http://schemas.openxmlformats.org/officeDocument/2006/relationships" xmlns:p="http://schemas.openxmlformats.org/presentationml/2006/main" preserve="1">
+  <p:cSld name="True or False">
+    <p:spTree>
+      <p:nvGrpSpPr>
+        <p:cNvPr id="1" name=""/>
+        <p:cNvGrpSpPr/>
+        <p:nvPr/>
+      </p:nvGrpSpPr>
+      <p:grpSpPr>
+        <a:xfrm>
+          <a:off x="0" y="0"/>
+          <a:ext cx="0" cy="0"/>
+          <a:chOff x="0" y="0"/>
+          <a:chExt cx="0" cy="0"/>
+        </a:xfrm>
+      </p:grpSpPr>
+      <p:sp>
+        <p:nvSpPr>
+          <p:cNvPr id="2" name="Title 1"/>
+          <p:cNvSpPr>
+            <a:spLocks noGrp="1"/>
+          </p:cNvSpPr>
+          <p:nvPr>
+            <p:ph type="title"/>
+          </p:nvPr>
+        </p:nvSpPr>
+        <p:spPr>
+          <a:xfrm>
+            <a:off x="2589212" y="627407"/>
+            <a:ext cx="8915399" cy="2880020"/>
+          </a:xfrm>
+        </p:spPr>
+        <p:txBody>
+          <a:bodyPr anchor="ctr">
+            <a:normAutofit/>
+          </a:bodyPr>
+          <a:lstStyle>
+            <a:lvl1pPr algn="l">
+              <a:defRPr sz="4800" b="0"/>
+            </a:lvl1pPr>
+          </a:lstStyle>
+          <a:p>
+            <a:r>
+              <a:rPr lang="en-GB"/>
+              <a:t>Click to edit Master title style</a:t>
+            </a:r>
+            <a:endParaRPr lang="en-US" dirty="0"/>
+          </a:p>
+        </p:txBody>
+      </p:sp>
+      <p:sp>
+        <p:nvSpPr>
+          <p:cNvPr id="21" name="Text Placeholder 9"/>
+          <p:cNvSpPr>
+            <a:spLocks noGrp="1"/>
+          </p:cNvSpPr>
+          <p:nvPr>
+            <p:ph type="body" sz="quarter" idx="13"/>
+          </p:nvPr>
+        </p:nvSpPr>
+        <p:spPr>
+          <a:xfrm>
+            <a:off x="2589212" y="4343400"/>
+            <a:ext cx="8915400" cy="838200"/>
+          </a:xfrm>
+        </p:spPr>
+        <p:txBody>
+          <a:bodyPr anchor="b">
+            <a:noAutofit/>
+          </a:bodyPr>
+          <a:lstStyle>
+            <a:lvl1pPr marL="0" indent="0">
+              <a:buFontTx/>
+              <a:buNone/>
+              <a:defRPr sz="2400">
+                <a:solidFill>
+                  <a:schemeClr val="accent1"/>
+                </a:solidFill>
+              </a:defRPr>
+            </a:lvl1pPr>
+            <a:lvl2pPr marL="457200" indent="0">
+              <a:buFontTx/>
+              <a:buNone/>
+              <a:defRPr/>
+            </a:lvl2pPr>
+            <a:lvl3pPr marL="914400" indent="0">
+              <a:buFontTx/>
+              <a:buNone/>
+              <a:defRPr/>
+            </a:lvl3pPr>
+            <a:lvl4pPr marL="1371600" indent="0">
+              <a:buFontTx/>
+              <a:buNone/>
+              <a:defRPr/>
+            </a:lvl4pPr>
+            <a:lvl5pPr marL="1828800" indent="0">
+              <a:buFontTx/>
+              <a:buNone/>
+              <a:defRPr/>
+            </a:lvl5pPr>
+          </a:lstStyle>
+          <a:p>
+            <a:pPr lvl="0"/>
+            <a:r>
+              <a:rPr lang="en-GB"/>
+              <a:t>Click to edit Master text styles</a:t>
+            </a:r>
+          </a:p>
+        </p:txBody>
+      </p:sp>
+      <p:sp>
+        <p:nvSpPr>
+          <p:cNvPr id="4" name="Text Placeholder 3"/>
+          <p:cNvSpPr>
+            <a:spLocks noGrp="1"/>
+          </p:cNvSpPr>
+          <p:nvPr>
+            <p:ph type="body" sz="half" idx="2"/>
+          </p:nvPr>
+        </p:nvSpPr>
+        <p:spPr>
+          <a:xfrm>
+            <a:off x="2589213" y="5181600"/>
+            <a:ext cx="8915400" cy="729622"/>
+          </a:xfrm>
+        </p:spPr>
+        <p:txBody>
+          <a:bodyPr vert="horz" lIns="91440" tIns="45720" rIns="91440" bIns="45720" rtlCol="0" anchor="t">
+            <a:normAutofit/>
+          </a:bodyPr>
+          <a:lstStyle>
+            <a:lvl1pPr>
+              <a:buNone/>
+              <a:defRPr lang="en-US">
+                <a:solidFill>
+                  <a:schemeClr val="tx1">
+                    <a:lumMod val="65000"/>
+                    <a:lumOff val="35000"/>
+                  </a:schemeClr>
+                </a:solidFill>
+              </a:defRPr>
+            </a:lvl1pPr>
+          </a:lstStyle>
+          <a:p>
+            <a:pPr marL="0" lvl="0" indent="0">
+              <a:buNone/>
+            </a:pPr>
+            <a:r>
+              <a:rPr lang="en-GB"/>
+              <a:t>Click to edit Master text styles</a:t>
+            </a:r>
+          </a:p>
+        </p:txBody>
+      </p:sp>
+      <p:sp>
+        <p:nvSpPr>
+          <p:cNvPr id="5" name="Date Placeholder 4"/>
+          <p:cNvSpPr>
+            <a:spLocks noGrp="1"/>
+          </p:cNvSpPr>
+          <p:nvPr>
+            <p:ph type="dt" sz="half" idx="10"/>
+          </p:nvPr>
+        </p:nvSpPr>
+        <p:spPr/>
+        <p:txBody>
+          <a:bodyPr/>
+          <a:lstStyle/>
+          <a:p>
+            <a:fld id="{48A87A34-81AB-432B-8DAE-1953F412C126}" type="datetimeFigureOut">
+              <a:rPr lang="en-US" smtClean="0"/>
+              <a:pPr/>
+              <a:t>1/28/21</a:t>
+            </a:fld>
+            <a:endParaRPr lang="en-US" dirty="0"/>
+          </a:p>
+        </p:txBody>
+      </p:sp>
+      <p:sp>
+        <p:nvSpPr>
+          <p:cNvPr id="6" name="Footer Placeholder 5"/>
+          <p:cNvSpPr>
+            <a:spLocks noGrp="1"/>
+          </p:cNvSpPr>
+          <p:nvPr>
+            <p:ph type="ftr" sz="quarter" idx="11"/>
+          </p:nvPr>
+        </p:nvSpPr>
+        <p:spPr/>
+        <p:txBody>
+          <a:bodyPr/>
+          <a:lstStyle/>
+          <a:p>
+            <a:endParaRPr lang="en-US" dirty="0"/>
+          </a:p>
+        </p:txBody>
+      </p:sp>
+      <p:sp>
+        <p:nvSpPr>
+          <p:cNvPr id="9" name="Freeform 11"/>
+          <p:cNvSpPr/>
+          <p:nvPr/>
+        </p:nvSpPr>
+        <p:spPr bwMode="auto">
+          <a:xfrm flipV="1">
+            <a:off x="-4189" y="4911725"/>
+            <a:ext cx="1588527" cy="507297"/>
+          </a:xfrm>
+          <a:custGeom>
+            <a:avLst/>
+            <a:gdLst/>
+            <a:ahLst/>
+            <a:cxnLst/>
+            <a:rect l="l" t="t" r="r" b="b"/>
+            <a:pathLst>
+              <a:path w="9248" h="10000">
+                <a:moveTo>
+                  <a:pt x="9248" y="4701"/>
+                </a:moveTo>
+                <a:lnTo>
+                  <a:pt x="7915" y="188"/>
+                </a:lnTo>
+                <a:cubicBezTo>
+                  <a:pt x="7906" y="156"/>
+                  <a:pt x="7895" y="126"/>
+                  <a:pt x="7886" y="94"/>
+                </a:cubicBezTo>
+                <a:cubicBezTo>
+                  <a:pt x="7859" y="0"/>
+                  <a:pt x="7831" y="0"/>
+                  <a:pt x="7803" y="0"/>
+                </a:cubicBezTo>
+                <a:lnTo>
+                  <a:pt x="7275" y="0"/>
+                </a:lnTo>
+                <a:lnTo>
+                  <a:pt x="0" y="70"/>
+                </a:lnTo>
+                <a:cubicBezTo>
+                  <a:pt x="8" y="3380"/>
+                  <a:pt x="17" y="6690"/>
+                  <a:pt x="25" y="10000"/>
+                </a:cubicBezTo>
+                <a:lnTo>
+                  <a:pt x="7275" y="9966"/>
+                </a:lnTo>
+                <a:lnTo>
+                  <a:pt x="7803" y="9966"/>
+                </a:lnTo>
+                <a:cubicBezTo>
+                  <a:pt x="7831" y="9966"/>
+                  <a:pt x="7859" y="9872"/>
+                  <a:pt x="7886" y="9872"/>
+                </a:cubicBezTo>
+                <a:cubicBezTo>
+                  <a:pt x="7886" y="9778"/>
+                  <a:pt x="7915" y="9778"/>
+                  <a:pt x="7915" y="9778"/>
+                </a:cubicBezTo>
+                <a:lnTo>
+                  <a:pt x="9248" y="5265"/>
+                </a:lnTo>
+                <a:cubicBezTo>
+                  <a:pt x="9303" y="5077"/>
+                  <a:pt x="9303" y="4889"/>
+                  <a:pt x="9248" y="4701"/>
+                </a:cubicBezTo>
+                <a:close/>
+              </a:path>
+            </a:pathLst>
+          </a:custGeom>
+          <a:solidFill>
+            <a:schemeClr val="accent1"/>
+          </a:solidFill>
+          <a:ln>
+            <a:noFill/>
+          </a:ln>
+        </p:spPr>
+      </p:sp>
+      <p:sp>
+        <p:nvSpPr>
+          <p:cNvPr id="7" name="Slide Number Placeholder 6"/>
+          <p:cNvSpPr>
+            <a:spLocks noGrp="1"/>
+          </p:cNvSpPr>
+          <p:nvPr>
+            <p:ph type="sldNum" sz="quarter" idx="12"/>
+          </p:nvPr>
+        </p:nvSpPr>
+        <p:spPr>
+          <a:xfrm>
+            <a:off x="531812" y="4983087"/>
+            <a:ext cx="779767" cy="365125"/>
+          </a:xfrm>
+        </p:spPr>
+        <p:txBody>
+          <a:bodyPr/>
+          <a:lstStyle/>
+          <a:p>
+            <a:fld id="{6D22F896-40B5-4ADD-8801-0D06FADFA095}" type="slidenum">
+              <a:rPr lang="en-US" smtClean="0"/>
+              <a:pPr/>
+              <a:t>‹#›</a:t>
+            </a:fld>
+            <a:endParaRPr lang="en-US" dirty="0"/>
+          </a:p>
+        </p:txBody>
+      </p:sp>
+    </p:spTree>
+    <p:extLst>
+      <p:ext uri="{BB962C8B-B14F-4D97-AF65-F5344CB8AC3E}">
+        <p14:creationId xmlns:p14="http://schemas.microsoft.com/office/powerpoint/2010/main" val="559856334"/>
+      </p:ext>
+    </p:extLst>
+  </p:cSld>
+  <p:clrMapOvr>
+    <a:masterClrMapping/>
+  </p:clrMapOvr>
+</p:sldLayout>
+</file>
+
+<file path=ppt/slideLayouts/slideLayout15.xml><?xml version="1.0" encoding="utf-8"?>
 <p:sldLayout xmlns:a="http://schemas.openxmlformats.org/drawingml/2006/main" xmlns:r="http://schemas.openxmlformats.org/officeDocument/2006/relationships" xmlns:p="http://schemas.openxmlformats.org/presentationml/2006/main" type="vertTx" preserve="1">
   <p:cSld name="Title and Vertical Text">
     <p:spTree>
@@ -353,13 +2275,7 @@
       </p:grpSpPr>
       <p:sp>
         <p:nvSpPr>
-          <p:cNvPr id="2" name="Title 1">
-            <a:extLst>
-              <a:ext uri="{FF2B5EF4-FFF2-40B4-BE49-F238E27FC236}">
-                <a16:creationId xmlns:a16="http://schemas.microsoft.com/office/drawing/2014/main" id="{BB4154E6-0E49-0B43-9C3B-CF728E9385E4}"/>
-              </a:ext>
-            </a:extLst>
-          </p:cNvPr>
+          <p:cNvPr id="2" name="Title 1"/>
           <p:cNvSpPr>
             <a:spLocks noGrp="1"/>
           </p:cNvSpPr>
@@ -376,19 +2292,13 @@
               <a:rPr lang="en-GB"/>
               <a:t>Click to edit Master title style</a:t>
             </a:r>
-            <a:endParaRPr lang="en-RU"/>
-          </a:p>
-        </p:txBody>
-      </p:sp>
-      <p:sp>
-        <p:nvSpPr>
-          <p:cNvPr id="3" name="Vertical Text Placeholder 2">
-            <a:extLst>
-              <a:ext uri="{FF2B5EF4-FFF2-40B4-BE49-F238E27FC236}">
-                <a16:creationId xmlns:a16="http://schemas.microsoft.com/office/drawing/2014/main" id="{8077589B-26D5-254A-90B9-8ABE89A6CA5D}"/>
-              </a:ext>
-            </a:extLst>
-          </p:cNvPr>
+            <a:endParaRPr lang="en-US" dirty="0"/>
+          </a:p>
+        </p:txBody>
+      </p:sp>
+      <p:sp>
+        <p:nvSpPr>
+          <p:cNvPr id="3" name="Vertical Text Placeholder 2"/>
           <p:cNvSpPr>
             <a:spLocks noGrp="1"/>
           </p:cNvSpPr>
@@ -398,7 +2308,7 @@
         </p:nvSpPr>
         <p:spPr/>
         <p:txBody>
-          <a:bodyPr vert="eaVert"/>
+          <a:bodyPr vert="eaVert" anchor="t"/>
           <a:lstStyle/>
           <a:p>
             <a:pPr lvl="0"/>
@@ -434,19 +2344,13 @@
               <a:rPr lang="en-GB"/>
               <a:t>Fifth level</a:t>
             </a:r>
-            <a:endParaRPr lang="en-RU"/>
-          </a:p>
-        </p:txBody>
-      </p:sp>
-      <p:sp>
-        <p:nvSpPr>
-          <p:cNvPr id="4" name="Date Placeholder 3">
-            <a:extLst>
-              <a:ext uri="{FF2B5EF4-FFF2-40B4-BE49-F238E27FC236}">
-                <a16:creationId xmlns:a16="http://schemas.microsoft.com/office/drawing/2014/main" id="{07B7904F-F278-6D48-8ADD-155653E7BC99}"/>
-              </a:ext>
-            </a:extLst>
-          </p:cNvPr>
+            <a:endParaRPr lang="en-US" dirty="0"/>
+          </a:p>
+        </p:txBody>
+      </p:sp>
+      <p:sp>
+        <p:nvSpPr>
+          <p:cNvPr id="4" name="Date Placeholder 3"/>
           <p:cNvSpPr>
             <a:spLocks noGrp="1"/>
           </p:cNvSpPr>
@@ -461,7 +2365,7 @@
           <a:p>
             <a:fld id="{48A87A34-81AB-432B-8DAE-1953F412C126}" type="datetimeFigureOut">
               <a:rPr lang="en-US" smtClean="0"/>
-              <a:t>12/25/20</a:t>
+              <a:t>1/28/21</a:t>
             </a:fld>
             <a:endParaRPr lang="en-US" dirty="0"/>
           </a:p>
@@ -469,13 +2373,7 @@
       </p:sp>
       <p:sp>
         <p:nvSpPr>
-          <p:cNvPr id="5" name="Footer Placeholder 4">
-            <a:extLst>
-              <a:ext uri="{FF2B5EF4-FFF2-40B4-BE49-F238E27FC236}">
-                <a16:creationId xmlns:a16="http://schemas.microsoft.com/office/drawing/2014/main" id="{86349D75-7E5B-C648-8ACB-E4CD06B6B599}"/>
-              </a:ext>
-            </a:extLst>
-          </p:cNvPr>
+          <p:cNvPr id="5" name="Footer Placeholder 4"/>
           <p:cNvSpPr>
             <a:spLocks noGrp="1"/>
           </p:cNvSpPr>
@@ -494,13 +2392,89 @@
       </p:sp>
       <p:sp>
         <p:nvSpPr>
-          <p:cNvPr id="6" name="Slide Number Placeholder 5">
-            <a:extLst>
-              <a:ext uri="{FF2B5EF4-FFF2-40B4-BE49-F238E27FC236}">
-                <a16:creationId xmlns:a16="http://schemas.microsoft.com/office/drawing/2014/main" id="{977FAED1-34EF-5749-823D-E0144AED8716}"/>
-              </a:ext>
-            </a:extLst>
-          </p:cNvPr>
+          <p:cNvPr id="8" name="Freeform 11"/>
+          <p:cNvSpPr/>
+          <p:nvPr/>
+        </p:nvSpPr>
+        <p:spPr bwMode="auto">
+          <a:xfrm flipV="1">
+            <a:off x="-4189" y="714375"/>
+            <a:ext cx="1588527" cy="507297"/>
+          </a:xfrm>
+          <a:custGeom>
+            <a:avLst/>
+            <a:gdLst/>
+            <a:ahLst/>
+            <a:cxnLst/>
+            <a:rect l="l" t="t" r="r" b="b"/>
+            <a:pathLst>
+              <a:path w="9248" h="10000">
+                <a:moveTo>
+                  <a:pt x="9248" y="4701"/>
+                </a:moveTo>
+                <a:lnTo>
+                  <a:pt x="7915" y="188"/>
+                </a:lnTo>
+                <a:cubicBezTo>
+                  <a:pt x="7906" y="156"/>
+                  <a:pt x="7895" y="126"/>
+                  <a:pt x="7886" y="94"/>
+                </a:cubicBezTo>
+                <a:cubicBezTo>
+                  <a:pt x="7859" y="0"/>
+                  <a:pt x="7831" y="0"/>
+                  <a:pt x="7803" y="0"/>
+                </a:cubicBezTo>
+                <a:lnTo>
+                  <a:pt x="7275" y="0"/>
+                </a:lnTo>
+                <a:lnTo>
+                  <a:pt x="0" y="70"/>
+                </a:lnTo>
+                <a:cubicBezTo>
+                  <a:pt x="8" y="3380"/>
+                  <a:pt x="17" y="6690"/>
+                  <a:pt x="25" y="10000"/>
+                </a:cubicBezTo>
+                <a:lnTo>
+                  <a:pt x="7275" y="9966"/>
+                </a:lnTo>
+                <a:lnTo>
+                  <a:pt x="7803" y="9966"/>
+                </a:lnTo>
+                <a:cubicBezTo>
+                  <a:pt x="7831" y="9966"/>
+                  <a:pt x="7859" y="9872"/>
+                  <a:pt x="7886" y="9872"/>
+                </a:cubicBezTo>
+                <a:cubicBezTo>
+                  <a:pt x="7886" y="9778"/>
+                  <a:pt x="7915" y="9778"/>
+                  <a:pt x="7915" y="9778"/>
+                </a:cubicBezTo>
+                <a:lnTo>
+                  <a:pt x="9248" y="5265"/>
+                </a:lnTo>
+                <a:cubicBezTo>
+                  <a:pt x="9303" y="5077"/>
+                  <a:pt x="9303" y="4889"/>
+                  <a:pt x="9248" y="4701"/>
+                </a:cubicBezTo>
+                <a:close/>
+              </a:path>
+            </a:pathLst>
+          </a:custGeom>
+          <a:solidFill>
+            <a:schemeClr val="accent1"/>
+          </a:solidFill>
+          <a:ln>
+            <a:noFill/>
+          </a:ln>
+        </p:spPr>
+      </p:sp>
+      <p:sp>
+        <p:nvSpPr>
+          <p:cNvPr id="6" name="Slide Number Placeholder 5"/>
           <p:cNvSpPr>
             <a:spLocks noGrp="1"/>
           </p:cNvSpPr>
@@ -524,7 +2498,7 @@
     </p:spTree>
     <p:extLst>
       <p:ext uri="{BB962C8B-B14F-4D97-AF65-F5344CB8AC3E}">
-        <p14:creationId xmlns:p14="http://schemas.microsoft.com/office/powerpoint/2010/main" val="3814423939"/>
+        <p14:creationId xmlns:p14="http://schemas.microsoft.com/office/powerpoint/2010/main" val="2681885088"/>
       </p:ext>
     </p:extLst>
   </p:cSld>
@@ -534,7 +2508,7 @@
 </p:sldLayout>
 </file>
 
-<file path=ppt/slideLayouts/slideLayout11.xml><?xml version="1.0" encoding="utf-8"?>
+<file path=ppt/slideLayouts/slideLayout16.xml><?xml version="1.0" encoding="utf-8"?>
 <p:sldLayout xmlns:a="http://schemas.openxmlformats.org/drawingml/2006/main" xmlns:r="http://schemas.openxmlformats.org/officeDocument/2006/relationships" xmlns:p="http://schemas.openxmlformats.org/presentationml/2006/main" type="vertTitleAndTx" preserve="1">
   <p:cSld name="Vertical Title and Text">
     <p:spTree>
@@ -553,13 +2527,7 @@
       </p:grpSpPr>
       <p:sp>
         <p:nvSpPr>
-          <p:cNvPr id="2" name="Vertical Title 1">
-            <a:extLst>
-              <a:ext uri="{FF2B5EF4-FFF2-40B4-BE49-F238E27FC236}">
-                <a16:creationId xmlns:a16="http://schemas.microsoft.com/office/drawing/2014/main" id="{E6EBD94B-ABCB-044F-882B-A5A156173E02}"/>
-              </a:ext>
-            </a:extLst>
-          </p:cNvPr>
+          <p:cNvPr id="2" name="Vertical Title 1"/>
           <p:cNvSpPr>
             <a:spLocks noGrp="1"/>
           </p:cNvSpPr>
@@ -569,48 +2537,42 @@
         </p:nvSpPr>
         <p:spPr>
           <a:xfrm>
-            <a:off x="8724900" y="365125"/>
-            <a:ext cx="2628900" cy="5811838"/>
+            <a:off x="9294812" y="627405"/>
+            <a:ext cx="2207601" cy="5283817"/>
           </a:xfrm>
         </p:spPr>
         <p:txBody>
+          <a:bodyPr vert="eaVert" anchor="ctr"/>
+          <a:lstStyle/>
+          <a:p>
+            <a:r>
+              <a:rPr lang="en-GB"/>
+              <a:t>Click to edit Master title style</a:t>
+            </a:r>
+            <a:endParaRPr lang="en-US" dirty="0"/>
+          </a:p>
+        </p:txBody>
+      </p:sp>
+      <p:sp>
+        <p:nvSpPr>
+          <p:cNvPr id="3" name="Vertical Text Placeholder 2"/>
+          <p:cNvSpPr>
+            <a:spLocks noGrp="1"/>
+          </p:cNvSpPr>
+          <p:nvPr>
+            <p:ph type="body" orient="vert" idx="1"/>
+          </p:nvPr>
+        </p:nvSpPr>
+        <p:spPr>
+          <a:xfrm>
+            <a:off x="2589212" y="627405"/>
+            <a:ext cx="6477000" cy="5283817"/>
+          </a:xfrm>
+        </p:spPr>
+        <p:txBody>
           <a:bodyPr vert="eaVert"/>
           <a:lstStyle/>
           <a:p>
-            <a:r>
-              <a:rPr lang="en-GB"/>
-              <a:t>Click to edit Master title style</a:t>
-            </a:r>
-            <a:endParaRPr lang="en-RU"/>
-          </a:p>
-        </p:txBody>
-      </p:sp>
-      <p:sp>
-        <p:nvSpPr>
-          <p:cNvPr id="3" name="Vertical Text Placeholder 2">
-            <a:extLst>
-              <a:ext uri="{FF2B5EF4-FFF2-40B4-BE49-F238E27FC236}">
-                <a16:creationId xmlns:a16="http://schemas.microsoft.com/office/drawing/2014/main" id="{D6819303-5B96-524B-BD4F-B6C76ACA957B}"/>
-              </a:ext>
-            </a:extLst>
-          </p:cNvPr>
-          <p:cNvSpPr>
-            <a:spLocks noGrp="1"/>
-          </p:cNvSpPr>
-          <p:nvPr>
-            <p:ph type="body" orient="vert" idx="1"/>
-          </p:nvPr>
-        </p:nvSpPr>
-        <p:spPr>
-          <a:xfrm>
-            <a:off x="838200" y="365125"/>
-            <a:ext cx="7734300" cy="5811838"/>
-          </a:xfrm>
-        </p:spPr>
-        <p:txBody>
-          <a:bodyPr vert="eaVert"/>
-          <a:lstStyle/>
-          <a:p>
             <a:pPr lvl="0"/>
             <a:r>
               <a:rPr lang="en-GB"/>
@@ -644,19 +2606,13 @@
               <a:rPr lang="en-GB"/>
               <a:t>Fifth level</a:t>
             </a:r>
-            <a:endParaRPr lang="en-RU"/>
-          </a:p>
-        </p:txBody>
-      </p:sp>
-      <p:sp>
-        <p:nvSpPr>
-          <p:cNvPr id="4" name="Date Placeholder 3">
-            <a:extLst>
-              <a:ext uri="{FF2B5EF4-FFF2-40B4-BE49-F238E27FC236}">
-                <a16:creationId xmlns:a16="http://schemas.microsoft.com/office/drawing/2014/main" id="{58FEB66E-4072-0B47-95D8-6BECA47F38CF}"/>
-              </a:ext>
-            </a:extLst>
-          </p:cNvPr>
+            <a:endParaRPr lang="en-US" dirty="0"/>
+          </a:p>
+        </p:txBody>
+      </p:sp>
+      <p:sp>
+        <p:nvSpPr>
+          <p:cNvPr id="4" name="Date Placeholder 3"/>
           <p:cNvSpPr>
             <a:spLocks noGrp="1"/>
           </p:cNvSpPr>
@@ -671,7 +2627,7 @@
           <a:p>
             <a:fld id="{48A87A34-81AB-432B-8DAE-1953F412C126}" type="datetimeFigureOut">
               <a:rPr lang="en-US" smtClean="0"/>
-              <a:t>12/25/20</a:t>
+              <a:t>1/28/21</a:t>
             </a:fld>
             <a:endParaRPr lang="en-US" dirty="0"/>
           </a:p>
@@ -679,13 +2635,7 @@
       </p:sp>
       <p:sp>
         <p:nvSpPr>
-          <p:cNvPr id="5" name="Footer Placeholder 4">
-            <a:extLst>
-              <a:ext uri="{FF2B5EF4-FFF2-40B4-BE49-F238E27FC236}">
-                <a16:creationId xmlns:a16="http://schemas.microsoft.com/office/drawing/2014/main" id="{9428594A-5599-DA4D-AB27-9846FEDA4D77}"/>
-              </a:ext>
-            </a:extLst>
-          </p:cNvPr>
+          <p:cNvPr id="5" name="Footer Placeholder 4"/>
           <p:cNvSpPr>
             <a:spLocks noGrp="1"/>
           </p:cNvSpPr>
@@ -704,13 +2654,89 @@
       </p:sp>
       <p:sp>
         <p:nvSpPr>
-          <p:cNvPr id="6" name="Slide Number Placeholder 5">
-            <a:extLst>
-              <a:ext uri="{FF2B5EF4-FFF2-40B4-BE49-F238E27FC236}">
-                <a16:creationId xmlns:a16="http://schemas.microsoft.com/office/drawing/2014/main" id="{6791FEC7-6E50-834B-B91D-B7B4EE5E7A04}"/>
-              </a:ext>
-            </a:extLst>
-          </p:cNvPr>
+          <p:cNvPr id="8" name="Freeform 11"/>
+          <p:cNvSpPr/>
+          <p:nvPr/>
+        </p:nvSpPr>
+        <p:spPr bwMode="auto">
+          <a:xfrm flipV="1">
+            <a:off x="-4189" y="714375"/>
+            <a:ext cx="1588527" cy="507297"/>
+          </a:xfrm>
+          <a:custGeom>
+            <a:avLst/>
+            <a:gdLst/>
+            <a:ahLst/>
+            <a:cxnLst/>
+            <a:rect l="l" t="t" r="r" b="b"/>
+            <a:pathLst>
+              <a:path w="9248" h="10000">
+                <a:moveTo>
+                  <a:pt x="9248" y="4701"/>
+                </a:moveTo>
+                <a:lnTo>
+                  <a:pt x="7915" y="188"/>
+                </a:lnTo>
+                <a:cubicBezTo>
+                  <a:pt x="7906" y="156"/>
+                  <a:pt x="7895" y="126"/>
+                  <a:pt x="7886" y="94"/>
+                </a:cubicBezTo>
+                <a:cubicBezTo>
+                  <a:pt x="7859" y="0"/>
+                  <a:pt x="7831" y="0"/>
+                  <a:pt x="7803" y="0"/>
+                </a:cubicBezTo>
+                <a:lnTo>
+                  <a:pt x="7275" y="0"/>
+                </a:lnTo>
+                <a:lnTo>
+                  <a:pt x="0" y="70"/>
+                </a:lnTo>
+                <a:cubicBezTo>
+                  <a:pt x="8" y="3380"/>
+                  <a:pt x="17" y="6690"/>
+                  <a:pt x="25" y="10000"/>
+                </a:cubicBezTo>
+                <a:lnTo>
+                  <a:pt x="7275" y="9966"/>
+                </a:lnTo>
+                <a:lnTo>
+                  <a:pt x="7803" y="9966"/>
+                </a:lnTo>
+                <a:cubicBezTo>
+                  <a:pt x="7831" y="9966"/>
+                  <a:pt x="7859" y="9872"/>
+                  <a:pt x="7886" y="9872"/>
+                </a:cubicBezTo>
+                <a:cubicBezTo>
+                  <a:pt x="7886" y="9778"/>
+                  <a:pt x="7915" y="9778"/>
+                  <a:pt x="7915" y="9778"/>
+                </a:cubicBezTo>
+                <a:lnTo>
+                  <a:pt x="9248" y="5265"/>
+                </a:lnTo>
+                <a:cubicBezTo>
+                  <a:pt x="9303" y="5077"/>
+                  <a:pt x="9303" y="4889"/>
+                  <a:pt x="9248" y="4701"/>
+                </a:cubicBezTo>
+                <a:close/>
+              </a:path>
+            </a:pathLst>
+          </a:custGeom>
+          <a:solidFill>
+            <a:schemeClr val="accent1"/>
+          </a:solidFill>
+          <a:ln>
+            <a:noFill/>
+          </a:ln>
+        </p:spPr>
+      </p:sp>
+      <p:sp>
+        <p:nvSpPr>
+          <p:cNvPr id="6" name="Slide Number Placeholder 5"/>
           <p:cNvSpPr>
             <a:spLocks noGrp="1"/>
           </p:cNvSpPr>
@@ -734,7 +2760,7 @@
     </p:spTree>
     <p:extLst>
       <p:ext uri="{BB962C8B-B14F-4D97-AF65-F5344CB8AC3E}">
-        <p14:creationId xmlns:p14="http://schemas.microsoft.com/office/powerpoint/2010/main" val="3392492687"/>
+        <p14:creationId xmlns:p14="http://schemas.microsoft.com/office/powerpoint/2010/main" val="4127488946"/>
       </p:ext>
     </p:extLst>
   </p:cSld>
@@ -763,13 +2789,7 @@
       </p:grpSpPr>
       <p:sp>
         <p:nvSpPr>
-          <p:cNvPr id="2" name="Title 1">
-            <a:extLst>
-              <a:ext uri="{FF2B5EF4-FFF2-40B4-BE49-F238E27FC236}">
-                <a16:creationId xmlns:a16="http://schemas.microsoft.com/office/drawing/2014/main" id="{E8539B12-AB4D-B146-93E9-B303D26F5408}"/>
-              </a:ext>
-            </a:extLst>
-          </p:cNvPr>
+          <p:cNvPr id="2" name="Title 1"/>
           <p:cNvSpPr>
             <a:spLocks noGrp="1"/>
           </p:cNvSpPr>
@@ -777,7 +2797,12 @@
             <p:ph type="title"/>
           </p:nvPr>
         </p:nvSpPr>
-        <p:spPr/>
+        <p:spPr>
+          <a:xfrm>
+            <a:off x="2592925" y="624110"/>
+            <a:ext cx="8911687" cy="1280890"/>
+          </a:xfrm>
+        </p:spPr>
         <p:txBody>
           <a:bodyPr/>
           <a:lstStyle/>
@@ -786,19 +2811,13 @@
               <a:rPr lang="en-GB"/>
               <a:t>Click to edit Master title style</a:t>
             </a:r>
-            <a:endParaRPr lang="en-RU"/>
-          </a:p>
-        </p:txBody>
-      </p:sp>
-      <p:sp>
-        <p:nvSpPr>
-          <p:cNvPr id="3" name="Content Placeholder 2">
-            <a:extLst>
-              <a:ext uri="{FF2B5EF4-FFF2-40B4-BE49-F238E27FC236}">
-                <a16:creationId xmlns:a16="http://schemas.microsoft.com/office/drawing/2014/main" id="{19BDD4B7-688E-244B-9A8C-9721069E73CD}"/>
-              </a:ext>
-            </a:extLst>
-          </p:cNvPr>
+            <a:endParaRPr lang="en-US" dirty="0"/>
+          </a:p>
+        </p:txBody>
+      </p:sp>
+      <p:sp>
+        <p:nvSpPr>
+          <p:cNvPr id="3" name="Content Placeholder 2"/>
           <p:cNvSpPr>
             <a:spLocks noGrp="1"/>
           </p:cNvSpPr>
@@ -806,7 +2825,12 @@
             <p:ph idx="1"/>
           </p:nvPr>
         </p:nvSpPr>
-        <p:spPr/>
+        <p:spPr>
+          <a:xfrm>
+            <a:off x="2589212" y="2133600"/>
+            <a:ext cx="8915400" cy="3777622"/>
+          </a:xfrm>
+        </p:spPr>
         <p:txBody>
           <a:bodyPr/>
           <a:lstStyle/>
@@ -844,19 +2868,13 @@
               <a:rPr lang="en-GB"/>
               <a:t>Fifth level</a:t>
             </a:r>
-            <a:endParaRPr lang="en-RU"/>
-          </a:p>
-        </p:txBody>
-      </p:sp>
-      <p:sp>
-        <p:nvSpPr>
-          <p:cNvPr id="4" name="Date Placeholder 3">
-            <a:extLst>
-              <a:ext uri="{FF2B5EF4-FFF2-40B4-BE49-F238E27FC236}">
-                <a16:creationId xmlns:a16="http://schemas.microsoft.com/office/drawing/2014/main" id="{7F2C9906-47EB-9F4E-B586-0536A30DD6A6}"/>
-              </a:ext>
-            </a:extLst>
-          </p:cNvPr>
+            <a:endParaRPr lang="en-US" dirty="0"/>
+          </a:p>
+        </p:txBody>
+      </p:sp>
+      <p:sp>
+        <p:nvSpPr>
+          <p:cNvPr id="4" name="Date Placeholder 3"/>
           <p:cNvSpPr>
             <a:spLocks noGrp="1"/>
           </p:cNvSpPr>
@@ -871,7 +2889,7 @@
           <a:p>
             <a:fld id="{48A87A34-81AB-432B-8DAE-1953F412C126}" type="datetimeFigureOut">
               <a:rPr lang="en-US" smtClean="0"/>
-              <a:t>12/25/20</a:t>
+              <a:t>1/28/21</a:t>
             </a:fld>
             <a:endParaRPr lang="en-US" dirty="0"/>
           </a:p>
@@ -879,13 +2897,7 @@
       </p:sp>
       <p:sp>
         <p:nvSpPr>
-          <p:cNvPr id="5" name="Footer Placeholder 4">
-            <a:extLst>
-              <a:ext uri="{FF2B5EF4-FFF2-40B4-BE49-F238E27FC236}">
-                <a16:creationId xmlns:a16="http://schemas.microsoft.com/office/drawing/2014/main" id="{994F0B01-6450-A443-886F-F69F234663DA}"/>
-              </a:ext>
-            </a:extLst>
-          </p:cNvPr>
+          <p:cNvPr id="5" name="Footer Placeholder 4"/>
           <p:cNvSpPr>
             <a:spLocks noGrp="1"/>
           </p:cNvSpPr>
@@ -904,13 +2916,89 @@
       </p:sp>
       <p:sp>
         <p:nvSpPr>
-          <p:cNvPr id="6" name="Slide Number Placeholder 5">
-            <a:extLst>
-              <a:ext uri="{FF2B5EF4-FFF2-40B4-BE49-F238E27FC236}">
-                <a16:creationId xmlns:a16="http://schemas.microsoft.com/office/drawing/2014/main" id="{EA13EACE-9A07-D643-9632-C49BD37A9FE0}"/>
-              </a:ext>
-            </a:extLst>
-          </p:cNvPr>
+          <p:cNvPr id="8" name="Freeform 11"/>
+          <p:cNvSpPr/>
+          <p:nvPr/>
+        </p:nvSpPr>
+        <p:spPr bwMode="auto">
+          <a:xfrm flipV="1">
+            <a:off x="-4189" y="714375"/>
+            <a:ext cx="1588527" cy="507297"/>
+          </a:xfrm>
+          <a:custGeom>
+            <a:avLst/>
+            <a:gdLst/>
+            <a:ahLst/>
+            <a:cxnLst/>
+            <a:rect l="l" t="t" r="r" b="b"/>
+            <a:pathLst>
+              <a:path w="9248" h="10000">
+                <a:moveTo>
+                  <a:pt x="9248" y="4701"/>
+                </a:moveTo>
+                <a:lnTo>
+                  <a:pt x="7915" y="188"/>
+                </a:lnTo>
+                <a:cubicBezTo>
+                  <a:pt x="7906" y="156"/>
+                  <a:pt x="7895" y="126"/>
+                  <a:pt x="7886" y="94"/>
+                </a:cubicBezTo>
+                <a:cubicBezTo>
+                  <a:pt x="7859" y="0"/>
+                  <a:pt x="7831" y="0"/>
+                  <a:pt x="7803" y="0"/>
+                </a:cubicBezTo>
+                <a:lnTo>
+                  <a:pt x="7275" y="0"/>
+                </a:lnTo>
+                <a:lnTo>
+                  <a:pt x="0" y="70"/>
+                </a:lnTo>
+                <a:cubicBezTo>
+                  <a:pt x="8" y="3380"/>
+                  <a:pt x="17" y="6690"/>
+                  <a:pt x="25" y="10000"/>
+                </a:cubicBezTo>
+                <a:lnTo>
+                  <a:pt x="7275" y="9966"/>
+                </a:lnTo>
+                <a:lnTo>
+                  <a:pt x="7803" y="9966"/>
+                </a:lnTo>
+                <a:cubicBezTo>
+                  <a:pt x="7831" y="9966"/>
+                  <a:pt x="7859" y="9872"/>
+                  <a:pt x="7886" y="9872"/>
+                </a:cubicBezTo>
+                <a:cubicBezTo>
+                  <a:pt x="7886" y="9778"/>
+                  <a:pt x="7915" y="9778"/>
+                  <a:pt x="7915" y="9778"/>
+                </a:cubicBezTo>
+                <a:lnTo>
+                  <a:pt x="9248" y="5265"/>
+                </a:lnTo>
+                <a:cubicBezTo>
+                  <a:pt x="9303" y="5077"/>
+                  <a:pt x="9303" y="4889"/>
+                  <a:pt x="9248" y="4701"/>
+                </a:cubicBezTo>
+                <a:close/>
+              </a:path>
+            </a:pathLst>
+          </a:custGeom>
+          <a:solidFill>
+            <a:schemeClr val="accent1"/>
+          </a:solidFill>
+          <a:ln>
+            <a:noFill/>
+          </a:ln>
+        </p:spPr>
+      </p:sp>
+      <p:sp>
+        <p:nvSpPr>
+          <p:cNvPr id="6" name="Slide Number Placeholder 5"/>
           <p:cNvSpPr>
             <a:spLocks noGrp="1"/>
           </p:cNvSpPr>
@@ -934,7 +3022,7 @@
     </p:spTree>
     <p:extLst>
       <p:ext uri="{BB962C8B-B14F-4D97-AF65-F5344CB8AC3E}">
-        <p14:creationId xmlns:p14="http://schemas.microsoft.com/office/powerpoint/2010/main" val="3031828528"/>
+        <p14:creationId xmlns:p14="http://schemas.microsoft.com/office/powerpoint/2010/main" val="3293988924"/>
       </p:ext>
     </p:extLst>
   </p:cSld>
@@ -963,13 +3051,7 @@
       </p:grpSpPr>
       <p:sp>
         <p:nvSpPr>
-          <p:cNvPr id="2" name="Title 1">
-            <a:extLst>
-              <a:ext uri="{FF2B5EF4-FFF2-40B4-BE49-F238E27FC236}">
-                <a16:creationId xmlns:a16="http://schemas.microsoft.com/office/drawing/2014/main" id="{638C09BA-7E30-C649-B33E-C1D91B576AD2}"/>
-              </a:ext>
-            </a:extLst>
-          </p:cNvPr>
+          <p:cNvPr id="2" name="Title 1"/>
           <p:cNvSpPr>
             <a:spLocks noGrp="1"/>
           </p:cNvSpPr>
@@ -979,15 +3061,15 @@
         </p:nvSpPr>
         <p:spPr>
           <a:xfrm>
-            <a:off x="831850" y="1709738"/>
-            <a:ext cx="10515600" cy="2852737"/>
+            <a:off x="2589212" y="2058750"/>
+            <a:ext cx="8915399" cy="1468800"/>
           </a:xfrm>
         </p:spPr>
         <p:txBody>
           <a:bodyPr anchor="b"/>
           <a:lstStyle>
-            <a:lvl1pPr>
-              <a:defRPr sz="6000"/>
+            <a:lvl1pPr algn="l">
+              <a:defRPr sz="4000" b="0" cap="none"/>
             </a:lvl1pPr>
           </a:lstStyle>
           <a:p>
@@ -995,19 +3077,13 @@
               <a:rPr lang="en-GB"/>
               <a:t>Click to edit Master title style</a:t>
             </a:r>
-            <a:endParaRPr lang="en-RU"/>
-          </a:p>
-        </p:txBody>
-      </p:sp>
-      <p:sp>
-        <p:nvSpPr>
-          <p:cNvPr id="3" name="Text Placeholder 2">
-            <a:extLst>
-              <a:ext uri="{FF2B5EF4-FFF2-40B4-BE49-F238E27FC236}">
-                <a16:creationId xmlns:a16="http://schemas.microsoft.com/office/drawing/2014/main" id="{8A51AD50-3C8D-474B-873E-F442770BCCFB}"/>
-              </a:ext>
-            </a:extLst>
-          </p:cNvPr>
+            <a:endParaRPr lang="en-US" dirty="0"/>
+          </a:p>
+        </p:txBody>
+      </p:sp>
+      <p:sp>
+        <p:nvSpPr>
+          <p:cNvPr id="3" name="Text Placeholder 2"/>
           <p:cNvSpPr>
             <a:spLocks noGrp="1"/>
           </p:cNvSpPr>
@@ -1017,26 +3093,27 @@
         </p:nvSpPr>
         <p:spPr>
           <a:xfrm>
-            <a:off x="831850" y="4589463"/>
-            <a:ext cx="10515600" cy="1500187"/>
+            <a:off x="2589212" y="3530129"/>
+            <a:ext cx="8915399" cy="860400"/>
           </a:xfrm>
         </p:spPr>
         <p:txBody>
-          <a:bodyPr/>
+          <a:bodyPr anchor="t"/>
           <a:lstStyle>
-            <a:lvl1pPr marL="0" indent="0">
-              <a:buNone/>
-              <a:defRPr sz="2400">
+            <a:lvl1pPr marL="0" indent="0" algn="l">
+              <a:buNone/>
+              <a:defRPr sz="2000">
                 <a:solidFill>
                   <a:schemeClr val="tx1">
-                    <a:tint val="75000"/>
+                    <a:lumMod val="65000"/>
+                    <a:lumOff val="35000"/>
                   </a:schemeClr>
                 </a:solidFill>
               </a:defRPr>
             </a:lvl1pPr>
             <a:lvl2pPr marL="457200" indent="0">
               <a:buNone/>
-              <a:defRPr sz="2000">
+              <a:defRPr sz="1800">
                 <a:solidFill>
                   <a:schemeClr val="tx1">
                     <a:tint val="75000"/>
@@ -1046,7 +3123,7 @@
             </a:lvl2pPr>
             <a:lvl3pPr marL="914400" indent="0">
               <a:buNone/>
-              <a:defRPr sz="1800">
+              <a:defRPr sz="1600">
                 <a:solidFill>
                   <a:schemeClr val="tx1">
                     <a:tint val="75000"/>
@@ -1056,7 +3133,7 @@
             </a:lvl3pPr>
             <a:lvl4pPr marL="1371600" indent="0">
               <a:buNone/>
-              <a:defRPr sz="1600">
+              <a:defRPr sz="1400">
                 <a:solidFill>
                   <a:schemeClr val="tx1">
                     <a:tint val="75000"/>
@@ -1066,7 +3143,7 @@
             </a:lvl4pPr>
             <a:lvl5pPr marL="1828800" indent="0">
               <a:buNone/>
-              <a:defRPr sz="1600">
+              <a:defRPr sz="1400">
                 <a:solidFill>
                   <a:schemeClr val="tx1">
                     <a:tint val="75000"/>
@@ -1076,7 +3153,7 @@
             </a:lvl5pPr>
             <a:lvl6pPr marL="2286000" indent="0">
               <a:buNone/>
-              <a:defRPr sz="1600">
+              <a:defRPr sz="1400">
                 <a:solidFill>
                   <a:schemeClr val="tx1">
                     <a:tint val="75000"/>
@@ -1086,7 +3163,7 @@
             </a:lvl6pPr>
             <a:lvl7pPr marL="2743200" indent="0">
               <a:buNone/>
-              <a:defRPr sz="1600">
+              <a:defRPr sz="1400">
                 <a:solidFill>
                   <a:schemeClr val="tx1">
                     <a:tint val="75000"/>
@@ -1096,7 +3173,7 @@
             </a:lvl7pPr>
             <a:lvl8pPr marL="3200400" indent="0">
               <a:buNone/>
-              <a:defRPr sz="1600">
+              <a:defRPr sz="1400">
                 <a:solidFill>
                   <a:schemeClr val="tx1">
                     <a:tint val="75000"/>
@@ -1106,7 +3183,7 @@
             </a:lvl8pPr>
             <a:lvl9pPr marL="3657600" indent="0">
               <a:buNone/>
-              <a:defRPr sz="1600">
+              <a:defRPr sz="1400">
                 <a:solidFill>
                   <a:schemeClr val="tx1">
                     <a:tint val="75000"/>
@@ -1126,13 +3203,7 @@
       </p:sp>
       <p:sp>
         <p:nvSpPr>
-          <p:cNvPr id="4" name="Date Placeholder 3">
-            <a:extLst>
-              <a:ext uri="{FF2B5EF4-FFF2-40B4-BE49-F238E27FC236}">
-                <a16:creationId xmlns:a16="http://schemas.microsoft.com/office/drawing/2014/main" id="{CEC09EB3-7378-3F41-B15B-CD4CCDAA632C}"/>
-              </a:ext>
-            </a:extLst>
-          </p:cNvPr>
+          <p:cNvPr id="4" name="Date Placeholder 3"/>
           <p:cNvSpPr>
             <a:spLocks noGrp="1"/>
           </p:cNvSpPr>
@@ -1147,7 +3218,7 @@
           <a:p>
             <a:fld id="{48A87A34-81AB-432B-8DAE-1953F412C126}" type="datetimeFigureOut">
               <a:rPr lang="en-US" smtClean="0"/>
-              <a:t>12/25/20</a:t>
+              <a:t>1/28/21</a:t>
             </a:fld>
             <a:endParaRPr lang="en-US" dirty="0"/>
           </a:p>
@@ -1155,13 +3226,7 @@
       </p:sp>
       <p:sp>
         <p:nvSpPr>
-          <p:cNvPr id="5" name="Footer Placeholder 4">
-            <a:extLst>
-              <a:ext uri="{FF2B5EF4-FFF2-40B4-BE49-F238E27FC236}">
-                <a16:creationId xmlns:a16="http://schemas.microsoft.com/office/drawing/2014/main" id="{5ECB4582-19B7-BD4A-A267-0D92D6CDD441}"/>
-              </a:ext>
-            </a:extLst>
-          </p:cNvPr>
+          <p:cNvPr id="5" name="Footer Placeholder 4"/>
           <p:cNvSpPr>
             <a:spLocks noGrp="1"/>
           </p:cNvSpPr>
@@ -1180,13 +3245,89 @@
       </p:sp>
       <p:sp>
         <p:nvSpPr>
-          <p:cNvPr id="6" name="Slide Number Placeholder 5">
-            <a:extLst>
-              <a:ext uri="{FF2B5EF4-FFF2-40B4-BE49-F238E27FC236}">
-                <a16:creationId xmlns:a16="http://schemas.microsoft.com/office/drawing/2014/main" id="{A399B4E5-E494-6548-831A-D2EA06F68738}"/>
-              </a:ext>
-            </a:extLst>
-          </p:cNvPr>
+          <p:cNvPr id="9" name="Freeform 11"/>
+          <p:cNvSpPr/>
+          <p:nvPr/>
+        </p:nvSpPr>
+        <p:spPr bwMode="auto">
+          <a:xfrm flipV="1">
+            <a:off x="-4189" y="3178175"/>
+            <a:ext cx="1588527" cy="507297"/>
+          </a:xfrm>
+          <a:custGeom>
+            <a:avLst/>
+            <a:gdLst/>
+            <a:ahLst/>
+            <a:cxnLst/>
+            <a:rect l="l" t="t" r="r" b="b"/>
+            <a:pathLst>
+              <a:path w="9248" h="10000">
+                <a:moveTo>
+                  <a:pt x="9248" y="4701"/>
+                </a:moveTo>
+                <a:lnTo>
+                  <a:pt x="7915" y="188"/>
+                </a:lnTo>
+                <a:cubicBezTo>
+                  <a:pt x="7906" y="156"/>
+                  <a:pt x="7895" y="126"/>
+                  <a:pt x="7886" y="94"/>
+                </a:cubicBezTo>
+                <a:cubicBezTo>
+                  <a:pt x="7859" y="0"/>
+                  <a:pt x="7831" y="0"/>
+                  <a:pt x="7803" y="0"/>
+                </a:cubicBezTo>
+                <a:lnTo>
+                  <a:pt x="7275" y="0"/>
+                </a:lnTo>
+                <a:lnTo>
+                  <a:pt x="0" y="70"/>
+                </a:lnTo>
+                <a:cubicBezTo>
+                  <a:pt x="8" y="3380"/>
+                  <a:pt x="17" y="6690"/>
+                  <a:pt x="25" y="10000"/>
+                </a:cubicBezTo>
+                <a:lnTo>
+                  <a:pt x="7275" y="9966"/>
+                </a:lnTo>
+                <a:lnTo>
+                  <a:pt x="7803" y="9966"/>
+                </a:lnTo>
+                <a:cubicBezTo>
+                  <a:pt x="7831" y="9966"/>
+                  <a:pt x="7859" y="9872"/>
+                  <a:pt x="7886" y="9872"/>
+                </a:cubicBezTo>
+                <a:cubicBezTo>
+                  <a:pt x="7886" y="9778"/>
+                  <a:pt x="7915" y="9778"/>
+                  <a:pt x="7915" y="9778"/>
+                </a:cubicBezTo>
+                <a:lnTo>
+                  <a:pt x="9248" y="5265"/>
+                </a:lnTo>
+                <a:cubicBezTo>
+                  <a:pt x="9303" y="5077"/>
+                  <a:pt x="9303" y="4889"/>
+                  <a:pt x="9248" y="4701"/>
+                </a:cubicBezTo>
+                <a:close/>
+              </a:path>
+            </a:pathLst>
+          </a:custGeom>
+          <a:solidFill>
+            <a:schemeClr val="accent1"/>
+          </a:solidFill>
+          <a:ln>
+            <a:noFill/>
+          </a:ln>
+        </p:spPr>
+      </p:sp>
+      <p:sp>
+        <p:nvSpPr>
+          <p:cNvPr id="6" name="Slide Number Placeholder 5"/>
           <p:cNvSpPr>
             <a:spLocks noGrp="1"/>
           </p:cNvSpPr>
@@ -1194,7 +3335,12 @@
             <p:ph type="sldNum" sz="quarter" idx="12"/>
           </p:nvPr>
         </p:nvSpPr>
-        <p:spPr/>
+        <p:spPr>
+          <a:xfrm>
+            <a:off x="531812" y="3244139"/>
+            <a:ext cx="779767" cy="365125"/>
+          </a:xfrm>
+        </p:spPr>
         <p:txBody>
           <a:bodyPr/>
           <a:lstStyle/>
@@ -1210,7 +3356,7 @@
     </p:spTree>
     <p:extLst>
       <p:ext uri="{BB962C8B-B14F-4D97-AF65-F5344CB8AC3E}">
-        <p14:creationId xmlns:p14="http://schemas.microsoft.com/office/powerpoint/2010/main" val="2747624028"/>
+        <p14:creationId xmlns:p14="http://schemas.microsoft.com/office/powerpoint/2010/main" val="1156832721"/>
       </p:ext>
     </p:extLst>
   </p:cSld>
@@ -1239,13 +3385,7 @@
       </p:grpSpPr>
       <p:sp>
         <p:nvSpPr>
-          <p:cNvPr id="2" name="Title 1">
-            <a:extLst>
-              <a:ext uri="{FF2B5EF4-FFF2-40B4-BE49-F238E27FC236}">
-                <a16:creationId xmlns:a16="http://schemas.microsoft.com/office/drawing/2014/main" id="{C6503524-3FC2-9D48-B08D-5A0DC2CC1EC7}"/>
-              </a:ext>
-            </a:extLst>
-          </p:cNvPr>
+          <p:cNvPr id="8" name="Title 7"/>
           <p:cNvSpPr>
             <a:spLocks noGrp="1"/>
           </p:cNvSpPr>
@@ -1262,19 +3402,13 @@
               <a:rPr lang="en-GB"/>
               <a:t>Click to edit Master title style</a:t>
             </a:r>
-            <a:endParaRPr lang="en-RU"/>
-          </a:p>
-        </p:txBody>
-      </p:sp>
-      <p:sp>
-        <p:nvSpPr>
-          <p:cNvPr id="3" name="Content Placeholder 2">
-            <a:extLst>
-              <a:ext uri="{FF2B5EF4-FFF2-40B4-BE49-F238E27FC236}">
-                <a16:creationId xmlns:a16="http://schemas.microsoft.com/office/drawing/2014/main" id="{61EDD85C-0C5D-B346-83C0-B3EFB47979B7}"/>
-              </a:ext>
-            </a:extLst>
-          </p:cNvPr>
+            <a:endParaRPr lang="en-US" dirty="0"/>
+          </a:p>
+        </p:txBody>
+      </p:sp>
+      <p:sp>
+        <p:nvSpPr>
+          <p:cNvPr id="3" name="Content Placeholder 2"/>
           <p:cNvSpPr>
             <a:spLocks noGrp="1"/>
           </p:cNvSpPr>
@@ -1284,185 +3418,252 @@
         </p:nvSpPr>
         <p:spPr>
           <a:xfrm>
-            <a:off x="838200" y="1825625"/>
-            <a:ext cx="5181600" cy="4351338"/>
+            <a:off x="2589212" y="2133600"/>
+            <a:ext cx="4313864" cy="3777622"/>
           </a:xfrm>
         </p:spPr>
         <p:txBody>
+          <a:bodyPr>
+            <a:normAutofit/>
+          </a:bodyPr>
+          <a:lstStyle/>
+          <a:p>
+            <a:pPr lvl="0"/>
+            <a:r>
+              <a:rPr lang="en-GB"/>
+              <a:t>Click to edit Master text styles</a:t>
+            </a:r>
+          </a:p>
+          <a:p>
+            <a:pPr lvl="1"/>
+            <a:r>
+              <a:rPr lang="en-GB"/>
+              <a:t>Second level</a:t>
+            </a:r>
+          </a:p>
+          <a:p>
+            <a:pPr lvl="2"/>
+            <a:r>
+              <a:rPr lang="en-GB"/>
+              <a:t>Third level</a:t>
+            </a:r>
+          </a:p>
+          <a:p>
+            <a:pPr lvl="3"/>
+            <a:r>
+              <a:rPr lang="en-GB"/>
+              <a:t>Fourth level</a:t>
+            </a:r>
+          </a:p>
+          <a:p>
+            <a:pPr lvl="4"/>
+            <a:r>
+              <a:rPr lang="en-GB"/>
+              <a:t>Fifth level</a:t>
+            </a:r>
+            <a:endParaRPr lang="en-US" dirty="0"/>
+          </a:p>
+        </p:txBody>
+      </p:sp>
+      <p:sp>
+        <p:nvSpPr>
+          <p:cNvPr id="4" name="Content Placeholder 3"/>
+          <p:cNvSpPr>
+            <a:spLocks noGrp="1"/>
+          </p:cNvSpPr>
+          <p:nvPr>
+            <p:ph sz="half" idx="2"/>
+          </p:nvPr>
+        </p:nvSpPr>
+        <p:spPr>
+          <a:xfrm>
+            <a:off x="7190747" y="2126222"/>
+            <a:ext cx="4313864" cy="3777622"/>
+          </a:xfrm>
+        </p:spPr>
+        <p:txBody>
+          <a:bodyPr>
+            <a:normAutofit/>
+          </a:bodyPr>
+          <a:lstStyle/>
+          <a:p>
+            <a:pPr lvl="0"/>
+            <a:r>
+              <a:rPr lang="en-GB"/>
+              <a:t>Click to edit Master text styles</a:t>
+            </a:r>
+          </a:p>
+          <a:p>
+            <a:pPr lvl="1"/>
+            <a:r>
+              <a:rPr lang="en-GB"/>
+              <a:t>Second level</a:t>
+            </a:r>
+          </a:p>
+          <a:p>
+            <a:pPr lvl="2"/>
+            <a:r>
+              <a:rPr lang="en-GB"/>
+              <a:t>Third level</a:t>
+            </a:r>
+          </a:p>
+          <a:p>
+            <a:pPr lvl="3"/>
+            <a:r>
+              <a:rPr lang="en-GB"/>
+              <a:t>Fourth level</a:t>
+            </a:r>
+          </a:p>
+          <a:p>
+            <a:pPr lvl="4"/>
+            <a:r>
+              <a:rPr lang="en-GB"/>
+              <a:t>Fifth level</a:t>
+            </a:r>
+            <a:endParaRPr lang="en-US" dirty="0"/>
+          </a:p>
+        </p:txBody>
+      </p:sp>
+      <p:sp>
+        <p:nvSpPr>
+          <p:cNvPr id="5" name="Date Placeholder 4"/>
+          <p:cNvSpPr>
+            <a:spLocks noGrp="1"/>
+          </p:cNvSpPr>
+          <p:nvPr>
+            <p:ph type="dt" sz="half" idx="10"/>
+          </p:nvPr>
+        </p:nvSpPr>
+        <p:spPr/>
+        <p:txBody>
           <a:bodyPr/>
           <a:lstStyle/>
           <a:p>
-            <a:pPr lvl="0"/>
-            <a:r>
-              <a:rPr lang="en-GB"/>
-              <a:t>Click to edit Master text styles</a:t>
-            </a:r>
-          </a:p>
-          <a:p>
-            <a:pPr lvl="1"/>
-            <a:r>
-              <a:rPr lang="en-GB"/>
-              <a:t>Second level</a:t>
-            </a:r>
-          </a:p>
-          <a:p>
-            <a:pPr lvl="2"/>
-            <a:r>
-              <a:rPr lang="en-GB"/>
-              <a:t>Third level</a:t>
-            </a:r>
-          </a:p>
-          <a:p>
-            <a:pPr lvl="3"/>
-            <a:r>
-              <a:rPr lang="en-GB"/>
-              <a:t>Fourth level</a:t>
-            </a:r>
-          </a:p>
-          <a:p>
-            <a:pPr lvl="4"/>
-            <a:r>
-              <a:rPr lang="en-GB"/>
-              <a:t>Fifth level</a:t>
-            </a:r>
-            <a:endParaRPr lang="en-RU"/>
-          </a:p>
-        </p:txBody>
-      </p:sp>
-      <p:sp>
-        <p:nvSpPr>
-          <p:cNvPr id="4" name="Content Placeholder 3">
-            <a:extLst>
-              <a:ext uri="{FF2B5EF4-FFF2-40B4-BE49-F238E27FC236}">
-                <a16:creationId xmlns:a16="http://schemas.microsoft.com/office/drawing/2014/main" id="{783B2621-23A0-1A4A-B6F3-209D21E26B71}"/>
-              </a:ext>
-            </a:extLst>
-          </p:cNvPr>
-          <p:cNvSpPr>
-            <a:spLocks noGrp="1"/>
-          </p:cNvSpPr>
-          <p:nvPr>
-            <p:ph sz="half" idx="2"/>
+            <a:fld id="{48A87A34-81AB-432B-8DAE-1953F412C126}" type="datetimeFigureOut">
+              <a:rPr lang="en-US" smtClean="0"/>
+              <a:t>1/28/21</a:t>
+            </a:fld>
+            <a:endParaRPr lang="en-US" dirty="0"/>
+          </a:p>
+        </p:txBody>
+      </p:sp>
+      <p:sp>
+        <p:nvSpPr>
+          <p:cNvPr id="6" name="Footer Placeholder 5"/>
+          <p:cNvSpPr>
+            <a:spLocks noGrp="1"/>
+          </p:cNvSpPr>
+          <p:nvPr>
+            <p:ph type="ftr" sz="quarter" idx="11"/>
+          </p:nvPr>
+        </p:nvSpPr>
+        <p:spPr/>
+        <p:txBody>
+          <a:bodyPr/>
+          <a:lstStyle/>
+          <a:p>
+            <a:endParaRPr lang="en-US" dirty="0"/>
+          </a:p>
+        </p:txBody>
+      </p:sp>
+      <p:sp>
+        <p:nvSpPr>
+          <p:cNvPr id="10" name="Freeform 11"/>
+          <p:cNvSpPr/>
+          <p:nvPr/>
+        </p:nvSpPr>
+        <p:spPr bwMode="auto">
+          <a:xfrm flipV="1">
+            <a:off x="-4189" y="714375"/>
+            <a:ext cx="1588527" cy="507297"/>
+          </a:xfrm>
+          <a:custGeom>
+            <a:avLst/>
+            <a:gdLst/>
+            <a:ahLst/>
+            <a:cxnLst/>
+            <a:rect l="l" t="t" r="r" b="b"/>
+            <a:pathLst>
+              <a:path w="9248" h="10000">
+                <a:moveTo>
+                  <a:pt x="9248" y="4701"/>
+                </a:moveTo>
+                <a:lnTo>
+                  <a:pt x="7915" y="188"/>
+                </a:lnTo>
+                <a:cubicBezTo>
+                  <a:pt x="7906" y="156"/>
+                  <a:pt x="7895" y="126"/>
+                  <a:pt x="7886" y="94"/>
+                </a:cubicBezTo>
+                <a:cubicBezTo>
+                  <a:pt x="7859" y="0"/>
+                  <a:pt x="7831" y="0"/>
+                  <a:pt x="7803" y="0"/>
+                </a:cubicBezTo>
+                <a:lnTo>
+                  <a:pt x="7275" y="0"/>
+                </a:lnTo>
+                <a:lnTo>
+                  <a:pt x="0" y="70"/>
+                </a:lnTo>
+                <a:cubicBezTo>
+                  <a:pt x="8" y="3380"/>
+                  <a:pt x="17" y="6690"/>
+                  <a:pt x="25" y="10000"/>
+                </a:cubicBezTo>
+                <a:lnTo>
+                  <a:pt x="7275" y="9966"/>
+                </a:lnTo>
+                <a:lnTo>
+                  <a:pt x="7803" y="9966"/>
+                </a:lnTo>
+                <a:cubicBezTo>
+                  <a:pt x="7831" y="9966"/>
+                  <a:pt x="7859" y="9872"/>
+                  <a:pt x="7886" y="9872"/>
+                </a:cubicBezTo>
+                <a:cubicBezTo>
+                  <a:pt x="7886" y="9778"/>
+                  <a:pt x="7915" y="9778"/>
+                  <a:pt x="7915" y="9778"/>
+                </a:cubicBezTo>
+                <a:lnTo>
+                  <a:pt x="9248" y="5265"/>
+                </a:lnTo>
+                <a:cubicBezTo>
+                  <a:pt x="9303" y="5077"/>
+                  <a:pt x="9303" y="4889"/>
+                  <a:pt x="9248" y="4701"/>
+                </a:cubicBezTo>
+                <a:close/>
+              </a:path>
+            </a:pathLst>
+          </a:custGeom>
+          <a:solidFill>
+            <a:schemeClr val="accent1"/>
+          </a:solidFill>
+          <a:ln>
+            <a:noFill/>
+          </a:ln>
+        </p:spPr>
+      </p:sp>
+      <p:sp>
+        <p:nvSpPr>
+          <p:cNvPr id="11" name="Slide Number Placeholder 5"/>
+          <p:cNvSpPr>
+            <a:spLocks noGrp="1"/>
+          </p:cNvSpPr>
+          <p:nvPr>
+            <p:ph type="sldNum" sz="quarter" idx="12"/>
           </p:nvPr>
         </p:nvSpPr>
         <p:spPr>
           <a:xfrm>
-            <a:off x="6172200" y="1825625"/>
-            <a:ext cx="5181600" cy="4351338"/>
+            <a:off x="531812" y="787782"/>
+            <a:ext cx="779767" cy="365125"/>
           </a:xfrm>
         </p:spPr>
-        <p:txBody>
-          <a:bodyPr/>
-          <a:lstStyle/>
-          <a:p>
-            <a:pPr lvl="0"/>
-            <a:r>
-              <a:rPr lang="en-GB"/>
-              <a:t>Click to edit Master text styles</a:t>
-            </a:r>
-          </a:p>
-          <a:p>
-            <a:pPr lvl="1"/>
-            <a:r>
-              <a:rPr lang="en-GB"/>
-              <a:t>Second level</a:t>
-            </a:r>
-          </a:p>
-          <a:p>
-            <a:pPr lvl="2"/>
-            <a:r>
-              <a:rPr lang="en-GB"/>
-              <a:t>Third level</a:t>
-            </a:r>
-          </a:p>
-          <a:p>
-            <a:pPr lvl="3"/>
-            <a:r>
-              <a:rPr lang="en-GB"/>
-              <a:t>Fourth level</a:t>
-            </a:r>
-          </a:p>
-          <a:p>
-            <a:pPr lvl="4"/>
-            <a:r>
-              <a:rPr lang="en-GB"/>
-              <a:t>Fifth level</a:t>
-            </a:r>
-            <a:endParaRPr lang="en-RU"/>
-          </a:p>
-        </p:txBody>
-      </p:sp>
-      <p:sp>
-        <p:nvSpPr>
-          <p:cNvPr id="5" name="Date Placeholder 4">
-            <a:extLst>
-              <a:ext uri="{FF2B5EF4-FFF2-40B4-BE49-F238E27FC236}">
-                <a16:creationId xmlns:a16="http://schemas.microsoft.com/office/drawing/2014/main" id="{76B75234-E6AE-4846-9BDD-29C9FE24CAB5}"/>
-              </a:ext>
-            </a:extLst>
-          </p:cNvPr>
-          <p:cNvSpPr>
-            <a:spLocks noGrp="1"/>
-          </p:cNvSpPr>
-          <p:nvPr>
-            <p:ph type="dt" sz="half" idx="10"/>
-          </p:nvPr>
-        </p:nvSpPr>
-        <p:spPr/>
-        <p:txBody>
-          <a:bodyPr/>
-          <a:lstStyle/>
-          <a:p>
-            <a:fld id="{48A87A34-81AB-432B-8DAE-1953F412C126}" type="datetimeFigureOut">
-              <a:rPr lang="en-US" smtClean="0"/>
-              <a:t>12/25/20</a:t>
-            </a:fld>
-            <a:endParaRPr lang="en-US" dirty="0"/>
-          </a:p>
-        </p:txBody>
-      </p:sp>
-      <p:sp>
-        <p:nvSpPr>
-          <p:cNvPr id="6" name="Footer Placeholder 5">
-            <a:extLst>
-              <a:ext uri="{FF2B5EF4-FFF2-40B4-BE49-F238E27FC236}">
-                <a16:creationId xmlns:a16="http://schemas.microsoft.com/office/drawing/2014/main" id="{8E45439E-450B-664A-98AA-6640845E69A3}"/>
-              </a:ext>
-            </a:extLst>
-          </p:cNvPr>
-          <p:cNvSpPr>
-            <a:spLocks noGrp="1"/>
-          </p:cNvSpPr>
-          <p:nvPr>
-            <p:ph type="ftr" sz="quarter" idx="11"/>
-          </p:nvPr>
-        </p:nvSpPr>
-        <p:spPr/>
-        <p:txBody>
-          <a:bodyPr/>
-          <a:lstStyle/>
-          <a:p>
-            <a:endParaRPr lang="en-US" dirty="0"/>
-          </a:p>
-        </p:txBody>
-      </p:sp>
-      <p:sp>
-        <p:nvSpPr>
-          <p:cNvPr id="7" name="Slide Number Placeholder 6">
-            <a:extLst>
-              <a:ext uri="{FF2B5EF4-FFF2-40B4-BE49-F238E27FC236}">
-                <a16:creationId xmlns:a16="http://schemas.microsoft.com/office/drawing/2014/main" id="{9E8DCA79-2109-EA4F-8CCD-04C843B1FC39}"/>
-              </a:ext>
-            </a:extLst>
-          </p:cNvPr>
-          <p:cNvSpPr>
-            <a:spLocks noGrp="1"/>
-          </p:cNvSpPr>
-          <p:nvPr>
-            <p:ph type="sldNum" sz="quarter" idx="12"/>
-          </p:nvPr>
-        </p:nvSpPr>
-        <p:spPr/>
         <p:txBody>
           <a:bodyPr/>
           <a:lstStyle/>
@@ -1478,7 +3679,7 @@
     </p:spTree>
     <p:extLst>
       <p:ext uri="{BB962C8B-B14F-4D97-AF65-F5344CB8AC3E}">
-        <p14:creationId xmlns:p14="http://schemas.microsoft.com/office/powerpoint/2010/main" val="1306582402"/>
+        <p14:creationId xmlns:p14="http://schemas.microsoft.com/office/powerpoint/2010/main" val="1950984995"/>
       </p:ext>
     </p:extLst>
   </p:cSld>
@@ -1507,66 +3708,51 @@
       </p:grpSpPr>
       <p:sp>
         <p:nvSpPr>
-          <p:cNvPr id="2" name="Title 1">
-            <a:extLst>
-              <a:ext uri="{FF2B5EF4-FFF2-40B4-BE49-F238E27FC236}">
-                <a16:creationId xmlns:a16="http://schemas.microsoft.com/office/drawing/2014/main" id="{D8853A81-3348-BC40-B292-FA8890350241}"/>
-              </a:ext>
-            </a:extLst>
-          </p:cNvPr>
+          <p:cNvPr id="10" name="Title 9"/>
           <p:cNvSpPr>
             <a:spLocks noGrp="1"/>
           </p:cNvSpPr>
           <p:nvPr>
             <p:ph type="title"/>
+          </p:nvPr>
+        </p:nvSpPr>
+        <p:spPr/>
+        <p:txBody>
+          <a:bodyPr/>
+          <a:lstStyle/>
+          <a:p>
+            <a:r>
+              <a:rPr lang="en-GB"/>
+              <a:t>Click to edit Master title style</a:t>
+            </a:r>
+            <a:endParaRPr lang="en-US" dirty="0"/>
+          </a:p>
+        </p:txBody>
+      </p:sp>
+      <p:sp>
+        <p:nvSpPr>
+          <p:cNvPr id="3" name="Text Placeholder 2"/>
+          <p:cNvSpPr>
+            <a:spLocks noGrp="1"/>
+          </p:cNvSpPr>
+          <p:nvPr>
+            <p:ph type="body" idx="1"/>
           </p:nvPr>
         </p:nvSpPr>
         <p:spPr>
           <a:xfrm>
-            <a:off x="839788" y="365125"/>
-            <a:ext cx="10515600" cy="1325563"/>
+            <a:off x="2939373" y="1972703"/>
+            <a:ext cx="3992732" cy="576262"/>
           </a:xfrm>
         </p:spPr>
         <p:txBody>
-          <a:bodyPr/>
-          <a:lstStyle/>
-          <a:p>
-            <a:r>
-              <a:rPr lang="en-GB"/>
-              <a:t>Click to edit Master title style</a:t>
-            </a:r>
-            <a:endParaRPr lang="en-RU"/>
-          </a:p>
-        </p:txBody>
-      </p:sp>
-      <p:sp>
-        <p:nvSpPr>
-          <p:cNvPr id="3" name="Text Placeholder 2">
-            <a:extLst>
-              <a:ext uri="{FF2B5EF4-FFF2-40B4-BE49-F238E27FC236}">
-                <a16:creationId xmlns:a16="http://schemas.microsoft.com/office/drawing/2014/main" id="{58BDA298-3960-164F-AE1F-D6B0570E058C}"/>
-              </a:ext>
-            </a:extLst>
-          </p:cNvPr>
-          <p:cNvSpPr>
-            <a:spLocks noGrp="1"/>
-          </p:cNvSpPr>
-          <p:nvPr>
-            <p:ph type="body" idx="1"/>
-          </p:nvPr>
-        </p:nvSpPr>
-        <p:spPr>
-          <a:xfrm>
-            <a:off x="839788" y="1681163"/>
-            <a:ext cx="5157787" cy="823912"/>
-          </a:xfrm>
-        </p:spPr>
-        <p:txBody>
-          <a:bodyPr anchor="b"/>
+          <a:bodyPr anchor="b">
+            <a:noAutofit/>
+          </a:bodyPr>
           <a:lstStyle>
             <a:lvl1pPr marL="0" indent="0">
               <a:buNone/>
-              <a:defRPr sz="2400" b="1"/>
+              <a:defRPr sz="2400" b="0"/>
             </a:lvl1pPr>
             <a:lvl2pPr marL="457200" indent="0">
               <a:buNone/>
@@ -1612,13 +3798,7 @@
       </p:sp>
       <p:sp>
         <p:nvSpPr>
-          <p:cNvPr id="4" name="Content Placeholder 3">
-            <a:extLst>
-              <a:ext uri="{FF2B5EF4-FFF2-40B4-BE49-F238E27FC236}">
-                <a16:creationId xmlns:a16="http://schemas.microsoft.com/office/drawing/2014/main" id="{88F313B8-5F1C-1D4A-8CD9-46EFA2DACD14}"/>
-              </a:ext>
-            </a:extLst>
-          </p:cNvPr>
+          <p:cNvPr id="4" name="Content Placeholder 3"/>
           <p:cNvSpPr>
             <a:spLocks noGrp="1"/>
           </p:cNvSpPr>
@@ -1628,12 +3808,14 @@
         </p:nvSpPr>
         <p:spPr>
           <a:xfrm>
-            <a:off x="839788" y="2505075"/>
-            <a:ext cx="5157787" cy="3684588"/>
+            <a:off x="2589212" y="2548966"/>
+            <a:ext cx="4342893" cy="3354060"/>
           </a:xfrm>
         </p:spPr>
         <p:txBody>
-          <a:bodyPr/>
+          <a:bodyPr>
+            <a:normAutofit/>
+          </a:bodyPr>
           <a:lstStyle/>
           <a:p>
             <a:pPr lvl="0"/>
@@ -1669,19 +3851,13 @@
               <a:rPr lang="en-GB"/>
               <a:t>Fifth level</a:t>
             </a:r>
-            <a:endParaRPr lang="en-RU"/>
-          </a:p>
-        </p:txBody>
-      </p:sp>
-      <p:sp>
-        <p:nvSpPr>
-          <p:cNvPr id="5" name="Text Placeholder 4">
-            <a:extLst>
-              <a:ext uri="{FF2B5EF4-FFF2-40B4-BE49-F238E27FC236}">
-                <a16:creationId xmlns:a16="http://schemas.microsoft.com/office/drawing/2014/main" id="{8828C6DC-6E08-884B-8BC4-7B7BA97104C0}"/>
-              </a:ext>
-            </a:extLst>
-          </p:cNvPr>
+            <a:endParaRPr lang="en-US" dirty="0"/>
+          </a:p>
+        </p:txBody>
+      </p:sp>
+      <p:sp>
+        <p:nvSpPr>
+          <p:cNvPr id="5" name="Text Placeholder 4"/>
           <p:cNvSpPr>
             <a:spLocks noGrp="1"/>
           </p:cNvSpPr>
@@ -1691,16 +3867,18 @@
         </p:nvSpPr>
         <p:spPr>
           <a:xfrm>
-            <a:off x="6172200" y="1681163"/>
-            <a:ext cx="5183188" cy="823912"/>
+            <a:off x="7506629" y="1969475"/>
+            <a:ext cx="3999001" cy="576262"/>
           </a:xfrm>
         </p:spPr>
         <p:txBody>
-          <a:bodyPr anchor="b"/>
+          <a:bodyPr anchor="b">
+            <a:noAutofit/>
+          </a:bodyPr>
           <a:lstStyle>
             <a:lvl1pPr marL="0" indent="0">
               <a:buNone/>
-              <a:defRPr sz="2400" b="1"/>
+              <a:defRPr sz="2400" b="0"/>
             </a:lvl1pPr>
             <a:lvl2pPr marL="457200" indent="0">
               <a:buNone/>
@@ -1746,13 +3924,7 @@
       </p:sp>
       <p:sp>
         <p:nvSpPr>
-          <p:cNvPr id="6" name="Content Placeholder 5">
-            <a:extLst>
-              <a:ext uri="{FF2B5EF4-FFF2-40B4-BE49-F238E27FC236}">
-                <a16:creationId xmlns:a16="http://schemas.microsoft.com/office/drawing/2014/main" id="{3B57F02E-448C-5946-8A4C-0E35A4B64D1F}"/>
-              </a:ext>
-            </a:extLst>
-          </p:cNvPr>
+          <p:cNvPr id="6" name="Content Placeholder 5"/>
           <p:cNvSpPr>
             <a:spLocks noGrp="1"/>
           </p:cNvSpPr>
@@ -1762,65 +3934,84 @@
         </p:nvSpPr>
         <p:spPr>
           <a:xfrm>
-            <a:off x="6172200" y="2505075"/>
-            <a:ext cx="5183188" cy="3684588"/>
+            <a:off x="7166957" y="2545738"/>
+            <a:ext cx="4338674" cy="3354060"/>
           </a:xfrm>
         </p:spPr>
         <p:txBody>
+          <a:bodyPr>
+            <a:normAutofit/>
+          </a:bodyPr>
+          <a:lstStyle/>
+          <a:p>
+            <a:pPr lvl="0"/>
+            <a:r>
+              <a:rPr lang="en-GB"/>
+              <a:t>Click to edit Master text styles</a:t>
+            </a:r>
+          </a:p>
+          <a:p>
+            <a:pPr lvl="1"/>
+            <a:r>
+              <a:rPr lang="en-GB"/>
+              <a:t>Second level</a:t>
+            </a:r>
+          </a:p>
+          <a:p>
+            <a:pPr lvl="2"/>
+            <a:r>
+              <a:rPr lang="en-GB"/>
+              <a:t>Third level</a:t>
+            </a:r>
+          </a:p>
+          <a:p>
+            <a:pPr lvl="3"/>
+            <a:r>
+              <a:rPr lang="en-GB"/>
+              <a:t>Fourth level</a:t>
+            </a:r>
+          </a:p>
+          <a:p>
+            <a:pPr lvl="4"/>
+            <a:r>
+              <a:rPr lang="en-GB"/>
+              <a:t>Fifth level</a:t>
+            </a:r>
+            <a:endParaRPr lang="en-US" dirty="0"/>
+          </a:p>
+        </p:txBody>
+      </p:sp>
+      <p:sp>
+        <p:nvSpPr>
+          <p:cNvPr id="7" name="Date Placeholder 6"/>
+          <p:cNvSpPr>
+            <a:spLocks noGrp="1"/>
+          </p:cNvSpPr>
+          <p:nvPr>
+            <p:ph type="dt" sz="half" idx="10"/>
+          </p:nvPr>
+        </p:nvSpPr>
+        <p:spPr/>
+        <p:txBody>
           <a:bodyPr/>
           <a:lstStyle/>
           <a:p>
-            <a:pPr lvl="0"/>
-            <a:r>
-              <a:rPr lang="en-GB"/>
-              <a:t>Click to edit Master text styles</a:t>
-            </a:r>
-          </a:p>
-          <a:p>
-            <a:pPr lvl="1"/>
-            <a:r>
-              <a:rPr lang="en-GB"/>
-              <a:t>Second level</a:t>
-            </a:r>
-          </a:p>
-          <a:p>
-            <a:pPr lvl="2"/>
-            <a:r>
-              <a:rPr lang="en-GB"/>
-              <a:t>Third level</a:t>
-            </a:r>
-          </a:p>
-          <a:p>
-            <a:pPr lvl="3"/>
-            <a:r>
-              <a:rPr lang="en-GB"/>
-              <a:t>Fourth level</a:t>
-            </a:r>
-          </a:p>
-          <a:p>
-            <a:pPr lvl="4"/>
-            <a:r>
-              <a:rPr lang="en-GB"/>
-              <a:t>Fifth level</a:t>
-            </a:r>
-            <a:endParaRPr lang="en-RU"/>
-          </a:p>
-        </p:txBody>
-      </p:sp>
-      <p:sp>
-        <p:nvSpPr>
-          <p:cNvPr id="7" name="Date Placeholder 6">
-            <a:extLst>
-              <a:ext uri="{FF2B5EF4-FFF2-40B4-BE49-F238E27FC236}">
-                <a16:creationId xmlns:a16="http://schemas.microsoft.com/office/drawing/2014/main" id="{8885DA8A-3480-0C43-8819-94F7996FB665}"/>
-              </a:ext>
-            </a:extLst>
-          </p:cNvPr>
-          <p:cNvSpPr>
-            <a:spLocks noGrp="1"/>
-          </p:cNvSpPr>
-          <p:nvPr>
-            <p:ph type="dt" sz="half" idx="10"/>
+            <a:fld id="{48A87A34-81AB-432B-8DAE-1953F412C126}" type="datetimeFigureOut">
+              <a:rPr lang="en-US" smtClean="0"/>
+              <a:t>1/28/21</a:t>
+            </a:fld>
+            <a:endParaRPr lang="en-US" dirty="0"/>
+          </a:p>
+        </p:txBody>
+      </p:sp>
+      <p:sp>
+        <p:nvSpPr>
+          <p:cNvPr id="8" name="Footer Placeholder 7"/>
+          <p:cNvSpPr>
+            <a:spLocks noGrp="1"/>
+          </p:cNvSpPr>
+          <p:nvPr>
+            <p:ph type="ftr" sz="quarter" idx="11"/>
           </p:nvPr>
         </p:nvSpPr>
         <p:spPr/>
@@ -1828,48 +4019,95 @@
           <a:bodyPr/>
           <a:lstStyle/>
           <a:p>
-            <a:fld id="{48A87A34-81AB-432B-8DAE-1953F412C126}" type="datetimeFigureOut">
-              <a:rPr lang="en-US" smtClean="0"/>
-              <a:t>12/25/20</a:t>
-            </a:fld>
             <a:endParaRPr lang="en-US" dirty="0"/>
           </a:p>
         </p:txBody>
       </p:sp>
       <p:sp>
         <p:nvSpPr>
-          <p:cNvPr id="8" name="Footer Placeholder 7">
-            <a:extLst>
-              <a:ext uri="{FF2B5EF4-FFF2-40B4-BE49-F238E27FC236}">
-                <a16:creationId xmlns:a16="http://schemas.microsoft.com/office/drawing/2014/main" id="{71EBC35C-CFFC-1749-A9B3-75B6297FF8F2}"/>
-              </a:ext>
-            </a:extLst>
-          </p:cNvPr>
-          <p:cNvSpPr>
-            <a:spLocks noGrp="1"/>
-          </p:cNvSpPr>
-          <p:nvPr>
-            <p:ph type="ftr" sz="quarter" idx="11"/>
-          </p:nvPr>
-        </p:nvSpPr>
-        <p:spPr/>
-        <p:txBody>
-          <a:bodyPr/>
-          <a:lstStyle/>
-          <a:p>
-            <a:endParaRPr lang="en-US" dirty="0"/>
-          </a:p>
-        </p:txBody>
-      </p:sp>
-      <p:sp>
-        <p:nvSpPr>
-          <p:cNvPr id="9" name="Slide Number Placeholder 8">
-            <a:extLst>
-              <a:ext uri="{FF2B5EF4-FFF2-40B4-BE49-F238E27FC236}">
-                <a16:creationId xmlns:a16="http://schemas.microsoft.com/office/drawing/2014/main" id="{0FFA6EAB-4A53-AF4B-90D2-F727A18B421A}"/>
-              </a:ext>
-            </a:extLst>
-          </p:cNvPr>
+          <p:cNvPr id="12" name="Freeform 11"/>
+          <p:cNvSpPr/>
+          <p:nvPr/>
+        </p:nvSpPr>
+        <p:spPr bwMode="auto">
+          <a:xfrm flipV="1">
+            <a:off x="-4189" y="714375"/>
+            <a:ext cx="1588527" cy="507297"/>
+          </a:xfrm>
+          <a:custGeom>
+            <a:avLst/>
+            <a:gdLst/>
+            <a:ahLst/>
+            <a:cxnLst/>
+            <a:rect l="l" t="t" r="r" b="b"/>
+            <a:pathLst>
+              <a:path w="9248" h="10000">
+                <a:moveTo>
+                  <a:pt x="9248" y="4701"/>
+                </a:moveTo>
+                <a:lnTo>
+                  <a:pt x="7915" y="188"/>
+                </a:lnTo>
+                <a:cubicBezTo>
+                  <a:pt x="7906" y="156"/>
+                  <a:pt x="7895" y="126"/>
+                  <a:pt x="7886" y="94"/>
+                </a:cubicBezTo>
+                <a:cubicBezTo>
+                  <a:pt x="7859" y="0"/>
+                  <a:pt x="7831" y="0"/>
+                  <a:pt x="7803" y="0"/>
+                </a:cubicBezTo>
+                <a:lnTo>
+                  <a:pt x="7275" y="0"/>
+                </a:lnTo>
+                <a:lnTo>
+                  <a:pt x="0" y="70"/>
+                </a:lnTo>
+                <a:cubicBezTo>
+                  <a:pt x="8" y="3380"/>
+                  <a:pt x="17" y="6690"/>
+                  <a:pt x="25" y="10000"/>
+                </a:cubicBezTo>
+                <a:lnTo>
+                  <a:pt x="7275" y="9966"/>
+                </a:lnTo>
+                <a:lnTo>
+                  <a:pt x="7803" y="9966"/>
+                </a:lnTo>
+                <a:cubicBezTo>
+                  <a:pt x="7831" y="9966"/>
+                  <a:pt x="7859" y="9872"/>
+                  <a:pt x="7886" y="9872"/>
+                </a:cubicBezTo>
+                <a:cubicBezTo>
+                  <a:pt x="7886" y="9778"/>
+                  <a:pt x="7915" y="9778"/>
+                  <a:pt x="7915" y="9778"/>
+                </a:cubicBezTo>
+                <a:lnTo>
+                  <a:pt x="9248" y="5265"/>
+                </a:lnTo>
+                <a:cubicBezTo>
+                  <a:pt x="9303" y="5077"/>
+                  <a:pt x="9303" y="4889"/>
+                  <a:pt x="9248" y="4701"/>
+                </a:cubicBezTo>
+                <a:close/>
+              </a:path>
+            </a:pathLst>
+          </a:custGeom>
+          <a:solidFill>
+            <a:schemeClr val="accent1"/>
+          </a:solidFill>
+          <a:ln>
+            <a:noFill/>
+          </a:ln>
+        </p:spPr>
+      </p:sp>
+      <p:sp>
+        <p:nvSpPr>
+          <p:cNvPr id="13" name="Slide Number Placeholder 5"/>
           <p:cNvSpPr>
             <a:spLocks noGrp="1"/>
           </p:cNvSpPr>
@@ -1877,7 +4115,12 @@
             <p:ph type="sldNum" sz="quarter" idx="12"/>
           </p:nvPr>
         </p:nvSpPr>
-        <p:spPr/>
+        <p:spPr>
+          <a:xfrm>
+            <a:off x="531812" y="787782"/>
+            <a:ext cx="779767" cy="365125"/>
+          </a:xfrm>
+        </p:spPr>
         <p:txBody>
           <a:bodyPr/>
           <a:lstStyle/>
@@ -1893,7 +4136,7 @@
     </p:spTree>
     <p:extLst>
       <p:ext uri="{BB962C8B-B14F-4D97-AF65-F5344CB8AC3E}">
-        <p14:creationId xmlns:p14="http://schemas.microsoft.com/office/powerpoint/2010/main" val="2238135058"/>
+        <p14:creationId xmlns:p14="http://schemas.microsoft.com/office/powerpoint/2010/main" val="1444259248"/>
       </p:ext>
     </p:extLst>
   </p:cSld>
@@ -1922,13 +4165,7 @@
       </p:grpSpPr>
       <p:sp>
         <p:nvSpPr>
-          <p:cNvPr id="2" name="Title 1">
-            <a:extLst>
-              <a:ext uri="{FF2B5EF4-FFF2-40B4-BE49-F238E27FC236}">
-                <a16:creationId xmlns:a16="http://schemas.microsoft.com/office/drawing/2014/main" id="{14765D9F-F5FF-E645-92E6-D311936A2D8B}"/>
-              </a:ext>
-            </a:extLst>
-          </p:cNvPr>
+          <p:cNvPr id="2" name="Title 1"/>
           <p:cNvSpPr>
             <a:spLocks noGrp="1"/>
           </p:cNvSpPr>
@@ -1945,19 +4182,13 @@
               <a:rPr lang="en-GB"/>
               <a:t>Click to edit Master title style</a:t>
             </a:r>
-            <a:endParaRPr lang="en-RU"/>
-          </a:p>
-        </p:txBody>
-      </p:sp>
-      <p:sp>
-        <p:nvSpPr>
-          <p:cNvPr id="3" name="Date Placeholder 2">
-            <a:extLst>
-              <a:ext uri="{FF2B5EF4-FFF2-40B4-BE49-F238E27FC236}">
-                <a16:creationId xmlns:a16="http://schemas.microsoft.com/office/drawing/2014/main" id="{6F7AC979-CE50-D947-9F2F-66A2BEAFEB48}"/>
-              </a:ext>
-            </a:extLst>
-          </p:cNvPr>
+            <a:endParaRPr lang="en-US" dirty="0"/>
+          </a:p>
+        </p:txBody>
+      </p:sp>
+      <p:sp>
+        <p:nvSpPr>
+          <p:cNvPr id="3" name="Date Placeholder 2"/>
           <p:cNvSpPr>
             <a:spLocks noGrp="1"/>
           </p:cNvSpPr>
@@ -1972,7 +4203,7 @@
           <a:p>
             <a:fld id="{48A87A34-81AB-432B-8DAE-1953F412C126}" type="datetimeFigureOut">
               <a:rPr lang="en-US" smtClean="0"/>
-              <a:t>12/25/20</a:t>
+              <a:t>1/28/21</a:t>
             </a:fld>
             <a:endParaRPr lang="en-US" dirty="0"/>
           </a:p>
@@ -1980,13 +4211,7 @@
       </p:sp>
       <p:sp>
         <p:nvSpPr>
-          <p:cNvPr id="4" name="Footer Placeholder 3">
-            <a:extLst>
-              <a:ext uri="{FF2B5EF4-FFF2-40B4-BE49-F238E27FC236}">
-                <a16:creationId xmlns:a16="http://schemas.microsoft.com/office/drawing/2014/main" id="{A895FF4A-D69F-AF4E-A307-90F5B3E83162}"/>
-              </a:ext>
-            </a:extLst>
-          </p:cNvPr>
+          <p:cNvPr id="4" name="Footer Placeholder 3"/>
           <p:cNvSpPr>
             <a:spLocks noGrp="1"/>
           </p:cNvSpPr>
@@ -2005,13 +4230,89 @@
       </p:sp>
       <p:sp>
         <p:nvSpPr>
-          <p:cNvPr id="5" name="Slide Number Placeholder 4">
-            <a:extLst>
-              <a:ext uri="{FF2B5EF4-FFF2-40B4-BE49-F238E27FC236}">
-                <a16:creationId xmlns:a16="http://schemas.microsoft.com/office/drawing/2014/main" id="{5D7C2F04-BEF5-EA4C-A1D7-ADC5D4ADA305}"/>
-              </a:ext>
-            </a:extLst>
-          </p:cNvPr>
+          <p:cNvPr id="7" name="Freeform 11"/>
+          <p:cNvSpPr/>
+          <p:nvPr/>
+        </p:nvSpPr>
+        <p:spPr bwMode="auto">
+          <a:xfrm flipV="1">
+            <a:off x="-4189" y="714375"/>
+            <a:ext cx="1588527" cy="507297"/>
+          </a:xfrm>
+          <a:custGeom>
+            <a:avLst/>
+            <a:gdLst/>
+            <a:ahLst/>
+            <a:cxnLst/>
+            <a:rect l="l" t="t" r="r" b="b"/>
+            <a:pathLst>
+              <a:path w="9248" h="10000">
+                <a:moveTo>
+                  <a:pt x="9248" y="4701"/>
+                </a:moveTo>
+                <a:lnTo>
+                  <a:pt x="7915" y="188"/>
+                </a:lnTo>
+                <a:cubicBezTo>
+                  <a:pt x="7906" y="156"/>
+                  <a:pt x="7895" y="126"/>
+                  <a:pt x="7886" y="94"/>
+                </a:cubicBezTo>
+                <a:cubicBezTo>
+                  <a:pt x="7859" y="0"/>
+                  <a:pt x="7831" y="0"/>
+                  <a:pt x="7803" y="0"/>
+                </a:cubicBezTo>
+                <a:lnTo>
+                  <a:pt x="7275" y="0"/>
+                </a:lnTo>
+                <a:lnTo>
+                  <a:pt x="0" y="70"/>
+                </a:lnTo>
+                <a:cubicBezTo>
+                  <a:pt x="8" y="3380"/>
+                  <a:pt x="17" y="6690"/>
+                  <a:pt x="25" y="10000"/>
+                </a:cubicBezTo>
+                <a:lnTo>
+                  <a:pt x="7275" y="9966"/>
+                </a:lnTo>
+                <a:lnTo>
+                  <a:pt x="7803" y="9966"/>
+                </a:lnTo>
+                <a:cubicBezTo>
+                  <a:pt x="7831" y="9966"/>
+                  <a:pt x="7859" y="9872"/>
+                  <a:pt x="7886" y="9872"/>
+                </a:cubicBezTo>
+                <a:cubicBezTo>
+                  <a:pt x="7886" y="9778"/>
+                  <a:pt x="7915" y="9778"/>
+                  <a:pt x="7915" y="9778"/>
+                </a:cubicBezTo>
+                <a:lnTo>
+                  <a:pt x="9248" y="5265"/>
+                </a:lnTo>
+                <a:cubicBezTo>
+                  <a:pt x="9303" y="5077"/>
+                  <a:pt x="9303" y="4889"/>
+                  <a:pt x="9248" y="4701"/>
+                </a:cubicBezTo>
+                <a:close/>
+              </a:path>
+            </a:pathLst>
+          </a:custGeom>
+          <a:solidFill>
+            <a:schemeClr val="accent1"/>
+          </a:solidFill>
+          <a:ln>
+            <a:noFill/>
+          </a:ln>
+        </p:spPr>
+      </p:sp>
+      <p:sp>
+        <p:nvSpPr>
+          <p:cNvPr id="5" name="Slide Number Placeholder 4"/>
           <p:cNvSpPr>
             <a:spLocks noGrp="1"/>
           </p:cNvSpPr>
@@ -2035,7 +4336,7 @@
     </p:spTree>
     <p:extLst>
       <p:ext uri="{BB962C8B-B14F-4D97-AF65-F5344CB8AC3E}">
-        <p14:creationId xmlns:p14="http://schemas.microsoft.com/office/powerpoint/2010/main" val="1021294251"/>
+        <p14:creationId xmlns:p14="http://schemas.microsoft.com/office/powerpoint/2010/main" val="1158193022"/>
       </p:ext>
     </p:extLst>
   </p:cSld>
@@ -2064,13 +4365,7 @@
       </p:grpSpPr>
       <p:sp>
         <p:nvSpPr>
-          <p:cNvPr id="2" name="Date Placeholder 1">
-            <a:extLst>
-              <a:ext uri="{FF2B5EF4-FFF2-40B4-BE49-F238E27FC236}">
-                <a16:creationId xmlns:a16="http://schemas.microsoft.com/office/drawing/2014/main" id="{15F106A3-B687-F741-B6C2-EA563E22C005}"/>
-              </a:ext>
-            </a:extLst>
-          </p:cNvPr>
+          <p:cNvPr id="2" name="Date Placeholder 1"/>
           <p:cNvSpPr>
             <a:spLocks noGrp="1"/>
           </p:cNvSpPr>
@@ -2085,7 +4380,7 @@
           <a:p>
             <a:fld id="{48A87A34-81AB-432B-8DAE-1953F412C126}" type="datetimeFigureOut">
               <a:rPr lang="en-US" smtClean="0"/>
-              <a:t>12/25/20</a:t>
+              <a:t>1/28/21</a:t>
             </a:fld>
             <a:endParaRPr lang="en-US" dirty="0"/>
           </a:p>
@@ -2093,13 +4388,7 @@
       </p:sp>
       <p:sp>
         <p:nvSpPr>
-          <p:cNvPr id="3" name="Footer Placeholder 2">
-            <a:extLst>
-              <a:ext uri="{FF2B5EF4-FFF2-40B4-BE49-F238E27FC236}">
-                <a16:creationId xmlns:a16="http://schemas.microsoft.com/office/drawing/2014/main" id="{34E5D87A-7DD6-CB4B-AFB8-DC42295435FE}"/>
-              </a:ext>
-            </a:extLst>
-          </p:cNvPr>
+          <p:cNvPr id="3" name="Footer Placeholder 2"/>
           <p:cNvSpPr>
             <a:spLocks noGrp="1"/>
           </p:cNvSpPr>
@@ -2118,13 +4407,89 @@
       </p:sp>
       <p:sp>
         <p:nvSpPr>
-          <p:cNvPr id="4" name="Slide Number Placeholder 3">
-            <a:extLst>
-              <a:ext uri="{FF2B5EF4-FFF2-40B4-BE49-F238E27FC236}">
-                <a16:creationId xmlns:a16="http://schemas.microsoft.com/office/drawing/2014/main" id="{34AD6131-CF30-D448-8B6F-812EF202F148}"/>
-              </a:ext>
-            </a:extLst>
-          </p:cNvPr>
+          <p:cNvPr id="6" name="Freeform 11"/>
+          <p:cNvSpPr/>
+          <p:nvPr/>
+        </p:nvSpPr>
+        <p:spPr bwMode="auto">
+          <a:xfrm flipV="1">
+            <a:off x="-4189" y="714375"/>
+            <a:ext cx="1588527" cy="507297"/>
+          </a:xfrm>
+          <a:custGeom>
+            <a:avLst/>
+            <a:gdLst/>
+            <a:ahLst/>
+            <a:cxnLst/>
+            <a:rect l="l" t="t" r="r" b="b"/>
+            <a:pathLst>
+              <a:path w="9248" h="10000">
+                <a:moveTo>
+                  <a:pt x="9248" y="4701"/>
+                </a:moveTo>
+                <a:lnTo>
+                  <a:pt x="7915" y="188"/>
+                </a:lnTo>
+                <a:cubicBezTo>
+                  <a:pt x="7906" y="156"/>
+                  <a:pt x="7895" y="126"/>
+                  <a:pt x="7886" y="94"/>
+                </a:cubicBezTo>
+                <a:cubicBezTo>
+                  <a:pt x="7859" y="0"/>
+                  <a:pt x="7831" y="0"/>
+                  <a:pt x="7803" y="0"/>
+                </a:cubicBezTo>
+                <a:lnTo>
+                  <a:pt x="7275" y="0"/>
+                </a:lnTo>
+                <a:lnTo>
+                  <a:pt x="0" y="70"/>
+                </a:lnTo>
+                <a:cubicBezTo>
+                  <a:pt x="8" y="3380"/>
+                  <a:pt x="17" y="6690"/>
+                  <a:pt x="25" y="10000"/>
+                </a:cubicBezTo>
+                <a:lnTo>
+                  <a:pt x="7275" y="9966"/>
+                </a:lnTo>
+                <a:lnTo>
+                  <a:pt x="7803" y="9966"/>
+                </a:lnTo>
+                <a:cubicBezTo>
+                  <a:pt x="7831" y="9966"/>
+                  <a:pt x="7859" y="9872"/>
+                  <a:pt x="7886" y="9872"/>
+                </a:cubicBezTo>
+                <a:cubicBezTo>
+                  <a:pt x="7886" y="9778"/>
+                  <a:pt x="7915" y="9778"/>
+                  <a:pt x="7915" y="9778"/>
+                </a:cubicBezTo>
+                <a:lnTo>
+                  <a:pt x="9248" y="5265"/>
+                </a:lnTo>
+                <a:cubicBezTo>
+                  <a:pt x="9303" y="5077"/>
+                  <a:pt x="9303" y="4889"/>
+                  <a:pt x="9248" y="4701"/>
+                </a:cubicBezTo>
+                <a:close/>
+              </a:path>
+            </a:pathLst>
+          </a:custGeom>
+          <a:solidFill>
+            <a:schemeClr val="accent1"/>
+          </a:solidFill>
+          <a:ln>
+            <a:noFill/>
+          </a:ln>
+        </p:spPr>
+      </p:sp>
+      <p:sp>
+        <p:nvSpPr>
+          <p:cNvPr id="4" name="Slide Number Placeholder 3"/>
           <p:cNvSpPr>
             <a:spLocks noGrp="1"/>
           </p:cNvSpPr>
@@ -2148,7 +4513,7 @@
     </p:spTree>
     <p:extLst>
       <p:ext uri="{BB962C8B-B14F-4D97-AF65-F5344CB8AC3E}">
-        <p14:creationId xmlns:p14="http://schemas.microsoft.com/office/powerpoint/2010/main" val="1488664491"/>
+        <p14:creationId xmlns:p14="http://schemas.microsoft.com/office/powerpoint/2010/main" val="1177379301"/>
       </p:ext>
     </p:extLst>
   </p:cSld>
@@ -2177,13 +4542,7 @@
       </p:grpSpPr>
       <p:sp>
         <p:nvSpPr>
-          <p:cNvPr id="2" name="Title 1">
-            <a:extLst>
-              <a:ext uri="{FF2B5EF4-FFF2-40B4-BE49-F238E27FC236}">
-                <a16:creationId xmlns:a16="http://schemas.microsoft.com/office/drawing/2014/main" id="{21EB7BD8-3432-134B-B87C-31AF303A658D}"/>
-              </a:ext>
-            </a:extLst>
-          </p:cNvPr>
+          <p:cNvPr id="2" name="Title 1"/>
           <p:cNvSpPr>
             <a:spLocks noGrp="1"/>
           </p:cNvSpPr>
@@ -2193,15 +4552,15 @@
         </p:nvSpPr>
         <p:spPr>
           <a:xfrm>
-            <a:off x="839788" y="457200"/>
-            <a:ext cx="3932237" cy="1600200"/>
+            <a:off x="2589212" y="446088"/>
+            <a:ext cx="3505199" cy="976312"/>
           </a:xfrm>
         </p:spPr>
         <p:txBody>
           <a:bodyPr anchor="b"/>
           <a:lstStyle>
-            <a:lvl1pPr>
-              <a:defRPr sz="3200"/>
+            <a:lvl1pPr algn="l">
+              <a:defRPr sz="2000" b="0"/>
             </a:lvl1pPr>
           </a:lstStyle>
           <a:p>
@@ -2209,19 +4568,13 @@
               <a:rPr lang="en-GB"/>
               <a:t>Click to edit Master title style</a:t>
             </a:r>
-            <a:endParaRPr lang="en-RU"/>
-          </a:p>
-        </p:txBody>
-      </p:sp>
-      <p:sp>
-        <p:nvSpPr>
-          <p:cNvPr id="3" name="Content Placeholder 2">
-            <a:extLst>
-              <a:ext uri="{FF2B5EF4-FFF2-40B4-BE49-F238E27FC236}">
-                <a16:creationId xmlns:a16="http://schemas.microsoft.com/office/drawing/2014/main" id="{8A3BC508-1750-9A4E-8E73-3E34B7BFAD36}"/>
-              </a:ext>
-            </a:extLst>
-          </p:cNvPr>
+            <a:endParaRPr lang="en-US" dirty="0"/>
+          </a:p>
+        </p:txBody>
+      </p:sp>
+      <p:sp>
+        <p:nvSpPr>
+          <p:cNvPr id="3" name="Content Placeholder 2"/>
           <p:cNvSpPr>
             <a:spLocks noGrp="1"/>
           </p:cNvSpPr>
@@ -2231,41 +4584,15 @@
         </p:nvSpPr>
         <p:spPr>
           <a:xfrm>
-            <a:off x="5183188" y="987425"/>
-            <a:ext cx="6172200" cy="4873625"/>
+            <a:off x="6323012" y="446088"/>
+            <a:ext cx="5181600" cy="5414963"/>
           </a:xfrm>
         </p:spPr>
         <p:txBody>
-          <a:bodyPr/>
-          <a:lstStyle>
-            <a:lvl1pPr>
-              <a:defRPr sz="3200"/>
-            </a:lvl1pPr>
-            <a:lvl2pPr>
-              <a:defRPr sz="2800"/>
-            </a:lvl2pPr>
-            <a:lvl3pPr>
-              <a:defRPr sz="2400"/>
-            </a:lvl3pPr>
-            <a:lvl4pPr>
-              <a:defRPr sz="2000"/>
-            </a:lvl4pPr>
-            <a:lvl5pPr>
-              <a:defRPr sz="2000"/>
-            </a:lvl5pPr>
-            <a:lvl6pPr>
-              <a:defRPr sz="2000"/>
-            </a:lvl6pPr>
-            <a:lvl7pPr>
-              <a:defRPr sz="2000"/>
-            </a:lvl7pPr>
-            <a:lvl8pPr>
-              <a:defRPr sz="2000"/>
-            </a:lvl8pPr>
-            <a:lvl9pPr>
-              <a:defRPr sz="2000"/>
-            </a:lvl9pPr>
-          </a:lstStyle>
+          <a:bodyPr anchor="ctr">
+            <a:normAutofit/>
+          </a:bodyPr>
+          <a:lstStyle/>
           <a:p>
             <a:pPr lvl="0"/>
             <a:r>
@@ -2300,19 +4627,13 @@
               <a:rPr lang="en-GB"/>
               <a:t>Fifth level</a:t>
             </a:r>
-            <a:endParaRPr lang="en-RU"/>
-          </a:p>
-        </p:txBody>
-      </p:sp>
-      <p:sp>
-        <p:nvSpPr>
-          <p:cNvPr id="4" name="Text Placeholder 3">
-            <a:extLst>
-              <a:ext uri="{FF2B5EF4-FFF2-40B4-BE49-F238E27FC236}">
-                <a16:creationId xmlns:a16="http://schemas.microsoft.com/office/drawing/2014/main" id="{35655F21-F937-3F4B-B47A-13B56E31AC4F}"/>
-              </a:ext>
-            </a:extLst>
-          </p:cNvPr>
+            <a:endParaRPr lang="en-US" dirty="0"/>
+          </a:p>
+        </p:txBody>
+      </p:sp>
+      <p:sp>
+        <p:nvSpPr>
+          <p:cNvPr id="4" name="Text Placeholder 3"/>
           <p:cNvSpPr>
             <a:spLocks noGrp="1"/>
           </p:cNvSpPr>
@@ -2322,8 +4643,8 @@
         </p:nvSpPr>
         <p:spPr>
           <a:xfrm>
-            <a:off x="839788" y="2057400"/>
-            <a:ext cx="3932237" cy="3811588"/>
+            <a:off x="2589212" y="1598613"/>
+            <a:ext cx="3505199" cy="4262436"/>
           </a:xfrm>
         </p:spPr>
         <p:txBody>
@@ -2331,39 +4652,39 @@
           <a:lstStyle>
             <a:lvl1pPr marL="0" indent="0">
               <a:buNone/>
-              <a:defRPr sz="1600"/>
+              <a:defRPr sz="1400"/>
             </a:lvl1pPr>
             <a:lvl2pPr marL="457200" indent="0">
               <a:buNone/>
-              <a:defRPr sz="1400"/>
+              <a:defRPr sz="1200"/>
             </a:lvl2pPr>
             <a:lvl3pPr marL="914400" indent="0">
               <a:buNone/>
-              <a:defRPr sz="1200"/>
+              <a:defRPr sz="1000"/>
             </a:lvl3pPr>
             <a:lvl4pPr marL="1371600" indent="0">
               <a:buNone/>
-              <a:defRPr sz="1000"/>
+              <a:defRPr sz="900"/>
             </a:lvl4pPr>
             <a:lvl5pPr marL="1828800" indent="0">
               <a:buNone/>
-              <a:defRPr sz="1000"/>
+              <a:defRPr sz="900"/>
             </a:lvl5pPr>
             <a:lvl6pPr marL="2286000" indent="0">
               <a:buNone/>
-              <a:defRPr sz="1000"/>
+              <a:defRPr sz="900"/>
             </a:lvl6pPr>
             <a:lvl7pPr marL="2743200" indent="0">
               <a:buNone/>
-              <a:defRPr sz="1000"/>
+              <a:defRPr sz="900"/>
             </a:lvl7pPr>
             <a:lvl8pPr marL="3200400" indent="0">
               <a:buNone/>
-              <a:defRPr sz="1000"/>
+              <a:defRPr sz="900"/>
             </a:lvl8pPr>
             <a:lvl9pPr marL="3657600" indent="0">
               <a:buNone/>
-              <a:defRPr sz="1000"/>
+              <a:defRPr sz="900"/>
             </a:lvl9pPr>
           </a:lstStyle>
           <a:p>
@@ -2377,13 +4698,7 @@
       </p:sp>
       <p:sp>
         <p:nvSpPr>
-          <p:cNvPr id="5" name="Date Placeholder 4">
-            <a:extLst>
-              <a:ext uri="{FF2B5EF4-FFF2-40B4-BE49-F238E27FC236}">
-                <a16:creationId xmlns:a16="http://schemas.microsoft.com/office/drawing/2014/main" id="{FC1AC0D9-8DA3-4B4F-976B-0A5091BCDA8D}"/>
-              </a:ext>
-            </a:extLst>
-          </p:cNvPr>
+          <p:cNvPr id="5" name="Date Placeholder 4"/>
           <p:cNvSpPr>
             <a:spLocks noGrp="1"/>
           </p:cNvSpPr>
@@ -2398,7 +4713,7 @@
           <a:p>
             <a:fld id="{48A87A34-81AB-432B-8DAE-1953F412C126}" type="datetimeFigureOut">
               <a:rPr lang="en-US" smtClean="0"/>
-              <a:t>12/25/20</a:t>
+              <a:t>1/28/21</a:t>
             </a:fld>
             <a:endParaRPr lang="en-US" dirty="0"/>
           </a:p>
@@ -2406,13 +4721,7 @@
       </p:sp>
       <p:sp>
         <p:nvSpPr>
-          <p:cNvPr id="6" name="Footer Placeholder 5">
-            <a:extLst>
-              <a:ext uri="{FF2B5EF4-FFF2-40B4-BE49-F238E27FC236}">
-                <a16:creationId xmlns:a16="http://schemas.microsoft.com/office/drawing/2014/main" id="{33C4FAAC-1065-5E48-B5C5-833AEEC32FA3}"/>
-              </a:ext>
-            </a:extLst>
-          </p:cNvPr>
+          <p:cNvPr id="6" name="Footer Placeholder 5"/>
           <p:cNvSpPr>
             <a:spLocks noGrp="1"/>
           </p:cNvSpPr>
@@ -2431,13 +4740,89 @@
       </p:sp>
       <p:sp>
         <p:nvSpPr>
-          <p:cNvPr id="7" name="Slide Number Placeholder 6">
-            <a:extLst>
-              <a:ext uri="{FF2B5EF4-FFF2-40B4-BE49-F238E27FC236}">
-                <a16:creationId xmlns:a16="http://schemas.microsoft.com/office/drawing/2014/main" id="{BC23E306-AFF8-CF46-B99B-506595361BA7}"/>
-              </a:ext>
-            </a:extLst>
-          </p:cNvPr>
+          <p:cNvPr id="9" name="Freeform 11"/>
+          <p:cNvSpPr/>
+          <p:nvPr/>
+        </p:nvSpPr>
+        <p:spPr bwMode="auto">
+          <a:xfrm flipV="1">
+            <a:off x="-4189" y="714375"/>
+            <a:ext cx="1588527" cy="507297"/>
+          </a:xfrm>
+          <a:custGeom>
+            <a:avLst/>
+            <a:gdLst/>
+            <a:ahLst/>
+            <a:cxnLst/>
+            <a:rect l="l" t="t" r="r" b="b"/>
+            <a:pathLst>
+              <a:path w="9248" h="10000">
+                <a:moveTo>
+                  <a:pt x="9248" y="4701"/>
+                </a:moveTo>
+                <a:lnTo>
+                  <a:pt x="7915" y="188"/>
+                </a:lnTo>
+                <a:cubicBezTo>
+                  <a:pt x="7906" y="156"/>
+                  <a:pt x="7895" y="126"/>
+                  <a:pt x="7886" y="94"/>
+                </a:cubicBezTo>
+                <a:cubicBezTo>
+                  <a:pt x="7859" y="0"/>
+                  <a:pt x="7831" y="0"/>
+                  <a:pt x="7803" y="0"/>
+                </a:cubicBezTo>
+                <a:lnTo>
+                  <a:pt x="7275" y="0"/>
+                </a:lnTo>
+                <a:lnTo>
+                  <a:pt x="0" y="70"/>
+                </a:lnTo>
+                <a:cubicBezTo>
+                  <a:pt x="8" y="3380"/>
+                  <a:pt x="17" y="6690"/>
+                  <a:pt x="25" y="10000"/>
+                </a:cubicBezTo>
+                <a:lnTo>
+                  <a:pt x="7275" y="9966"/>
+                </a:lnTo>
+                <a:lnTo>
+                  <a:pt x="7803" y="9966"/>
+                </a:lnTo>
+                <a:cubicBezTo>
+                  <a:pt x="7831" y="9966"/>
+                  <a:pt x="7859" y="9872"/>
+                  <a:pt x="7886" y="9872"/>
+                </a:cubicBezTo>
+                <a:cubicBezTo>
+                  <a:pt x="7886" y="9778"/>
+                  <a:pt x="7915" y="9778"/>
+                  <a:pt x="7915" y="9778"/>
+                </a:cubicBezTo>
+                <a:lnTo>
+                  <a:pt x="9248" y="5265"/>
+                </a:lnTo>
+                <a:cubicBezTo>
+                  <a:pt x="9303" y="5077"/>
+                  <a:pt x="9303" y="4889"/>
+                  <a:pt x="9248" y="4701"/>
+                </a:cubicBezTo>
+                <a:close/>
+              </a:path>
+            </a:pathLst>
+          </a:custGeom>
+          <a:solidFill>
+            <a:schemeClr val="accent1"/>
+          </a:solidFill>
+          <a:ln>
+            <a:noFill/>
+          </a:ln>
+        </p:spPr>
+      </p:sp>
+      <p:sp>
+        <p:nvSpPr>
+          <p:cNvPr id="7" name="Slide Number Placeholder 6"/>
           <p:cNvSpPr>
             <a:spLocks noGrp="1"/>
           </p:cNvSpPr>
@@ -2461,7 +4846,7 @@
     </p:spTree>
     <p:extLst>
       <p:ext uri="{BB962C8B-B14F-4D97-AF65-F5344CB8AC3E}">
-        <p14:creationId xmlns:p14="http://schemas.microsoft.com/office/powerpoint/2010/main" val="1492419395"/>
+        <p14:creationId xmlns:p14="http://schemas.microsoft.com/office/powerpoint/2010/main" val="2851260202"/>
       </p:ext>
     </p:extLst>
   </p:cSld>
@@ -2490,13 +4875,7 @@
       </p:grpSpPr>
       <p:sp>
         <p:nvSpPr>
-          <p:cNvPr id="2" name="Title 1">
-            <a:extLst>
-              <a:ext uri="{FF2B5EF4-FFF2-40B4-BE49-F238E27FC236}">
-                <a16:creationId xmlns:a16="http://schemas.microsoft.com/office/drawing/2014/main" id="{8EDC9FD3-205F-1841-A616-A44340B30981}"/>
-              </a:ext>
-            </a:extLst>
-          </p:cNvPr>
+          <p:cNvPr id="2" name="Title 1"/>
           <p:cNvSpPr>
             <a:spLocks noGrp="1"/>
           </p:cNvSpPr>
@@ -2506,15 +4885,17 @@
         </p:nvSpPr>
         <p:spPr>
           <a:xfrm>
-            <a:off x="839788" y="457200"/>
-            <a:ext cx="3932237" cy="1600200"/>
+            <a:off x="2589213" y="4800600"/>
+            <a:ext cx="8915400" cy="566738"/>
           </a:xfrm>
         </p:spPr>
         <p:txBody>
-          <a:bodyPr anchor="b"/>
+          <a:bodyPr anchor="b">
+            <a:normAutofit/>
+          </a:bodyPr>
           <a:lstStyle>
-            <a:lvl1pPr>
-              <a:defRPr sz="3200"/>
+            <a:lvl1pPr algn="l">
+              <a:defRPr sz="2400" b="0"/>
             </a:lvl1pPr>
           </a:lstStyle>
           <a:p>
@@ -2522,21 +4903,15 @@
               <a:rPr lang="en-GB"/>
               <a:t>Click to edit Master title style</a:t>
             </a:r>
-            <a:endParaRPr lang="en-RU"/>
-          </a:p>
-        </p:txBody>
-      </p:sp>
-      <p:sp>
-        <p:nvSpPr>
-          <p:cNvPr id="3" name="Picture Placeholder 2">
-            <a:extLst>
-              <a:ext uri="{FF2B5EF4-FFF2-40B4-BE49-F238E27FC236}">
-                <a16:creationId xmlns:a16="http://schemas.microsoft.com/office/drawing/2014/main" id="{7575B093-550B-D64E-8D7A-66896DD284E1}"/>
-              </a:ext>
-            </a:extLst>
-          </p:cNvPr>
-          <p:cNvSpPr>
-            <a:spLocks noGrp="1"/>
+            <a:endParaRPr lang="en-US" dirty="0"/>
+          </a:p>
+        </p:txBody>
+      </p:sp>
+      <p:sp>
+        <p:nvSpPr>
+          <p:cNvPr id="3" name="Picture Placeholder 2"/>
+          <p:cNvSpPr>
+            <a:spLocks noGrp="1" noChangeAspect="1"/>
           </p:cNvSpPr>
           <p:nvPr>
             <p:ph type="pic" idx="1"/>
@@ -2544,118 +4919,120 @@
         </p:nvSpPr>
         <p:spPr>
           <a:xfrm>
-            <a:off x="5183188" y="987425"/>
-            <a:ext cx="6172200" cy="4873625"/>
+            <a:off x="2589212" y="634965"/>
+            <a:ext cx="8915400" cy="3854970"/>
           </a:xfrm>
         </p:spPr>
         <p:txBody>
-          <a:bodyPr/>
+          <a:bodyPr anchor="t">
+            <a:normAutofit/>
+          </a:bodyPr>
           <a:lstStyle>
-            <a:lvl1pPr marL="0" indent="0">
-              <a:buNone/>
-              <a:defRPr sz="3200"/>
-            </a:lvl1pPr>
-            <a:lvl2pPr marL="457200" indent="0">
-              <a:buNone/>
-              <a:defRPr sz="2800"/>
-            </a:lvl2pPr>
-            <a:lvl3pPr marL="914400" indent="0">
-              <a:buNone/>
-              <a:defRPr sz="2400"/>
-            </a:lvl3pPr>
-            <a:lvl4pPr marL="1371600" indent="0">
-              <a:buNone/>
-              <a:defRPr sz="2000"/>
-            </a:lvl4pPr>
-            <a:lvl5pPr marL="1828800" indent="0">
-              <a:buNone/>
-              <a:defRPr sz="2000"/>
-            </a:lvl5pPr>
-            <a:lvl6pPr marL="2286000" indent="0">
-              <a:buNone/>
-              <a:defRPr sz="2000"/>
-            </a:lvl6pPr>
-            <a:lvl7pPr marL="2743200" indent="0">
-              <a:buNone/>
-              <a:defRPr sz="2000"/>
-            </a:lvl7pPr>
-            <a:lvl8pPr marL="3200400" indent="0">
-              <a:buNone/>
-              <a:defRPr sz="2000"/>
-            </a:lvl8pPr>
-            <a:lvl9pPr marL="3657600" indent="0">
-              <a:buNone/>
-              <a:defRPr sz="2000"/>
-            </a:lvl9pPr>
-          </a:lstStyle>
-          <a:p>
-            <a:endParaRPr lang="en-RU"/>
-          </a:p>
-        </p:txBody>
-      </p:sp>
-      <p:sp>
-        <p:nvSpPr>
-          <p:cNvPr id="4" name="Text Placeholder 3">
-            <a:extLst>
-              <a:ext uri="{FF2B5EF4-FFF2-40B4-BE49-F238E27FC236}">
-                <a16:creationId xmlns:a16="http://schemas.microsoft.com/office/drawing/2014/main" id="{EB22A5DF-ACA9-234C-AF96-F8CFC73F3E0A}"/>
-              </a:ext>
-            </a:extLst>
-          </p:cNvPr>
-          <p:cNvSpPr>
-            <a:spLocks noGrp="1"/>
-          </p:cNvSpPr>
-          <p:nvPr>
-            <p:ph type="body" sz="half" idx="2"/>
-          </p:nvPr>
-        </p:nvSpPr>
-        <p:spPr>
-          <a:xfrm>
-            <a:off x="839788" y="2057400"/>
-            <a:ext cx="3932237" cy="3811588"/>
-          </a:xfrm>
-        </p:spPr>
-        <p:txBody>
-          <a:bodyPr/>
-          <a:lstStyle>
-            <a:lvl1pPr marL="0" indent="0">
+            <a:lvl1pPr marL="0" indent="0" algn="ctr">
               <a:buNone/>
               <a:defRPr sz="1600"/>
             </a:lvl1pPr>
             <a:lvl2pPr marL="457200" indent="0">
               <a:buNone/>
-              <a:defRPr sz="1400"/>
+              <a:defRPr sz="1600"/>
             </a:lvl2pPr>
             <a:lvl3pPr marL="914400" indent="0">
               <a:buNone/>
-              <a:defRPr sz="1200"/>
+              <a:defRPr sz="1600"/>
             </a:lvl3pPr>
             <a:lvl4pPr marL="1371600" indent="0">
               <a:buNone/>
-              <a:defRPr sz="1000"/>
+              <a:defRPr sz="1600"/>
             </a:lvl4pPr>
             <a:lvl5pPr marL="1828800" indent="0">
               <a:buNone/>
-              <a:defRPr sz="1000"/>
+              <a:defRPr sz="1600"/>
             </a:lvl5pPr>
             <a:lvl6pPr marL="2286000" indent="0">
               <a:buNone/>
-              <a:defRPr sz="1000"/>
+              <a:defRPr sz="1600"/>
             </a:lvl6pPr>
             <a:lvl7pPr marL="2743200" indent="0">
               <a:buNone/>
-              <a:defRPr sz="1000"/>
+              <a:defRPr sz="1600"/>
             </a:lvl7pPr>
             <a:lvl8pPr marL="3200400" indent="0">
               <a:buNone/>
-              <a:defRPr sz="1000"/>
+              <a:defRPr sz="1600"/>
             </a:lvl8pPr>
             <a:lvl9pPr marL="3657600" indent="0">
               <a:buNone/>
-              <a:defRPr sz="1000"/>
+              <a:defRPr sz="1600"/>
             </a:lvl9pPr>
           </a:lstStyle>
           <a:p>
+            <a:r>
+              <a:rPr lang="en-GB"/>
+              <a:t>Click icon to add picture</a:t>
+            </a:r>
+            <a:endParaRPr lang="en-US" dirty="0"/>
+          </a:p>
+        </p:txBody>
+      </p:sp>
+      <p:sp>
+        <p:nvSpPr>
+          <p:cNvPr id="4" name="Text Placeholder 3"/>
+          <p:cNvSpPr>
+            <a:spLocks noGrp="1"/>
+          </p:cNvSpPr>
+          <p:nvPr>
+            <p:ph type="body" sz="half" idx="2"/>
+          </p:nvPr>
+        </p:nvSpPr>
+        <p:spPr>
+          <a:xfrm>
+            <a:off x="2589213" y="5367338"/>
+            <a:ext cx="8915400" cy="493712"/>
+          </a:xfrm>
+        </p:spPr>
+        <p:txBody>
+          <a:bodyPr>
+            <a:normAutofit/>
+          </a:bodyPr>
+          <a:lstStyle>
+            <a:lvl1pPr marL="0" indent="0">
+              <a:buNone/>
+              <a:defRPr sz="1200"/>
+            </a:lvl1pPr>
+            <a:lvl2pPr marL="457200" indent="0">
+              <a:buNone/>
+              <a:defRPr sz="1200"/>
+            </a:lvl2pPr>
+            <a:lvl3pPr marL="914400" indent="0">
+              <a:buNone/>
+              <a:defRPr sz="1000"/>
+            </a:lvl3pPr>
+            <a:lvl4pPr marL="1371600" indent="0">
+              <a:buNone/>
+              <a:defRPr sz="900"/>
+            </a:lvl4pPr>
+            <a:lvl5pPr marL="1828800" indent="0">
+              <a:buNone/>
+              <a:defRPr sz="900"/>
+            </a:lvl5pPr>
+            <a:lvl6pPr marL="2286000" indent="0">
+              <a:buNone/>
+              <a:defRPr sz="900"/>
+            </a:lvl6pPr>
+            <a:lvl7pPr marL="2743200" indent="0">
+              <a:buNone/>
+              <a:defRPr sz="900"/>
+            </a:lvl7pPr>
+            <a:lvl8pPr marL="3200400" indent="0">
+              <a:buNone/>
+              <a:defRPr sz="900"/>
+            </a:lvl8pPr>
+            <a:lvl9pPr marL="3657600" indent="0">
+              <a:buNone/>
+              <a:defRPr sz="900"/>
+            </a:lvl9pPr>
+          </a:lstStyle>
+          <a:p>
             <a:pPr lvl="0"/>
             <a:r>
               <a:rPr lang="en-GB"/>
@@ -2666,13 +5043,7 @@
       </p:sp>
       <p:sp>
         <p:nvSpPr>
-          <p:cNvPr id="5" name="Date Placeholder 4">
-            <a:extLst>
-              <a:ext uri="{FF2B5EF4-FFF2-40B4-BE49-F238E27FC236}">
-                <a16:creationId xmlns:a16="http://schemas.microsoft.com/office/drawing/2014/main" id="{CDB1A497-0AB9-FB4E-B1DE-B8EC7D2984CF}"/>
-              </a:ext>
-            </a:extLst>
-          </p:cNvPr>
+          <p:cNvPr id="5" name="Date Placeholder 4"/>
           <p:cNvSpPr>
             <a:spLocks noGrp="1"/>
           </p:cNvSpPr>
@@ -2688,7 +5059,7 @@
             <a:fld id="{48A87A34-81AB-432B-8DAE-1953F412C126}" type="datetimeFigureOut">
               <a:rPr lang="en-US" smtClean="0"/>
               <a:pPr/>
-              <a:t>12/25/20</a:t>
+              <a:t>1/28/21</a:t>
             </a:fld>
             <a:endParaRPr lang="en-US" dirty="0"/>
           </a:p>
@@ -2696,13 +5067,7 @@
       </p:sp>
       <p:sp>
         <p:nvSpPr>
-          <p:cNvPr id="6" name="Footer Placeholder 5">
-            <a:extLst>
-              <a:ext uri="{FF2B5EF4-FFF2-40B4-BE49-F238E27FC236}">
-                <a16:creationId xmlns:a16="http://schemas.microsoft.com/office/drawing/2014/main" id="{022AB2F7-3F03-CC43-8151-BA0B83B497EF}"/>
-              </a:ext>
-            </a:extLst>
-          </p:cNvPr>
+          <p:cNvPr id="6" name="Footer Placeholder 5"/>
           <p:cNvSpPr>
             <a:spLocks noGrp="1"/>
           </p:cNvSpPr>
@@ -2721,13 +5086,89 @@
       </p:sp>
       <p:sp>
         <p:nvSpPr>
-          <p:cNvPr id="7" name="Slide Number Placeholder 6">
-            <a:extLst>
-              <a:ext uri="{FF2B5EF4-FFF2-40B4-BE49-F238E27FC236}">
-                <a16:creationId xmlns:a16="http://schemas.microsoft.com/office/drawing/2014/main" id="{55F2EB17-7C9C-FF4C-A2DC-B099DA119E34}"/>
-              </a:ext>
-            </a:extLst>
-          </p:cNvPr>
+          <p:cNvPr id="9" name="Freeform 11"/>
+          <p:cNvSpPr/>
+          <p:nvPr/>
+        </p:nvSpPr>
+        <p:spPr bwMode="auto">
+          <a:xfrm flipV="1">
+            <a:off x="-4189" y="4911725"/>
+            <a:ext cx="1588527" cy="507297"/>
+          </a:xfrm>
+          <a:custGeom>
+            <a:avLst/>
+            <a:gdLst/>
+            <a:ahLst/>
+            <a:cxnLst/>
+            <a:rect l="l" t="t" r="r" b="b"/>
+            <a:pathLst>
+              <a:path w="9248" h="10000">
+                <a:moveTo>
+                  <a:pt x="9248" y="4701"/>
+                </a:moveTo>
+                <a:lnTo>
+                  <a:pt x="7915" y="188"/>
+                </a:lnTo>
+                <a:cubicBezTo>
+                  <a:pt x="7906" y="156"/>
+                  <a:pt x="7895" y="126"/>
+                  <a:pt x="7886" y="94"/>
+                </a:cubicBezTo>
+                <a:cubicBezTo>
+                  <a:pt x="7859" y="0"/>
+                  <a:pt x="7831" y="0"/>
+                  <a:pt x="7803" y="0"/>
+                </a:cubicBezTo>
+                <a:lnTo>
+                  <a:pt x="7275" y="0"/>
+                </a:lnTo>
+                <a:lnTo>
+                  <a:pt x="0" y="70"/>
+                </a:lnTo>
+                <a:cubicBezTo>
+                  <a:pt x="8" y="3380"/>
+                  <a:pt x="17" y="6690"/>
+                  <a:pt x="25" y="10000"/>
+                </a:cubicBezTo>
+                <a:lnTo>
+                  <a:pt x="7275" y="9966"/>
+                </a:lnTo>
+                <a:lnTo>
+                  <a:pt x="7803" y="9966"/>
+                </a:lnTo>
+                <a:cubicBezTo>
+                  <a:pt x="7831" y="9966"/>
+                  <a:pt x="7859" y="9872"/>
+                  <a:pt x="7886" y="9872"/>
+                </a:cubicBezTo>
+                <a:cubicBezTo>
+                  <a:pt x="7886" y="9778"/>
+                  <a:pt x="7915" y="9778"/>
+                  <a:pt x="7915" y="9778"/>
+                </a:cubicBezTo>
+                <a:lnTo>
+                  <a:pt x="9248" y="5265"/>
+                </a:lnTo>
+                <a:cubicBezTo>
+                  <a:pt x="9303" y="5077"/>
+                  <a:pt x="9303" y="4889"/>
+                  <a:pt x="9248" y="4701"/>
+                </a:cubicBezTo>
+                <a:close/>
+              </a:path>
+            </a:pathLst>
+          </a:custGeom>
+          <a:solidFill>
+            <a:schemeClr val="accent1"/>
+          </a:solidFill>
+          <a:ln>
+            <a:noFill/>
+          </a:ln>
+        </p:spPr>
+      </p:sp>
+      <p:sp>
+        <p:nvSpPr>
+          <p:cNvPr id="7" name="Slide Number Placeholder 6"/>
           <p:cNvSpPr>
             <a:spLocks noGrp="1"/>
           </p:cNvSpPr>
@@ -2735,7 +5176,12 @@
             <p:ph type="sldNum" sz="quarter" idx="12"/>
           </p:nvPr>
         </p:nvSpPr>
-        <p:spPr/>
+        <p:spPr>
+          <a:xfrm>
+            <a:off x="531812" y="4983087"/>
+            <a:ext cx="779767" cy="365125"/>
+          </a:xfrm>
+        </p:spPr>
         <p:txBody>
           <a:bodyPr/>
           <a:lstStyle/>
@@ -2751,7 +5197,7 @@
     </p:spTree>
     <p:extLst>
       <p:ext uri="{BB962C8B-B14F-4D97-AF65-F5344CB8AC3E}">
-        <p14:creationId xmlns:p14="http://schemas.microsoft.com/office/powerpoint/2010/main" val="1824457220"/>
+        <p14:creationId xmlns:p14="http://schemas.microsoft.com/office/powerpoint/2010/main" val="1095748247"/>
       </p:ext>
     </p:extLst>
   </p:cSld>
@@ -2765,8 +5211,8 @@
 <p:sldMaster xmlns:a="http://schemas.openxmlformats.org/drawingml/2006/main" xmlns:r="http://schemas.openxmlformats.org/officeDocument/2006/relationships" xmlns:p="http://schemas.openxmlformats.org/presentationml/2006/main">
   <p:cSld>
     <p:bg>
-      <p:bgRef idx="1001">
-        <a:schemeClr val="bg1"/>
+      <p:bgRef idx="1003">
+        <a:schemeClr val="bg2"/>
       </p:bgRef>
     </p:bg>
     <p:spTree>
@@ -2783,33 +5229,1844 @@
           <a:chExt cx="0" cy="0"/>
         </a:xfrm>
       </p:grpSpPr>
-      <p:sp>
-        <p:nvSpPr>
-          <p:cNvPr id="2" name="Title Placeholder 1">
-            <a:extLst>
-              <a:ext uri="{FF2B5EF4-FFF2-40B4-BE49-F238E27FC236}">
-                <a16:creationId xmlns:a16="http://schemas.microsoft.com/office/drawing/2014/main" id="{614112B7-0132-A949-9A4E-C645E4BE4BB6}"/>
-              </a:ext>
-            </a:extLst>
-          </p:cNvPr>
-          <p:cNvSpPr>
-            <a:spLocks noGrp="1"/>
-          </p:cNvSpPr>
-          <p:nvPr>
-            <p:ph type="title"/>
-          </p:nvPr>
+      <p:grpSp>
+        <p:nvGrpSpPr>
+          <p:cNvPr id="23" name="Group 22"/>
+          <p:cNvGrpSpPr/>
+          <p:nvPr/>
+        </p:nvGrpSpPr>
+        <p:grpSpPr>
+          <a:xfrm>
+            <a:off x="1" y="228600"/>
+            <a:ext cx="2851516" cy="6638628"/>
+            <a:chOff x="2487613" y="285750"/>
+            <a:chExt cx="2428875" cy="5654676"/>
+          </a:xfrm>
+        </p:grpSpPr>
+        <p:sp>
+          <p:nvSpPr>
+            <p:cNvPr id="24" name="Freeform 11"/>
+            <p:cNvSpPr/>
+            <p:nvPr/>
+          </p:nvSpPr>
+          <p:spPr bwMode="auto">
+            <a:xfrm>
+              <a:off x="2487613" y="2284413"/>
+              <a:ext cx="85725" cy="533400"/>
+            </a:xfrm>
+            <a:custGeom>
+              <a:avLst/>
+              <a:gdLst/>
+              <a:ahLst/>
+              <a:cxnLst/>
+              <a:rect l="0" t="0" r="r" b="b"/>
+              <a:pathLst>
+                <a:path w="22" h="136">
+                  <a:moveTo>
+                    <a:pt x="22" y="136"/>
+                  </a:moveTo>
+                  <a:cubicBezTo>
+                    <a:pt x="20" y="117"/>
+                    <a:pt x="19" y="99"/>
+                    <a:pt x="17" y="80"/>
+                  </a:cubicBezTo>
+                  <a:cubicBezTo>
+                    <a:pt x="11" y="54"/>
+                    <a:pt x="6" y="27"/>
+                    <a:pt x="0" y="0"/>
+                  </a:cubicBezTo>
+                  <a:cubicBezTo>
+                    <a:pt x="0" y="35"/>
+                    <a:pt x="0" y="35"/>
+                    <a:pt x="0" y="35"/>
+                  </a:cubicBezTo>
+                  <a:cubicBezTo>
+                    <a:pt x="6" y="64"/>
+                    <a:pt x="13" y="94"/>
+                    <a:pt x="20" y="124"/>
+                  </a:cubicBezTo>
+                  <a:cubicBezTo>
+                    <a:pt x="20" y="128"/>
+                    <a:pt x="21" y="132"/>
+                    <a:pt x="22" y="136"/>
+                  </a:cubicBezTo>
+                  <a:close/>
+                </a:path>
+              </a:pathLst>
+            </a:custGeom>
+            <a:solidFill>
+              <a:schemeClr val="tx2">
+                <a:alpha val="20000"/>
+              </a:schemeClr>
+            </a:solidFill>
+            <a:ln>
+              <a:noFill/>
+            </a:ln>
+          </p:spPr>
+        </p:sp>
+        <p:sp>
+          <p:nvSpPr>
+            <p:cNvPr id="25" name="Freeform 12"/>
+            <p:cNvSpPr/>
+            <p:nvPr/>
+          </p:nvSpPr>
+          <p:spPr bwMode="auto">
+            <a:xfrm>
+              <a:off x="2597151" y="2779713"/>
+              <a:ext cx="550863" cy="1978025"/>
+            </a:xfrm>
+            <a:custGeom>
+              <a:avLst/>
+              <a:gdLst/>
+              <a:ahLst/>
+              <a:cxnLst/>
+              <a:rect l="0" t="0" r="r" b="b"/>
+              <a:pathLst>
+                <a:path w="140" h="504">
+                  <a:moveTo>
+                    <a:pt x="86" y="350"/>
+                  </a:moveTo>
+                  <a:cubicBezTo>
+                    <a:pt x="103" y="402"/>
+                    <a:pt x="120" y="453"/>
+                    <a:pt x="139" y="504"/>
+                  </a:cubicBezTo>
+                  <a:cubicBezTo>
+                    <a:pt x="139" y="495"/>
+                    <a:pt x="139" y="487"/>
+                    <a:pt x="140" y="478"/>
+                  </a:cubicBezTo>
+                  <a:cubicBezTo>
+                    <a:pt x="124" y="435"/>
+                    <a:pt x="109" y="391"/>
+                    <a:pt x="95" y="347"/>
+                  </a:cubicBezTo>
+                  <a:cubicBezTo>
+                    <a:pt x="58" y="233"/>
+                    <a:pt x="27" y="117"/>
+                    <a:pt x="0" y="0"/>
+                  </a:cubicBezTo>
+                  <a:cubicBezTo>
+                    <a:pt x="2" y="20"/>
+                    <a:pt x="4" y="41"/>
+                    <a:pt x="6" y="61"/>
+                  </a:cubicBezTo>
+                  <a:cubicBezTo>
+                    <a:pt x="30" y="158"/>
+                    <a:pt x="56" y="255"/>
+                    <a:pt x="86" y="350"/>
+                  </a:cubicBezTo>
+                  <a:close/>
+                </a:path>
+              </a:pathLst>
+            </a:custGeom>
+            <a:solidFill>
+              <a:schemeClr val="tx2">
+                <a:alpha val="20000"/>
+              </a:schemeClr>
+            </a:solidFill>
+            <a:ln>
+              <a:noFill/>
+            </a:ln>
+          </p:spPr>
+        </p:sp>
+        <p:sp>
+          <p:nvSpPr>
+            <p:cNvPr id="26" name="Freeform 13"/>
+            <p:cNvSpPr/>
+            <p:nvPr/>
+          </p:nvSpPr>
+          <p:spPr bwMode="auto">
+            <a:xfrm>
+              <a:off x="3175001" y="4730750"/>
+              <a:ext cx="519113" cy="1209675"/>
+            </a:xfrm>
+            <a:custGeom>
+              <a:avLst/>
+              <a:gdLst/>
+              <a:ahLst/>
+              <a:cxnLst/>
+              <a:rect l="0" t="0" r="r" b="b"/>
+              <a:pathLst>
+                <a:path w="132" h="308">
+                  <a:moveTo>
+                    <a:pt x="8" y="22"/>
+                  </a:moveTo>
+                  <a:cubicBezTo>
+                    <a:pt x="5" y="15"/>
+                    <a:pt x="2" y="8"/>
+                    <a:pt x="0" y="0"/>
+                  </a:cubicBezTo>
+                  <a:cubicBezTo>
+                    <a:pt x="0" y="10"/>
+                    <a:pt x="0" y="19"/>
+                    <a:pt x="0" y="29"/>
+                  </a:cubicBezTo>
+                  <a:cubicBezTo>
+                    <a:pt x="21" y="85"/>
+                    <a:pt x="44" y="140"/>
+                    <a:pt x="68" y="194"/>
+                  </a:cubicBezTo>
+                  <a:cubicBezTo>
+                    <a:pt x="85" y="232"/>
+                    <a:pt x="104" y="270"/>
+                    <a:pt x="123" y="308"/>
+                  </a:cubicBezTo>
+                  <a:cubicBezTo>
+                    <a:pt x="132" y="308"/>
+                    <a:pt x="132" y="308"/>
+                    <a:pt x="132" y="308"/>
+                  </a:cubicBezTo>
+                  <a:cubicBezTo>
+                    <a:pt x="113" y="269"/>
+                    <a:pt x="94" y="230"/>
+                    <a:pt x="77" y="190"/>
+                  </a:cubicBezTo>
+                  <a:cubicBezTo>
+                    <a:pt x="52" y="135"/>
+                    <a:pt x="29" y="79"/>
+                    <a:pt x="8" y="22"/>
+                  </a:cubicBezTo>
+                  <a:close/>
+                </a:path>
+              </a:pathLst>
+            </a:custGeom>
+            <a:solidFill>
+              <a:schemeClr val="tx2">
+                <a:alpha val="20000"/>
+              </a:schemeClr>
+            </a:solidFill>
+            <a:ln>
+              <a:noFill/>
+            </a:ln>
+          </p:spPr>
+        </p:sp>
+        <p:sp>
+          <p:nvSpPr>
+            <p:cNvPr id="27" name="Freeform 14"/>
+            <p:cNvSpPr/>
+            <p:nvPr/>
+          </p:nvSpPr>
+          <p:spPr bwMode="auto">
+            <a:xfrm>
+              <a:off x="3305176" y="5630863"/>
+              <a:ext cx="146050" cy="309563"/>
+            </a:xfrm>
+            <a:custGeom>
+              <a:avLst/>
+              <a:gdLst/>
+              <a:ahLst/>
+              <a:cxnLst/>
+              <a:rect l="0" t="0" r="r" b="b"/>
+              <a:pathLst>
+                <a:path w="37" h="79">
+                  <a:moveTo>
+                    <a:pt x="28" y="79"/>
+                  </a:moveTo>
+                  <a:cubicBezTo>
+                    <a:pt x="37" y="79"/>
+                    <a:pt x="37" y="79"/>
+                    <a:pt x="37" y="79"/>
+                  </a:cubicBezTo>
+                  <a:cubicBezTo>
+                    <a:pt x="24" y="53"/>
+                    <a:pt x="12" y="27"/>
+                    <a:pt x="0" y="0"/>
+                  </a:cubicBezTo>
+                  <a:cubicBezTo>
+                    <a:pt x="8" y="27"/>
+                    <a:pt x="17" y="53"/>
+                    <a:pt x="28" y="79"/>
+                  </a:cubicBezTo>
+                  <a:close/>
+                </a:path>
+              </a:pathLst>
+            </a:custGeom>
+            <a:solidFill>
+              <a:schemeClr val="tx2">
+                <a:alpha val="20000"/>
+              </a:schemeClr>
+            </a:solidFill>
+            <a:ln>
+              <a:noFill/>
+            </a:ln>
+          </p:spPr>
+        </p:sp>
+        <p:sp>
+          <p:nvSpPr>
+            <p:cNvPr id="28" name="Freeform 15"/>
+            <p:cNvSpPr/>
+            <p:nvPr/>
+          </p:nvSpPr>
+          <p:spPr bwMode="auto">
+            <a:xfrm>
+              <a:off x="2573338" y="2817813"/>
+              <a:ext cx="700088" cy="2835275"/>
+            </a:xfrm>
+            <a:custGeom>
+              <a:avLst/>
+              <a:gdLst/>
+              <a:ahLst/>
+              <a:cxnLst/>
+              <a:rect l="0" t="0" r="r" b="b"/>
+              <a:pathLst>
+                <a:path w="178" h="722">
+                  <a:moveTo>
+                    <a:pt x="162" y="660"/>
+                  </a:moveTo>
+                  <a:cubicBezTo>
+                    <a:pt x="145" y="618"/>
+                    <a:pt x="130" y="576"/>
+                    <a:pt x="116" y="534"/>
+                  </a:cubicBezTo>
+                  <a:cubicBezTo>
+                    <a:pt x="84" y="437"/>
+                    <a:pt x="59" y="337"/>
+                    <a:pt x="40" y="236"/>
+                  </a:cubicBezTo>
+                  <a:cubicBezTo>
+                    <a:pt x="29" y="175"/>
+                    <a:pt x="20" y="113"/>
+                    <a:pt x="12" y="51"/>
+                  </a:cubicBezTo>
+                  <a:cubicBezTo>
+                    <a:pt x="8" y="34"/>
+                    <a:pt x="4" y="17"/>
+                    <a:pt x="0" y="0"/>
+                  </a:cubicBezTo>
+                  <a:cubicBezTo>
+                    <a:pt x="8" y="79"/>
+                    <a:pt x="19" y="159"/>
+                    <a:pt x="33" y="237"/>
+                  </a:cubicBezTo>
+                  <a:cubicBezTo>
+                    <a:pt x="51" y="339"/>
+                    <a:pt x="76" y="439"/>
+                    <a:pt x="107" y="537"/>
+                  </a:cubicBezTo>
+                  <a:cubicBezTo>
+                    <a:pt x="123" y="586"/>
+                    <a:pt x="141" y="634"/>
+                    <a:pt x="160" y="681"/>
+                  </a:cubicBezTo>
+                  <a:cubicBezTo>
+                    <a:pt x="166" y="695"/>
+                    <a:pt x="172" y="708"/>
+                    <a:pt x="178" y="722"/>
+                  </a:cubicBezTo>
+                  <a:cubicBezTo>
+                    <a:pt x="176" y="717"/>
+                    <a:pt x="175" y="713"/>
+                    <a:pt x="174" y="708"/>
+                  </a:cubicBezTo>
+                  <a:cubicBezTo>
+                    <a:pt x="169" y="692"/>
+                    <a:pt x="165" y="676"/>
+                    <a:pt x="162" y="660"/>
+                  </a:cubicBezTo>
+                  <a:close/>
+                </a:path>
+              </a:pathLst>
+            </a:custGeom>
+            <a:solidFill>
+              <a:schemeClr val="tx2">
+                <a:alpha val="20000"/>
+              </a:schemeClr>
+            </a:solidFill>
+            <a:ln>
+              <a:noFill/>
+            </a:ln>
+          </p:spPr>
+        </p:sp>
+        <p:sp>
+          <p:nvSpPr>
+            <p:cNvPr id="29" name="Freeform 16"/>
+            <p:cNvSpPr/>
+            <p:nvPr/>
+          </p:nvSpPr>
+          <p:spPr bwMode="auto">
+            <a:xfrm>
+              <a:off x="2506663" y="285750"/>
+              <a:ext cx="90488" cy="2493963"/>
+            </a:xfrm>
+            <a:custGeom>
+              <a:avLst/>
+              <a:gdLst/>
+              <a:ahLst/>
+              <a:cxnLst/>
+              <a:rect l="0" t="0" r="r" b="b"/>
+              <a:pathLst>
+                <a:path w="23" h="635">
+                  <a:moveTo>
+                    <a:pt x="11" y="577"/>
+                  </a:moveTo>
+                  <a:cubicBezTo>
+                    <a:pt x="12" y="581"/>
+                    <a:pt x="12" y="585"/>
+                    <a:pt x="12" y="589"/>
+                  </a:cubicBezTo>
+                  <a:cubicBezTo>
+                    <a:pt x="15" y="603"/>
+                    <a:pt x="19" y="617"/>
+                    <a:pt x="22" y="632"/>
+                  </a:cubicBezTo>
+                  <a:cubicBezTo>
+                    <a:pt x="22" y="633"/>
+                    <a:pt x="22" y="634"/>
+                    <a:pt x="23" y="635"/>
+                  </a:cubicBezTo>
+                  <a:cubicBezTo>
+                    <a:pt x="21" y="615"/>
+                    <a:pt x="19" y="596"/>
+                    <a:pt x="17" y="576"/>
+                  </a:cubicBezTo>
+                  <a:cubicBezTo>
+                    <a:pt x="9" y="474"/>
+                    <a:pt x="5" y="372"/>
+                    <a:pt x="5" y="269"/>
+                  </a:cubicBezTo>
+                  <a:cubicBezTo>
+                    <a:pt x="6" y="179"/>
+                    <a:pt x="9" y="90"/>
+                    <a:pt x="15" y="0"/>
+                  </a:cubicBezTo>
+                  <a:cubicBezTo>
+                    <a:pt x="12" y="0"/>
+                    <a:pt x="12" y="0"/>
+                    <a:pt x="12" y="0"/>
+                  </a:cubicBezTo>
+                  <a:cubicBezTo>
+                    <a:pt x="5" y="89"/>
+                    <a:pt x="2" y="179"/>
+                    <a:pt x="1" y="269"/>
+                  </a:cubicBezTo>
+                  <a:cubicBezTo>
+                    <a:pt x="0" y="372"/>
+                    <a:pt x="3" y="474"/>
+                    <a:pt x="11" y="577"/>
+                  </a:cubicBezTo>
+                  <a:close/>
+                </a:path>
+              </a:pathLst>
+            </a:custGeom>
+            <a:solidFill>
+              <a:schemeClr val="tx2">
+                <a:alpha val="20000"/>
+              </a:schemeClr>
+            </a:solidFill>
+            <a:ln>
+              <a:noFill/>
+            </a:ln>
+          </p:spPr>
+        </p:sp>
+        <p:sp>
+          <p:nvSpPr>
+            <p:cNvPr id="30" name="Freeform 17"/>
+            <p:cNvSpPr/>
+            <p:nvPr/>
+          </p:nvSpPr>
+          <p:spPr bwMode="auto">
+            <a:xfrm>
+              <a:off x="2554288" y="2598738"/>
+              <a:ext cx="66675" cy="420688"/>
+            </a:xfrm>
+            <a:custGeom>
+              <a:avLst/>
+              <a:gdLst/>
+              <a:ahLst/>
+              <a:cxnLst/>
+              <a:rect l="0" t="0" r="r" b="b"/>
+              <a:pathLst>
+                <a:path w="17" h="107">
+                  <a:moveTo>
+                    <a:pt x="0" y="0"/>
+                  </a:moveTo>
+                  <a:cubicBezTo>
+                    <a:pt x="2" y="19"/>
+                    <a:pt x="3" y="37"/>
+                    <a:pt x="5" y="56"/>
+                  </a:cubicBezTo>
+                  <a:cubicBezTo>
+                    <a:pt x="9" y="73"/>
+                    <a:pt x="13" y="90"/>
+                    <a:pt x="17" y="107"/>
+                  </a:cubicBezTo>
+                  <a:cubicBezTo>
+                    <a:pt x="15" y="87"/>
+                    <a:pt x="13" y="66"/>
+                    <a:pt x="11" y="46"/>
+                  </a:cubicBezTo>
+                  <a:cubicBezTo>
+                    <a:pt x="10" y="45"/>
+                    <a:pt x="10" y="44"/>
+                    <a:pt x="10" y="43"/>
+                  </a:cubicBezTo>
+                  <a:cubicBezTo>
+                    <a:pt x="7" y="28"/>
+                    <a:pt x="3" y="14"/>
+                    <a:pt x="0" y="0"/>
+                  </a:cubicBezTo>
+                  <a:close/>
+                </a:path>
+              </a:pathLst>
+            </a:custGeom>
+            <a:solidFill>
+              <a:schemeClr val="tx2">
+                <a:alpha val="20000"/>
+              </a:schemeClr>
+            </a:solidFill>
+            <a:ln>
+              <a:noFill/>
+            </a:ln>
+          </p:spPr>
+        </p:sp>
+        <p:sp>
+          <p:nvSpPr>
+            <p:cNvPr id="31" name="Freeform 18"/>
+            <p:cNvSpPr/>
+            <p:nvPr/>
+          </p:nvSpPr>
+          <p:spPr bwMode="auto">
+            <a:xfrm>
+              <a:off x="3143251" y="4757738"/>
+              <a:ext cx="161925" cy="873125"/>
+            </a:xfrm>
+            <a:custGeom>
+              <a:avLst/>
+              <a:gdLst/>
+              <a:ahLst/>
+              <a:cxnLst/>
+              <a:rect l="0" t="0" r="r" b="b"/>
+              <a:pathLst>
+                <a:path w="41" h="222">
+                  <a:moveTo>
+                    <a:pt x="0" y="0"/>
+                  </a:moveTo>
+                  <a:cubicBezTo>
+                    <a:pt x="0" y="31"/>
+                    <a:pt x="2" y="62"/>
+                    <a:pt x="5" y="93"/>
+                  </a:cubicBezTo>
+                  <a:cubicBezTo>
+                    <a:pt x="8" y="117"/>
+                    <a:pt x="12" y="142"/>
+                    <a:pt x="17" y="166"/>
+                  </a:cubicBezTo>
+                  <a:cubicBezTo>
+                    <a:pt x="19" y="172"/>
+                    <a:pt x="22" y="178"/>
+                    <a:pt x="24" y="184"/>
+                  </a:cubicBezTo>
+                  <a:cubicBezTo>
+                    <a:pt x="30" y="197"/>
+                    <a:pt x="35" y="209"/>
+                    <a:pt x="41" y="222"/>
+                  </a:cubicBezTo>
+                  <a:cubicBezTo>
+                    <a:pt x="40" y="219"/>
+                    <a:pt x="39" y="215"/>
+                    <a:pt x="38" y="212"/>
+                  </a:cubicBezTo>
+                  <a:cubicBezTo>
+                    <a:pt x="26" y="172"/>
+                    <a:pt x="18" y="132"/>
+                    <a:pt x="13" y="92"/>
+                  </a:cubicBezTo>
+                  <a:cubicBezTo>
+                    <a:pt x="11" y="68"/>
+                    <a:pt x="9" y="45"/>
+                    <a:pt x="8" y="22"/>
+                  </a:cubicBezTo>
+                  <a:cubicBezTo>
+                    <a:pt x="8" y="21"/>
+                    <a:pt x="7" y="20"/>
+                    <a:pt x="7" y="18"/>
+                  </a:cubicBezTo>
+                  <a:cubicBezTo>
+                    <a:pt x="5" y="12"/>
+                    <a:pt x="2" y="6"/>
+                    <a:pt x="0" y="0"/>
+                  </a:cubicBezTo>
+                  <a:close/>
+                </a:path>
+              </a:pathLst>
+            </a:custGeom>
+            <a:solidFill>
+              <a:schemeClr val="tx2">
+                <a:alpha val="20000"/>
+              </a:schemeClr>
+            </a:solidFill>
+            <a:ln>
+              <a:noFill/>
+            </a:ln>
+          </p:spPr>
+        </p:sp>
+        <p:sp>
+          <p:nvSpPr>
+            <p:cNvPr id="32" name="Freeform 19"/>
+            <p:cNvSpPr/>
+            <p:nvPr/>
+          </p:nvSpPr>
+          <p:spPr bwMode="auto">
+            <a:xfrm>
+              <a:off x="3148013" y="1282700"/>
+              <a:ext cx="1768475" cy="3448050"/>
+            </a:xfrm>
+            <a:custGeom>
+              <a:avLst/>
+              <a:gdLst/>
+              <a:ahLst/>
+              <a:cxnLst/>
+              <a:rect l="0" t="0" r="r" b="b"/>
+              <a:pathLst>
+                <a:path w="450" h="878">
+                  <a:moveTo>
+                    <a:pt x="7" y="854"/>
+                  </a:moveTo>
+                  <a:cubicBezTo>
+                    <a:pt x="10" y="772"/>
+                    <a:pt x="26" y="691"/>
+                    <a:pt x="50" y="613"/>
+                  </a:cubicBezTo>
+                  <a:cubicBezTo>
+                    <a:pt x="75" y="535"/>
+                    <a:pt x="109" y="460"/>
+                    <a:pt x="149" y="388"/>
+                  </a:cubicBezTo>
+                  <a:cubicBezTo>
+                    <a:pt x="189" y="316"/>
+                    <a:pt x="235" y="248"/>
+                    <a:pt x="285" y="183"/>
+                  </a:cubicBezTo>
+                  <a:cubicBezTo>
+                    <a:pt x="310" y="151"/>
+                    <a:pt x="337" y="119"/>
+                    <a:pt x="364" y="89"/>
+                  </a:cubicBezTo>
+                  <a:cubicBezTo>
+                    <a:pt x="378" y="74"/>
+                    <a:pt x="392" y="58"/>
+                    <a:pt x="406" y="44"/>
+                  </a:cubicBezTo>
+                  <a:cubicBezTo>
+                    <a:pt x="421" y="29"/>
+                    <a:pt x="435" y="15"/>
+                    <a:pt x="450" y="1"/>
+                  </a:cubicBezTo>
+                  <a:cubicBezTo>
+                    <a:pt x="450" y="0"/>
+                    <a:pt x="450" y="0"/>
+                    <a:pt x="450" y="0"/>
+                  </a:cubicBezTo>
+                  <a:cubicBezTo>
+                    <a:pt x="434" y="14"/>
+                    <a:pt x="420" y="28"/>
+                    <a:pt x="405" y="43"/>
+                  </a:cubicBezTo>
+                  <a:cubicBezTo>
+                    <a:pt x="391" y="57"/>
+                    <a:pt x="377" y="72"/>
+                    <a:pt x="363" y="88"/>
+                  </a:cubicBezTo>
+                  <a:cubicBezTo>
+                    <a:pt x="335" y="118"/>
+                    <a:pt x="308" y="149"/>
+                    <a:pt x="283" y="181"/>
+                  </a:cubicBezTo>
+                  <a:cubicBezTo>
+                    <a:pt x="232" y="246"/>
+                    <a:pt x="185" y="314"/>
+                    <a:pt x="145" y="386"/>
+                  </a:cubicBezTo>
+                  <a:cubicBezTo>
+                    <a:pt x="104" y="457"/>
+                    <a:pt x="70" y="533"/>
+                    <a:pt x="45" y="611"/>
+                  </a:cubicBezTo>
+                  <a:cubicBezTo>
+                    <a:pt x="19" y="690"/>
+                    <a:pt x="3" y="771"/>
+                    <a:pt x="0" y="854"/>
+                  </a:cubicBezTo>
+                  <a:cubicBezTo>
+                    <a:pt x="0" y="856"/>
+                    <a:pt x="0" y="857"/>
+                    <a:pt x="0" y="859"/>
+                  </a:cubicBezTo>
+                  <a:cubicBezTo>
+                    <a:pt x="2" y="865"/>
+                    <a:pt x="4" y="872"/>
+                    <a:pt x="7" y="878"/>
+                  </a:cubicBezTo>
+                  <a:cubicBezTo>
+                    <a:pt x="7" y="870"/>
+                    <a:pt x="7" y="862"/>
+                    <a:pt x="7" y="854"/>
+                  </a:cubicBezTo>
+                  <a:close/>
+                </a:path>
+              </a:pathLst>
+            </a:custGeom>
+            <a:solidFill>
+              <a:schemeClr val="tx2">
+                <a:alpha val="20000"/>
+              </a:schemeClr>
+            </a:solidFill>
+            <a:ln>
+              <a:noFill/>
+            </a:ln>
+          </p:spPr>
+        </p:sp>
+        <p:sp>
+          <p:nvSpPr>
+            <p:cNvPr id="33" name="Freeform 20"/>
+            <p:cNvSpPr/>
+            <p:nvPr/>
+          </p:nvSpPr>
+          <p:spPr bwMode="auto">
+            <a:xfrm>
+              <a:off x="3273426" y="5653088"/>
+              <a:ext cx="138113" cy="287338"/>
+            </a:xfrm>
+            <a:custGeom>
+              <a:avLst/>
+              <a:gdLst/>
+              <a:ahLst/>
+              <a:cxnLst/>
+              <a:rect l="0" t="0" r="r" b="b"/>
+              <a:pathLst>
+                <a:path w="35" h="73">
+                  <a:moveTo>
+                    <a:pt x="0" y="0"/>
+                  </a:moveTo>
+                  <a:cubicBezTo>
+                    <a:pt x="7" y="24"/>
+                    <a:pt x="16" y="49"/>
+                    <a:pt x="26" y="73"/>
+                  </a:cubicBezTo>
+                  <a:cubicBezTo>
+                    <a:pt x="35" y="73"/>
+                    <a:pt x="35" y="73"/>
+                    <a:pt x="35" y="73"/>
+                  </a:cubicBezTo>
+                  <a:cubicBezTo>
+                    <a:pt x="23" y="49"/>
+                    <a:pt x="11" y="24"/>
+                    <a:pt x="0" y="0"/>
+                  </a:cubicBezTo>
+                  <a:close/>
+                </a:path>
+              </a:pathLst>
+            </a:custGeom>
+            <a:solidFill>
+              <a:schemeClr val="tx2">
+                <a:alpha val="20000"/>
+              </a:schemeClr>
+            </a:solidFill>
+            <a:ln>
+              <a:noFill/>
+            </a:ln>
+          </p:spPr>
+        </p:sp>
+        <p:sp>
+          <p:nvSpPr>
+            <p:cNvPr id="34" name="Freeform 21"/>
+            <p:cNvSpPr/>
+            <p:nvPr/>
+          </p:nvSpPr>
+          <p:spPr bwMode="auto">
+            <a:xfrm>
+              <a:off x="3143251" y="4656138"/>
+              <a:ext cx="31750" cy="188913"/>
+            </a:xfrm>
+            <a:custGeom>
+              <a:avLst/>
+              <a:gdLst/>
+              <a:ahLst/>
+              <a:cxnLst/>
+              <a:rect l="0" t="0" r="r" b="b"/>
+              <a:pathLst>
+                <a:path w="8" h="48">
+                  <a:moveTo>
+                    <a:pt x="7" y="44"/>
+                  </a:moveTo>
+                  <a:cubicBezTo>
+                    <a:pt x="7" y="46"/>
+                    <a:pt x="8" y="47"/>
+                    <a:pt x="8" y="48"/>
+                  </a:cubicBezTo>
+                  <a:cubicBezTo>
+                    <a:pt x="8" y="38"/>
+                    <a:pt x="8" y="29"/>
+                    <a:pt x="8" y="19"/>
+                  </a:cubicBezTo>
+                  <a:cubicBezTo>
+                    <a:pt x="5" y="13"/>
+                    <a:pt x="3" y="6"/>
+                    <a:pt x="1" y="0"/>
+                  </a:cubicBezTo>
+                  <a:cubicBezTo>
+                    <a:pt x="0" y="9"/>
+                    <a:pt x="0" y="17"/>
+                    <a:pt x="0" y="26"/>
+                  </a:cubicBezTo>
+                  <a:cubicBezTo>
+                    <a:pt x="2" y="32"/>
+                    <a:pt x="5" y="38"/>
+                    <a:pt x="7" y="44"/>
+                  </a:cubicBezTo>
+                  <a:close/>
+                </a:path>
+              </a:pathLst>
+            </a:custGeom>
+            <a:solidFill>
+              <a:schemeClr val="tx2">
+                <a:alpha val="20000"/>
+              </a:schemeClr>
+            </a:solidFill>
+            <a:ln>
+              <a:noFill/>
+            </a:ln>
+          </p:spPr>
+        </p:sp>
+        <p:sp>
+          <p:nvSpPr>
+            <p:cNvPr id="35" name="Freeform 22"/>
+            <p:cNvSpPr/>
+            <p:nvPr/>
+          </p:nvSpPr>
+          <p:spPr bwMode="auto">
+            <a:xfrm>
+              <a:off x="3211513" y="5410200"/>
+              <a:ext cx="203200" cy="530225"/>
+            </a:xfrm>
+            <a:custGeom>
+              <a:avLst/>
+              <a:gdLst/>
+              <a:ahLst/>
+              <a:cxnLst/>
+              <a:rect l="0" t="0" r="r" b="b"/>
+              <a:pathLst>
+                <a:path w="52" h="135">
+                  <a:moveTo>
+                    <a:pt x="7" y="18"/>
+                  </a:moveTo>
+                  <a:cubicBezTo>
+                    <a:pt x="5" y="12"/>
+                    <a:pt x="2" y="6"/>
+                    <a:pt x="0" y="0"/>
+                  </a:cubicBezTo>
+                  <a:cubicBezTo>
+                    <a:pt x="3" y="16"/>
+                    <a:pt x="7" y="32"/>
+                    <a:pt x="12" y="48"/>
+                  </a:cubicBezTo>
+                  <a:cubicBezTo>
+                    <a:pt x="13" y="53"/>
+                    <a:pt x="14" y="57"/>
+                    <a:pt x="16" y="62"/>
+                  </a:cubicBezTo>
+                  <a:cubicBezTo>
+                    <a:pt x="27" y="86"/>
+                    <a:pt x="39" y="111"/>
+                    <a:pt x="51" y="135"/>
+                  </a:cubicBezTo>
+                  <a:cubicBezTo>
+                    <a:pt x="52" y="135"/>
+                    <a:pt x="52" y="135"/>
+                    <a:pt x="52" y="135"/>
+                  </a:cubicBezTo>
+                  <a:cubicBezTo>
+                    <a:pt x="41" y="109"/>
+                    <a:pt x="32" y="83"/>
+                    <a:pt x="24" y="56"/>
+                  </a:cubicBezTo>
+                  <a:cubicBezTo>
+                    <a:pt x="18" y="43"/>
+                    <a:pt x="13" y="31"/>
+                    <a:pt x="7" y="18"/>
+                  </a:cubicBezTo>
+                  <a:close/>
+                </a:path>
+              </a:pathLst>
+            </a:custGeom>
+            <a:solidFill>
+              <a:schemeClr val="tx2">
+                <a:alpha val="20000"/>
+              </a:schemeClr>
+            </a:solidFill>
+            <a:ln>
+              <a:noFill/>
+            </a:ln>
+          </p:spPr>
+        </p:sp>
+      </p:grpSp>
+      <p:grpSp>
+        <p:nvGrpSpPr>
+          <p:cNvPr id="10" name="Group 9"/>
+          <p:cNvGrpSpPr/>
+          <p:nvPr/>
+        </p:nvGrpSpPr>
+        <p:grpSpPr>
+          <a:xfrm>
+            <a:off x="27221" y="-786"/>
+            <a:ext cx="2356674" cy="6854039"/>
+            <a:chOff x="6627813" y="194833"/>
+            <a:chExt cx="1952625" cy="5678918"/>
+          </a:xfrm>
+        </p:grpSpPr>
+        <p:sp>
+          <p:nvSpPr>
+            <p:cNvPr id="11" name="Freeform 27"/>
+            <p:cNvSpPr/>
+            <p:nvPr/>
+          </p:nvSpPr>
+          <p:spPr bwMode="auto">
+            <a:xfrm>
+              <a:off x="6627813" y="194833"/>
+              <a:ext cx="409575" cy="3646488"/>
+            </a:xfrm>
+            <a:custGeom>
+              <a:avLst/>
+              <a:gdLst/>
+              <a:ahLst/>
+              <a:cxnLst/>
+              <a:rect l="0" t="0" r="r" b="b"/>
+              <a:pathLst>
+                <a:path w="103" h="920">
+                  <a:moveTo>
+                    <a:pt x="7" y="210"/>
+                  </a:moveTo>
+                  <a:cubicBezTo>
+                    <a:pt x="11" y="288"/>
+                    <a:pt x="17" y="367"/>
+                    <a:pt x="26" y="445"/>
+                  </a:cubicBezTo>
+                  <a:cubicBezTo>
+                    <a:pt x="34" y="523"/>
+                    <a:pt x="44" y="601"/>
+                    <a:pt x="57" y="679"/>
+                  </a:cubicBezTo>
+                  <a:cubicBezTo>
+                    <a:pt x="69" y="757"/>
+                    <a:pt x="84" y="834"/>
+                    <a:pt x="101" y="911"/>
+                  </a:cubicBezTo>
+                  <a:cubicBezTo>
+                    <a:pt x="102" y="914"/>
+                    <a:pt x="103" y="917"/>
+                    <a:pt x="103" y="920"/>
+                  </a:cubicBezTo>
+                  <a:cubicBezTo>
+                    <a:pt x="102" y="905"/>
+                    <a:pt x="100" y="889"/>
+                    <a:pt x="99" y="874"/>
+                  </a:cubicBezTo>
+                  <a:cubicBezTo>
+                    <a:pt x="99" y="871"/>
+                    <a:pt x="99" y="868"/>
+                    <a:pt x="99" y="866"/>
+                  </a:cubicBezTo>
+                  <a:cubicBezTo>
+                    <a:pt x="85" y="803"/>
+                    <a:pt x="73" y="741"/>
+                    <a:pt x="63" y="678"/>
+                  </a:cubicBezTo>
+                  <a:cubicBezTo>
+                    <a:pt x="50" y="600"/>
+                    <a:pt x="39" y="523"/>
+                    <a:pt x="30" y="444"/>
+                  </a:cubicBezTo>
+                  <a:cubicBezTo>
+                    <a:pt x="21" y="366"/>
+                    <a:pt x="14" y="288"/>
+                    <a:pt x="9" y="209"/>
+                  </a:cubicBezTo>
+                  <a:cubicBezTo>
+                    <a:pt x="7" y="170"/>
+                    <a:pt x="5" y="131"/>
+                    <a:pt x="3" y="92"/>
+                  </a:cubicBezTo>
+                  <a:cubicBezTo>
+                    <a:pt x="2" y="61"/>
+                    <a:pt x="1" y="31"/>
+                    <a:pt x="1" y="0"/>
+                  </a:cubicBezTo>
+                  <a:cubicBezTo>
+                    <a:pt x="0" y="0"/>
+                    <a:pt x="0" y="0"/>
+                    <a:pt x="0" y="0"/>
+                  </a:cubicBezTo>
+                  <a:cubicBezTo>
+                    <a:pt x="0" y="31"/>
+                    <a:pt x="1" y="61"/>
+                    <a:pt x="1" y="92"/>
+                  </a:cubicBezTo>
+                  <a:cubicBezTo>
+                    <a:pt x="3" y="131"/>
+                    <a:pt x="4" y="170"/>
+                    <a:pt x="7" y="210"/>
+                  </a:cubicBezTo>
+                  <a:close/>
+                </a:path>
+              </a:pathLst>
+            </a:custGeom>
+            <a:solidFill>
+              <a:schemeClr val="tx2"/>
+            </a:solidFill>
+            <a:ln>
+              <a:noFill/>
+            </a:ln>
+          </p:spPr>
+        </p:sp>
+        <p:sp>
+          <p:nvSpPr>
+            <p:cNvPr id="12" name="Freeform 28"/>
+            <p:cNvSpPr/>
+            <p:nvPr/>
+          </p:nvSpPr>
+          <p:spPr bwMode="auto">
+            <a:xfrm>
+              <a:off x="7061201" y="3771900"/>
+              <a:ext cx="350838" cy="1309688"/>
+            </a:xfrm>
+            <a:custGeom>
+              <a:avLst/>
+              <a:gdLst/>
+              <a:ahLst/>
+              <a:cxnLst/>
+              <a:rect l="0" t="0" r="r" b="b"/>
+              <a:pathLst>
+                <a:path w="88" h="330">
+                  <a:moveTo>
+                    <a:pt x="53" y="229"/>
+                  </a:moveTo>
+                  <a:cubicBezTo>
+                    <a:pt x="64" y="263"/>
+                    <a:pt x="75" y="297"/>
+                    <a:pt x="88" y="330"/>
+                  </a:cubicBezTo>
+                  <a:cubicBezTo>
+                    <a:pt x="88" y="323"/>
+                    <a:pt x="88" y="315"/>
+                    <a:pt x="88" y="308"/>
+                  </a:cubicBezTo>
+                  <a:cubicBezTo>
+                    <a:pt x="88" y="307"/>
+                    <a:pt x="88" y="305"/>
+                    <a:pt x="88" y="304"/>
+                  </a:cubicBezTo>
+                  <a:cubicBezTo>
+                    <a:pt x="79" y="278"/>
+                    <a:pt x="70" y="252"/>
+                    <a:pt x="62" y="226"/>
+                  </a:cubicBezTo>
+                  <a:cubicBezTo>
+                    <a:pt x="38" y="152"/>
+                    <a:pt x="17" y="76"/>
+                    <a:pt x="0" y="0"/>
+                  </a:cubicBezTo>
+                  <a:cubicBezTo>
+                    <a:pt x="2" y="21"/>
+                    <a:pt x="4" y="42"/>
+                    <a:pt x="7" y="63"/>
+                  </a:cubicBezTo>
+                  <a:cubicBezTo>
+                    <a:pt x="21" y="119"/>
+                    <a:pt x="36" y="174"/>
+                    <a:pt x="53" y="229"/>
+                  </a:cubicBezTo>
+                  <a:close/>
+                </a:path>
+              </a:pathLst>
+            </a:custGeom>
+            <a:solidFill>
+              <a:schemeClr val="tx2"/>
+            </a:solidFill>
+            <a:ln>
+              <a:noFill/>
+            </a:ln>
+          </p:spPr>
+        </p:sp>
+        <p:sp>
+          <p:nvSpPr>
+            <p:cNvPr id="13" name="Freeform 29"/>
+            <p:cNvSpPr/>
+            <p:nvPr/>
+          </p:nvSpPr>
+          <p:spPr bwMode="auto">
+            <a:xfrm>
+              <a:off x="7439026" y="5053013"/>
+              <a:ext cx="357188" cy="820738"/>
+            </a:xfrm>
+            <a:custGeom>
+              <a:avLst/>
+              <a:gdLst/>
+              <a:ahLst/>
+              <a:cxnLst/>
+              <a:rect l="0" t="0" r="r" b="b"/>
+              <a:pathLst>
+                <a:path w="90" h="207">
+                  <a:moveTo>
+                    <a:pt x="6" y="15"/>
+                  </a:moveTo>
+                  <a:cubicBezTo>
+                    <a:pt x="4" y="10"/>
+                    <a:pt x="2" y="5"/>
+                    <a:pt x="0" y="0"/>
+                  </a:cubicBezTo>
+                  <a:cubicBezTo>
+                    <a:pt x="0" y="9"/>
+                    <a:pt x="0" y="19"/>
+                    <a:pt x="1" y="29"/>
+                  </a:cubicBezTo>
+                  <a:cubicBezTo>
+                    <a:pt x="14" y="62"/>
+                    <a:pt x="27" y="95"/>
+                    <a:pt x="42" y="127"/>
+                  </a:cubicBezTo>
+                  <a:cubicBezTo>
+                    <a:pt x="54" y="154"/>
+                    <a:pt x="67" y="181"/>
+                    <a:pt x="80" y="207"/>
+                  </a:cubicBezTo>
+                  <a:cubicBezTo>
+                    <a:pt x="90" y="207"/>
+                    <a:pt x="90" y="207"/>
+                    <a:pt x="90" y="207"/>
+                  </a:cubicBezTo>
+                  <a:cubicBezTo>
+                    <a:pt x="76" y="180"/>
+                    <a:pt x="63" y="152"/>
+                    <a:pt x="50" y="123"/>
+                  </a:cubicBezTo>
+                  <a:cubicBezTo>
+                    <a:pt x="34" y="88"/>
+                    <a:pt x="20" y="51"/>
+                    <a:pt x="6" y="15"/>
+                  </a:cubicBezTo>
+                  <a:close/>
+                </a:path>
+              </a:pathLst>
+            </a:custGeom>
+            <a:solidFill>
+              <a:schemeClr val="tx2"/>
+            </a:solidFill>
+            <a:ln>
+              <a:noFill/>
+            </a:ln>
+          </p:spPr>
+        </p:sp>
+        <p:sp>
+          <p:nvSpPr>
+            <p:cNvPr id="14" name="Freeform 30"/>
+            <p:cNvSpPr/>
+            <p:nvPr/>
+          </p:nvSpPr>
+          <p:spPr bwMode="auto">
+            <a:xfrm>
+              <a:off x="7037388" y="3811588"/>
+              <a:ext cx="457200" cy="1852613"/>
+            </a:xfrm>
+            <a:custGeom>
+              <a:avLst/>
+              <a:gdLst/>
+              <a:ahLst/>
+              <a:cxnLst/>
+              <a:rect l="0" t="0" r="r" b="b"/>
+              <a:pathLst>
+                <a:path w="115" h="467">
+                  <a:moveTo>
+                    <a:pt x="101" y="409"/>
+                  </a:moveTo>
+                  <a:cubicBezTo>
+                    <a:pt x="93" y="388"/>
+                    <a:pt x="85" y="366"/>
+                    <a:pt x="78" y="344"/>
+                  </a:cubicBezTo>
+                  <a:cubicBezTo>
+                    <a:pt x="57" y="281"/>
+                    <a:pt x="41" y="216"/>
+                    <a:pt x="29" y="151"/>
+                  </a:cubicBezTo>
+                  <a:cubicBezTo>
+                    <a:pt x="22" y="119"/>
+                    <a:pt x="17" y="86"/>
+                    <a:pt x="13" y="53"/>
+                  </a:cubicBezTo>
+                  <a:cubicBezTo>
+                    <a:pt x="9" y="35"/>
+                    <a:pt x="4" y="18"/>
+                    <a:pt x="0" y="0"/>
+                  </a:cubicBezTo>
+                  <a:cubicBezTo>
+                    <a:pt x="5" y="51"/>
+                    <a:pt x="12" y="102"/>
+                    <a:pt x="21" y="152"/>
+                  </a:cubicBezTo>
+                  <a:cubicBezTo>
+                    <a:pt x="33" y="218"/>
+                    <a:pt x="49" y="283"/>
+                    <a:pt x="69" y="347"/>
+                  </a:cubicBezTo>
+                  <a:cubicBezTo>
+                    <a:pt x="79" y="378"/>
+                    <a:pt x="90" y="410"/>
+                    <a:pt x="103" y="441"/>
+                  </a:cubicBezTo>
+                  <a:cubicBezTo>
+                    <a:pt x="107" y="449"/>
+                    <a:pt x="111" y="458"/>
+                    <a:pt x="115" y="467"/>
+                  </a:cubicBezTo>
+                  <a:cubicBezTo>
+                    <a:pt x="114" y="464"/>
+                    <a:pt x="113" y="461"/>
+                    <a:pt x="112" y="458"/>
+                  </a:cubicBezTo>
+                  <a:cubicBezTo>
+                    <a:pt x="108" y="442"/>
+                    <a:pt x="104" y="425"/>
+                    <a:pt x="101" y="409"/>
+                  </a:cubicBezTo>
+                  <a:close/>
+                </a:path>
+              </a:pathLst>
+            </a:custGeom>
+            <a:solidFill>
+              <a:schemeClr val="tx2"/>
+            </a:solidFill>
+            <a:ln>
+              <a:noFill/>
+            </a:ln>
+          </p:spPr>
+        </p:sp>
+        <p:sp>
+          <p:nvSpPr>
+            <p:cNvPr id="15" name="Freeform 31"/>
+            <p:cNvSpPr/>
+            <p:nvPr/>
+          </p:nvSpPr>
+          <p:spPr bwMode="auto">
+            <a:xfrm>
+              <a:off x="6992938" y="1263650"/>
+              <a:ext cx="144463" cy="2508250"/>
+            </a:xfrm>
+            <a:custGeom>
+              <a:avLst/>
+              <a:gdLst/>
+              <a:ahLst/>
+              <a:cxnLst/>
+              <a:rect l="0" t="0" r="r" b="b"/>
+              <a:pathLst>
+                <a:path w="36" h="633">
+                  <a:moveTo>
+                    <a:pt x="17" y="633"/>
+                  </a:moveTo>
+                  <a:cubicBezTo>
+                    <a:pt x="15" y="621"/>
+                    <a:pt x="14" y="609"/>
+                    <a:pt x="13" y="597"/>
+                  </a:cubicBezTo>
+                  <a:cubicBezTo>
+                    <a:pt x="8" y="530"/>
+                    <a:pt x="5" y="464"/>
+                    <a:pt x="5" y="398"/>
+                  </a:cubicBezTo>
+                  <a:cubicBezTo>
+                    <a:pt x="5" y="331"/>
+                    <a:pt x="8" y="265"/>
+                    <a:pt x="13" y="198"/>
+                  </a:cubicBezTo>
+                  <a:cubicBezTo>
+                    <a:pt x="15" y="165"/>
+                    <a:pt x="18" y="132"/>
+                    <a:pt x="22" y="99"/>
+                  </a:cubicBezTo>
+                  <a:cubicBezTo>
+                    <a:pt x="26" y="66"/>
+                    <a:pt x="30" y="33"/>
+                    <a:pt x="36" y="0"/>
+                  </a:cubicBezTo>
+                  <a:cubicBezTo>
+                    <a:pt x="35" y="0"/>
+                    <a:pt x="35" y="0"/>
+                    <a:pt x="35" y="0"/>
+                  </a:cubicBezTo>
+                  <a:cubicBezTo>
+                    <a:pt x="29" y="33"/>
+                    <a:pt x="24" y="66"/>
+                    <a:pt x="20" y="99"/>
+                  </a:cubicBezTo>
+                  <a:cubicBezTo>
+                    <a:pt x="16" y="132"/>
+                    <a:pt x="13" y="165"/>
+                    <a:pt x="10" y="198"/>
+                  </a:cubicBezTo>
+                  <a:cubicBezTo>
+                    <a:pt x="4" y="264"/>
+                    <a:pt x="1" y="331"/>
+                    <a:pt x="1" y="398"/>
+                  </a:cubicBezTo>
+                  <a:cubicBezTo>
+                    <a:pt x="0" y="461"/>
+                    <a:pt x="2" y="525"/>
+                    <a:pt x="7" y="589"/>
+                  </a:cubicBezTo>
+                  <a:cubicBezTo>
+                    <a:pt x="10" y="603"/>
+                    <a:pt x="13" y="618"/>
+                    <a:pt x="16" y="632"/>
+                  </a:cubicBezTo>
+                  <a:cubicBezTo>
+                    <a:pt x="16" y="632"/>
+                    <a:pt x="17" y="633"/>
+                    <a:pt x="17" y="633"/>
+                  </a:cubicBezTo>
+                  <a:close/>
+                </a:path>
+              </a:pathLst>
+            </a:custGeom>
+            <a:solidFill>
+              <a:schemeClr val="tx2"/>
+            </a:solidFill>
+            <a:ln>
+              <a:noFill/>
+            </a:ln>
+          </p:spPr>
+        </p:sp>
+        <p:sp>
+          <p:nvSpPr>
+            <p:cNvPr id="16" name="Freeform 32"/>
+            <p:cNvSpPr/>
+            <p:nvPr/>
+          </p:nvSpPr>
+          <p:spPr bwMode="auto">
+            <a:xfrm>
+              <a:off x="7526338" y="5640388"/>
+              <a:ext cx="111125" cy="233363"/>
+            </a:xfrm>
+            <a:custGeom>
+              <a:avLst/>
+              <a:gdLst/>
+              <a:ahLst/>
+              <a:cxnLst/>
+              <a:rect l="0" t="0" r="r" b="b"/>
+              <a:pathLst>
+                <a:path w="28" h="59">
+                  <a:moveTo>
+                    <a:pt x="22" y="59"/>
+                  </a:moveTo>
+                  <a:cubicBezTo>
+                    <a:pt x="28" y="59"/>
+                    <a:pt x="28" y="59"/>
+                    <a:pt x="28" y="59"/>
+                  </a:cubicBezTo>
+                  <a:cubicBezTo>
+                    <a:pt x="18" y="40"/>
+                    <a:pt x="9" y="20"/>
+                    <a:pt x="0" y="0"/>
+                  </a:cubicBezTo>
+                  <a:cubicBezTo>
+                    <a:pt x="6" y="20"/>
+                    <a:pt x="13" y="40"/>
+                    <a:pt x="22" y="59"/>
+                  </a:cubicBezTo>
+                  <a:close/>
+                </a:path>
+              </a:pathLst>
+            </a:custGeom>
+            <a:solidFill>
+              <a:schemeClr val="tx2"/>
+            </a:solidFill>
+            <a:ln>
+              <a:noFill/>
+            </a:ln>
+          </p:spPr>
+        </p:sp>
+        <p:sp>
+          <p:nvSpPr>
+            <p:cNvPr id="17" name="Freeform 33"/>
+            <p:cNvSpPr/>
+            <p:nvPr/>
+          </p:nvSpPr>
+          <p:spPr bwMode="auto">
+            <a:xfrm>
+              <a:off x="7021513" y="3598863"/>
+              <a:ext cx="68263" cy="423863"/>
+            </a:xfrm>
+            <a:custGeom>
+              <a:avLst/>
+              <a:gdLst/>
+              <a:ahLst/>
+              <a:cxnLst/>
+              <a:rect l="0" t="0" r="r" b="b"/>
+              <a:pathLst>
+                <a:path w="17" h="107">
+                  <a:moveTo>
+                    <a:pt x="4" y="54"/>
+                  </a:moveTo>
+                  <a:cubicBezTo>
+                    <a:pt x="8" y="72"/>
+                    <a:pt x="13" y="89"/>
+                    <a:pt x="17" y="107"/>
+                  </a:cubicBezTo>
+                  <a:cubicBezTo>
+                    <a:pt x="14" y="86"/>
+                    <a:pt x="12" y="65"/>
+                    <a:pt x="10" y="44"/>
+                  </a:cubicBezTo>
+                  <a:cubicBezTo>
+                    <a:pt x="10" y="44"/>
+                    <a:pt x="9" y="43"/>
+                    <a:pt x="9" y="43"/>
+                  </a:cubicBezTo>
+                  <a:cubicBezTo>
+                    <a:pt x="6" y="29"/>
+                    <a:pt x="3" y="14"/>
+                    <a:pt x="0" y="0"/>
+                  </a:cubicBezTo>
+                  <a:cubicBezTo>
+                    <a:pt x="0" y="2"/>
+                    <a:pt x="0" y="5"/>
+                    <a:pt x="0" y="8"/>
+                  </a:cubicBezTo>
+                  <a:cubicBezTo>
+                    <a:pt x="1" y="23"/>
+                    <a:pt x="3" y="39"/>
+                    <a:pt x="4" y="54"/>
+                  </a:cubicBezTo>
+                  <a:close/>
+                </a:path>
+              </a:pathLst>
+            </a:custGeom>
+            <a:solidFill>
+              <a:schemeClr val="tx2"/>
+            </a:solidFill>
+            <a:ln>
+              <a:noFill/>
+            </a:ln>
+          </p:spPr>
+        </p:sp>
+        <p:sp>
+          <p:nvSpPr>
+            <p:cNvPr id="18" name="Freeform 34"/>
+            <p:cNvSpPr/>
+            <p:nvPr/>
+          </p:nvSpPr>
+          <p:spPr bwMode="auto">
+            <a:xfrm>
+              <a:off x="7412038" y="2801938"/>
+              <a:ext cx="1168400" cy="2251075"/>
+            </a:xfrm>
+            <a:custGeom>
+              <a:avLst/>
+              <a:gdLst/>
+              <a:ahLst/>
+              <a:cxnLst/>
+              <a:rect l="0" t="0" r="r" b="b"/>
+              <a:pathLst>
+                <a:path w="294" h="568">
+                  <a:moveTo>
+                    <a:pt x="8" y="553"/>
+                  </a:moveTo>
+                  <a:cubicBezTo>
+                    <a:pt x="9" y="501"/>
+                    <a:pt x="19" y="448"/>
+                    <a:pt x="35" y="397"/>
+                  </a:cubicBezTo>
+                  <a:cubicBezTo>
+                    <a:pt x="51" y="347"/>
+                    <a:pt x="73" y="298"/>
+                    <a:pt x="99" y="252"/>
+                  </a:cubicBezTo>
+                  <a:cubicBezTo>
+                    <a:pt x="124" y="205"/>
+                    <a:pt x="154" y="161"/>
+                    <a:pt x="187" y="119"/>
+                  </a:cubicBezTo>
+                  <a:cubicBezTo>
+                    <a:pt x="203" y="98"/>
+                    <a:pt x="220" y="77"/>
+                    <a:pt x="238" y="58"/>
+                  </a:cubicBezTo>
+                  <a:cubicBezTo>
+                    <a:pt x="247" y="48"/>
+                    <a:pt x="256" y="38"/>
+                    <a:pt x="265" y="28"/>
+                  </a:cubicBezTo>
+                  <a:cubicBezTo>
+                    <a:pt x="274" y="19"/>
+                    <a:pt x="284" y="9"/>
+                    <a:pt x="294" y="0"/>
+                  </a:cubicBezTo>
+                  <a:cubicBezTo>
+                    <a:pt x="293" y="0"/>
+                    <a:pt x="293" y="0"/>
+                    <a:pt x="293" y="0"/>
+                  </a:cubicBezTo>
+                  <a:cubicBezTo>
+                    <a:pt x="283" y="9"/>
+                    <a:pt x="273" y="18"/>
+                    <a:pt x="264" y="27"/>
+                  </a:cubicBezTo>
+                  <a:cubicBezTo>
+                    <a:pt x="255" y="37"/>
+                    <a:pt x="246" y="47"/>
+                    <a:pt x="237" y="56"/>
+                  </a:cubicBezTo>
+                  <a:cubicBezTo>
+                    <a:pt x="218" y="76"/>
+                    <a:pt x="201" y="96"/>
+                    <a:pt x="185" y="117"/>
+                  </a:cubicBezTo>
+                  <a:cubicBezTo>
+                    <a:pt x="151" y="159"/>
+                    <a:pt x="121" y="203"/>
+                    <a:pt x="95" y="249"/>
+                  </a:cubicBezTo>
+                  <a:cubicBezTo>
+                    <a:pt x="68" y="296"/>
+                    <a:pt x="46" y="345"/>
+                    <a:pt x="30" y="396"/>
+                  </a:cubicBezTo>
+                  <a:cubicBezTo>
+                    <a:pt x="13" y="445"/>
+                    <a:pt x="3" y="497"/>
+                    <a:pt x="0" y="549"/>
+                  </a:cubicBezTo>
+                  <a:cubicBezTo>
+                    <a:pt x="3" y="555"/>
+                    <a:pt x="5" y="561"/>
+                    <a:pt x="7" y="568"/>
+                  </a:cubicBezTo>
+                  <a:cubicBezTo>
+                    <a:pt x="7" y="563"/>
+                    <a:pt x="7" y="558"/>
+                    <a:pt x="8" y="553"/>
+                  </a:cubicBezTo>
+                  <a:close/>
+                </a:path>
+              </a:pathLst>
+            </a:custGeom>
+            <a:solidFill>
+              <a:schemeClr val="tx2"/>
+            </a:solidFill>
+            <a:ln>
+              <a:noFill/>
+            </a:ln>
+          </p:spPr>
+        </p:sp>
+        <p:sp>
+          <p:nvSpPr>
+            <p:cNvPr id="19" name="Freeform 35"/>
+            <p:cNvSpPr/>
+            <p:nvPr/>
+          </p:nvSpPr>
+          <p:spPr bwMode="auto">
+            <a:xfrm>
+              <a:off x="7494588" y="5664200"/>
+              <a:ext cx="100013" cy="209550"/>
+            </a:xfrm>
+            <a:custGeom>
+              <a:avLst/>
+              <a:gdLst/>
+              <a:ahLst/>
+              <a:cxnLst/>
+              <a:rect l="0" t="0" r="r" b="b"/>
+              <a:pathLst>
+                <a:path w="25" h="53">
+                  <a:moveTo>
+                    <a:pt x="0" y="0"/>
+                  </a:moveTo>
+                  <a:cubicBezTo>
+                    <a:pt x="5" y="18"/>
+                    <a:pt x="12" y="36"/>
+                    <a:pt x="19" y="53"/>
+                  </a:cubicBezTo>
+                  <a:cubicBezTo>
+                    <a:pt x="25" y="53"/>
+                    <a:pt x="25" y="53"/>
+                    <a:pt x="25" y="53"/>
+                  </a:cubicBezTo>
+                  <a:cubicBezTo>
+                    <a:pt x="16" y="36"/>
+                    <a:pt x="8" y="18"/>
+                    <a:pt x="0" y="0"/>
+                  </a:cubicBezTo>
+                  <a:close/>
+                </a:path>
+              </a:pathLst>
+            </a:custGeom>
+            <a:solidFill>
+              <a:schemeClr val="tx2"/>
+            </a:solidFill>
+            <a:ln>
+              <a:noFill/>
+            </a:ln>
+          </p:spPr>
+        </p:sp>
+        <p:sp>
+          <p:nvSpPr>
+            <p:cNvPr id="20" name="Freeform 36"/>
+            <p:cNvSpPr/>
+            <p:nvPr/>
+          </p:nvSpPr>
+          <p:spPr bwMode="auto">
+            <a:xfrm>
+              <a:off x="7412038" y="5081588"/>
+              <a:ext cx="114300" cy="558800"/>
+            </a:xfrm>
+            <a:custGeom>
+              <a:avLst/>
+              <a:gdLst/>
+              <a:ahLst/>
+              <a:cxnLst/>
+              <a:rect l="0" t="0" r="r" b="b"/>
+              <a:pathLst>
+                <a:path w="29" h="141">
+                  <a:moveTo>
+                    <a:pt x="0" y="0"/>
+                  </a:moveTo>
+                  <a:cubicBezTo>
+                    <a:pt x="0" y="30"/>
+                    <a:pt x="2" y="60"/>
+                    <a:pt x="7" y="89"/>
+                  </a:cubicBezTo>
+                  <a:cubicBezTo>
+                    <a:pt x="11" y="98"/>
+                    <a:pt x="14" y="108"/>
+                    <a:pt x="18" y="117"/>
+                  </a:cubicBezTo>
+                  <a:cubicBezTo>
+                    <a:pt x="22" y="125"/>
+                    <a:pt x="25" y="133"/>
+                    <a:pt x="29" y="141"/>
+                  </a:cubicBezTo>
+                  <a:cubicBezTo>
+                    <a:pt x="28" y="139"/>
+                    <a:pt x="28" y="137"/>
+                    <a:pt x="27" y="135"/>
+                  </a:cubicBezTo>
+                  <a:cubicBezTo>
+                    <a:pt x="16" y="98"/>
+                    <a:pt x="10" y="60"/>
+                    <a:pt x="8" y="22"/>
+                  </a:cubicBezTo>
+                  <a:cubicBezTo>
+                    <a:pt x="7" y="18"/>
+                    <a:pt x="5" y="15"/>
+                    <a:pt x="4" y="11"/>
+                  </a:cubicBezTo>
+                  <a:cubicBezTo>
+                    <a:pt x="2" y="7"/>
+                    <a:pt x="1" y="3"/>
+                    <a:pt x="0" y="0"/>
+                  </a:cubicBezTo>
+                  <a:close/>
+                </a:path>
+              </a:pathLst>
+            </a:custGeom>
+            <a:solidFill>
+              <a:schemeClr val="tx2"/>
+            </a:solidFill>
+            <a:ln>
+              <a:noFill/>
+            </a:ln>
+          </p:spPr>
+        </p:sp>
+        <p:sp>
+          <p:nvSpPr>
+            <p:cNvPr id="21" name="Freeform 37"/>
+            <p:cNvSpPr/>
+            <p:nvPr/>
+          </p:nvSpPr>
+          <p:spPr bwMode="auto">
+            <a:xfrm>
+              <a:off x="7412038" y="4978400"/>
+              <a:ext cx="31750" cy="188913"/>
+            </a:xfrm>
+            <a:custGeom>
+              <a:avLst/>
+              <a:gdLst/>
+              <a:ahLst/>
+              <a:cxnLst/>
+              <a:rect l="0" t="0" r="r" b="b"/>
+              <a:pathLst>
+                <a:path w="8" h="48">
+                  <a:moveTo>
+                    <a:pt x="0" y="26"/>
+                  </a:moveTo>
+                  <a:cubicBezTo>
+                    <a:pt x="1" y="29"/>
+                    <a:pt x="2" y="33"/>
+                    <a:pt x="4" y="37"/>
+                  </a:cubicBezTo>
+                  <a:cubicBezTo>
+                    <a:pt x="5" y="41"/>
+                    <a:pt x="7" y="44"/>
+                    <a:pt x="8" y="48"/>
+                  </a:cubicBezTo>
+                  <a:cubicBezTo>
+                    <a:pt x="7" y="38"/>
+                    <a:pt x="7" y="28"/>
+                    <a:pt x="7" y="19"/>
+                  </a:cubicBezTo>
+                  <a:cubicBezTo>
+                    <a:pt x="5" y="12"/>
+                    <a:pt x="3" y="6"/>
+                    <a:pt x="0" y="0"/>
+                  </a:cubicBezTo>
+                  <a:cubicBezTo>
+                    <a:pt x="0" y="1"/>
+                    <a:pt x="0" y="3"/>
+                    <a:pt x="0" y="4"/>
+                  </a:cubicBezTo>
+                  <a:cubicBezTo>
+                    <a:pt x="0" y="11"/>
+                    <a:pt x="0" y="19"/>
+                    <a:pt x="0" y="26"/>
+                  </a:cubicBezTo>
+                  <a:close/>
+                </a:path>
+              </a:pathLst>
+            </a:custGeom>
+            <a:solidFill>
+              <a:schemeClr val="tx2"/>
+            </a:solidFill>
+            <a:ln>
+              <a:noFill/>
+            </a:ln>
+          </p:spPr>
+        </p:sp>
+        <p:sp>
+          <p:nvSpPr>
+            <p:cNvPr id="22" name="Freeform 38"/>
+            <p:cNvSpPr/>
+            <p:nvPr/>
+          </p:nvSpPr>
+          <p:spPr bwMode="auto">
+            <a:xfrm>
+              <a:off x="7439026" y="5434013"/>
+              <a:ext cx="174625" cy="439738"/>
+            </a:xfrm>
+            <a:custGeom>
+              <a:avLst/>
+              <a:gdLst/>
+              <a:ahLst/>
+              <a:cxnLst/>
+              <a:rect l="0" t="0" r="r" b="b"/>
+              <a:pathLst>
+                <a:path w="44" h="111">
+                  <a:moveTo>
+                    <a:pt x="11" y="28"/>
+                  </a:moveTo>
+                  <a:cubicBezTo>
+                    <a:pt x="7" y="19"/>
+                    <a:pt x="4" y="9"/>
+                    <a:pt x="0" y="0"/>
+                  </a:cubicBezTo>
+                  <a:cubicBezTo>
+                    <a:pt x="3" y="16"/>
+                    <a:pt x="7" y="33"/>
+                    <a:pt x="11" y="49"/>
+                  </a:cubicBezTo>
+                  <a:cubicBezTo>
+                    <a:pt x="12" y="52"/>
+                    <a:pt x="13" y="55"/>
+                    <a:pt x="14" y="58"/>
+                  </a:cubicBezTo>
+                  <a:cubicBezTo>
+                    <a:pt x="22" y="76"/>
+                    <a:pt x="30" y="94"/>
+                    <a:pt x="39" y="111"/>
+                  </a:cubicBezTo>
+                  <a:cubicBezTo>
+                    <a:pt x="44" y="111"/>
+                    <a:pt x="44" y="111"/>
+                    <a:pt x="44" y="111"/>
+                  </a:cubicBezTo>
+                  <a:cubicBezTo>
+                    <a:pt x="35" y="92"/>
+                    <a:pt x="28" y="72"/>
+                    <a:pt x="22" y="52"/>
+                  </a:cubicBezTo>
+                  <a:cubicBezTo>
+                    <a:pt x="18" y="44"/>
+                    <a:pt x="15" y="36"/>
+                    <a:pt x="11" y="28"/>
+                  </a:cubicBezTo>
+                  <a:close/>
+                </a:path>
+              </a:pathLst>
+            </a:custGeom>
+            <a:solidFill>
+              <a:schemeClr val="tx2"/>
+            </a:solidFill>
+            <a:ln>
+              <a:noFill/>
+            </a:ln>
+          </p:spPr>
+        </p:sp>
+      </p:grpSp>
+      <p:sp>
+        <p:nvSpPr>
+          <p:cNvPr id="7" name="Rectangle 6"/>
+          <p:cNvSpPr/>
+          <p:nvPr/>
         </p:nvSpPr>
         <p:spPr>
           <a:xfrm>
-            <a:off x="838200" y="365125"/>
-            <a:ext cx="10515600" cy="1325563"/>
+            <a:off x="0" y="0"/>
+            <a:ext cx="182880" cy="6858000"/>
+          </a:xfrm>
+          <a:prstGeom prst="rect">
+            <a:avLst/>
+          </a:prstGeom>
+          <a:solidFill>
+            <a:schemeClr val="tx2"/>
+          </a:solidFill>
+          <a:ln>
+            <a:noFill/>
+          </a:ln>
+          <a:effectLst/>
+        </p:spPr>
+        <p:style>
+          <a:lnRef idx="1">
+            <a:schemeClr val="accent1"/>
+          </a:lnRef>
+          <a:fillRef idx="3">
+            <a:schemeClr val="accent1"/>
+          </a:fillRef>
+          <a:effectRef idx="2">
+            <a:schemeClr val="accent1"/>
+          </a:effectRef>
+          <a:fontRef idx="minor">
+            <a:schemeClr val="lt1"/>
+          </a:fontRef>
+        </p:style>
+      </p:sp>
+      <p:sp>
+        <p:nvSpPr>
+          <p:cNvPr id="2" name="Title Placeholder 1"/>
+          <p:cNvSpPr>
+            <a:spLocks noGrp="1"/>
+          </p:cNvSpPr>
+          <p:nvPr>
+            <p:ph type="title"/>
+          </p:nvPr>
+        </p:nvSpPr>
+        <p:spPr>
+          <a:xfrm>
+            <a:off x="2592924" y="624110"/>
+            <a:ext cx="8911687" cy="1280890"/>
           </a:xfrm>
           <a:prstGeom prst="rect">
             <a:avLst/>
           </a:prstGeom>
         </p:spPr>
         <p:txBody>
-          <a:bodyPr vert="horz" lIns="91440" tIns="45720" rIns="91440" bIns="45720" rtlCol="0" anchor="ctr">
+          <a:bodyPr vert="horz" lIns="91440" tIns="45720" rIns="91440" bIns="45720" rtlCol="0" anchor="t">
             <a:normAutofit/>
           </a:bodyPr>
           <a:lstStyle/>
@@ -2818,19 +7075,13 @@
               <a:rPr lang="en-GB"/>
               <a:t>Click to edit Master title style</a:t>
             </a:r>
-            <a:endParaRPr lang="en-RU"/>
-          </a:p>
-        </p:txBody>
-      </p:sp>
-      <p:sp>
-        <p:nvSpPr>
-          <p:cNvPr id="3" name="Text Placeholder 2">
-            <a:extLst>
-              <a:ext uri="{FF2B5EF4-FFF2-40B4-BE49-F238E27FC236}">
-                <a16:creationId xmlns:a16="http://schemas.microsoft.com/office/drawing/2014/main" id="{AEDBE25C-0251-2D45-8FBB-F2AA77C043C6}"/>
-              </a:ext>
-            </a:extLst>
-          </p:cNvPr>
+            <a:endParaRPr lang="en-US" dirty="0"/>
+          </a:p>
+        </p:txBody>
+      </p:sp>
+      <p:sp>
+        <p:nvSpPr>
+          <p:cNvPr id="3" name="Text Placeholder 2"/>
           <p:cNvSpPr>
             <a:spLocks noGrp="1"/>
           </p:cNvSpPr>
@@ -2840,8 +7091,8 @@
         </p:nvSpPr>
         <p:spPr>
           <a:xfrm>
-            <a:off x="838200" y="1825625"/>
-            <a:ext cx="10515600" cy="4351338"/>
+            <a:off x="2589212" y="2133600"/>
+            <a:ext cx="8915400" cy="3886200"/>
           </a:xfrm>
           <a:prstGeom prst="rect">
             <a:avLst/>
@@ -2886,19 +7137,13 @@
               <a:rPr lang="en-GB"/>
               <a:t>Fifth level</a:t>
             </a:r>
-            <a:endParaRPr lang="en-RU"/>
-          </a:p>
-        </p:txBody>
-      </p:sp>
-      <p:sp>
-        <p:nvSpPr>
-          <p:cNvPr id="4" name="Date Placeholder 3">
-            <a:extLst>
-              <a:ext uri="{FF2B5EF4-FFF2-40B4-BE49-F238E27FC236}">
-                <a16:creationId xmlns:a16="http://schemas.microsoft.com/office/drawing/2014/main" id="{4AB83321-76AB-2247-833B-24CE36587ED4}"/>
-              </a:ext>
-            </a:extLst>
-          </p:cNvPr>
+            <a:endParaRPr lang="en-US" dirty="0"/>
+          </a:p>
+        </p:txBody>
+      </p:sp>
+      <p:sp>
+        <p:nvSpPr>
+          <p:cNvPr id="4" name="Date Placeholder 3"/>
           <p:cNvSpPr>
             <a:spLocks noGrp="1"/>
           </p:cNvSpPr>
@@ -2908,8 +7153,8 @@
         </p:nvSpPr>
         <p:spPr>
           <a:xfrm>
-            <a:off x="838200" y="6356350"/>
-            <a:ext cx="2743200" cy="365125"/>
+            <a:off x="10361612" y="6130437"/>
+            <a:ext cx="1146283" cy="370396"/>
           </a:xfrm>
           <a:prstGeom prst="rect">
             <a:avLst/>
@@ -2918,8 +7163,8 @@
         <p:txBody>
           <a:bodyPr vert="horz" lIns="91440" tIns="45720" rIns="91440" bIns="45720" rtlCol="0" anchor="ctr"/>
           <a:lstStyle>
-            <a:lvl1pPr algn="l">
-              <a:defRPr sz="1200">
+            <a:lvl1pPr algn="r">
+              <a:defRPr sz="900">
                 <a:solidFill>
                   <a:schemeClr val="tx1">
                     <a:tint val="75000"/>
@@ -2932,7 +7177,7 @@
             <a:fld id="{48A87A34-81AB-432B-8DAE-1953F412C126}" type="datetimeFigureOut">
               <a:rPr lang="en-US" smtClean="0"/>
               <a:pPr/>
-              <a:t>12/25/20</a:t>
+              <a:t>1/28/21</a:t>
             </a:fld>
             <a:endParaRPr lang="en-US" dirty="0"/>
           </a:p>
@@ -2940,13 +7185,7 @@
       </p:sp>
       <p:sp>
         <p:nvSpPr>
-          <p:cNvPr id="5" name="Footer Placeholder 4">
-            <a:extLst>
-              <a:ext uri="{FF2B5EF4-FFF2-40B4-BE49-F238E27FC236}">
-                <a16:creationId xmlns:a16="http://schemas.microsoft.com/office/drawing/2014/main" id="{6B10AFC7-524E-3F47-9C9C-5CFE33B0D000}"/>
-              </a:ext>
-            </a:extLst>
-          </p:cNvPr>
+          <p:cNvPr id="5" name="Footer Placeholder 4"/>
           <p:cNvSpPr>
             <a:spLocks noGrp="1"/>
           </p:cNvSpPr>
@@ -2956,8 +7195,8 @@
         </p:nvSpPr>
         <p:spPr>
           <a:xfrm>
-            <a:off x="4038600" y="6356350"/>
-            <a:ext cx="4114800" cy="365125"/>
+            <a:off x="2589212" y="6135808"/>
+            <a:ext cx="7619999" cy="365125"/>
           </a:xfrm>
           <a:prstGeom prst="rect">
             <a:avLst/>
@@ -2966,8 +7205,8 @@
         <p:txBody>
           <a:bodyPr vert="horz" lIns="91440" tIns="45720" rIns="91440" bIns="45720" rtlCol="0" anchor="ctr"/>
           <a:lstStyle>
-            <a:lvl1pPr algn="ctr">
-              <a:defRPr sz="1200">
+            <a:lvl1pPr algn="l">
+              <a:defRPr sz="900">
                 <a:solidFill>
                   <a:schemeClr val="tx1">
                     <a:tint val="75000"/>
@@ -2983,13 +7222,7 @@
       </p:sp>
       <p:sp>
         <p:nvSpPr>
-          <p:cNvPr id="6" name="Slide Number Placeholder 5">
-            <a:extLst>
-              <a:ext uri="{FF2B5EF4-FFF2-40B4-BE49-F238E27FC236}">
-                <a16:creationId xmlns:a16="http://schemas.microsoft.com/office/drawing/2014/main" id="{CA1DE350-14BE-424E-91B9-AE22E32A7B53}"/>
-              </a:ext>
-            </a:extLst>
-          </p:cNvPr>
+          <p:cNvPr id="6" name="Slide Number Placeholder 5"/>
           <p:cNvSpPr>
             <a:spLocks noGrp="1"/>
           </p:cNvSpPr>
@@ -2997,10 +7230,10 @@
             <p:ph type="sldNum" sz="quarter" idx="4"/>
           </p:nvPr>
         </p:nvSpPr>
-        <p:spPr>
+        <p:spPr bwMode="gray">
           <a:xfrm>
-            <a:off x="8610600" y="6356350"/>
-            <a:ext cx="2743200" cy="365125"/>
+            <a:off x="531812" y="787782"/>
+            <a:ext cx="779767" cy="365125"/>
           </a:xfrm>
           <a:prstGeom prst="rect">
             <a:avLst/>
@@ -3010,11 +7243,9 @@
           <a:bodyPr vert="horz" lIns="91440" tIns="45720" rIns="91440" bIns="45720" rtlCol="0" anchor="ctr"/>
           <a:lstStyle>
             <a:lvl1pPr algn="r">
-              <a:defRPr sz="1200">
+              <a:defRPr sz="2000">
                 <a:solidFill>
-                  <a:schemeClr val="tx1">
-                    <a:tint val="75000"/>
-                  </a:schemeClr>
+                  <a:srgbClr val="FEFFFF"/>
                 </a:solidFill>
               </a:defRPr>
             </a:lvl1pPr>
@@ -3032,55 +7263,329 @@
     </p:spTree>
     <p:extLst>
       <p:ext uri="{BB962C8B-B14F-4D97-AF65-F5344CB8AC3E}">
-        <p14:creationId xmlns:p14="http://schemas.microsoft.com/office/powerpoint/2010/main" val="2857362934"/>
+        <p14:creationId xmlns:p14="http://schemas.microsoft.com/office/powerpoint/2010/main" val="3577459776"/>
       </p:ext>
     </p:extLst>
   </p:cSld>
   <p:clrMap bg1="lt1" tx1="dk1" bg2="lt2" tx2="dk2" accent1="accent1" accent2="accent2" accent3="accent3" accent4="accent4" accent5="accent5" accent6="accent6" hlink="hlink" folHlink="folHlink"/>
   <p:sldLayoutIdLst>
-    <p:sldLayoutId id="2147483661" r:id="rId1"/>
-    <p:sldLayoutId id="2147483662" r:id="rId2"/>
-    <p:sldLayoutId id="2147483663" r:id="rId3"/>
-    <p:sldLayoutId id="2147483664" r:id="rId4"/>
-    <p:sldLayoutId id="2147483665" r:id="rId5"/>
-    <p:sldLayoutId id="2147483666" r:id="rId6"/>
-    <p:sldLayoutId id="2147483667" r:id="rId7"/>
-    <p:sldLayoutId id="2147483668" r:id="rId8"/>
-    <p:sldLayoutId id="2147483669" r:id="rId9"/>
-    <p:sldLayoutId id="2147483670" r:id="rId10"/>
-    <p:sldLayoutId id="2147483671" r:id="rId11"/>
+    <p:sldLayoutId id="2147483673" r:id="rId1"/>
+    <p:sldLayoutId id="2147483674" r:id="rId2"/>
+    <p:sldLayoutId id="2147483675" r:id="rId3"/>
+    <p:sldLayoutId id="2147483676" r:id="rId4"/>
+    <p:sldLayoutId id="2147483677" r:id="rId5"/>
+    <p:sldLayoutId id="2147483678" r:id="rId6"/>
+    <p:sldLayoutId id="2147483679" r:id="rId7"/>
+    <p:sldLayoutId id="2147483680" r:id="rId8"/>
+    <p:sldLayoutId id="2147483681" r:id="rId9"/>
+    <p:sldLayoutId id="2147483682" r:id="rId10"/>
+    <p:sldLayoutId id="2147483683" r:id="rId11"/>
+    <p:sldLayoutId id="2147483684" r:id="rId12"/>
+    <p:sldLayoutId id="2147483685" r:id="rId13"/>
+    <p:sldLayoutId id="2147483686" r:id="rId14"/>
+    <p:sldLayoutId id="2147483687" r:id="rId15"/>
+    <p:sldLayoutId id="2147483688" r:id="rId16"/>
   </p:sldLayoutIdLst>
   <p:txStyles>
     <p:titleStyle>
-      <a:lvl1pPr algn="l" defTabSz="914400" rtl="0" eaLnBrk="1" latinLnBrk="0" hangingPunct="1">
-        <a:lnSpc>
-          <a:spcPct val="90000"/>
-        </a:lnSpc>
+      <a:lvl1pPr algn="l" defTabSz="457200" rtl="0" eaLnBrk="1" latinLnBrk="0" hangingPunct="1">
         <a:spcBef>
           <a:spcPct val="0"/>
         </a:spcBef>
         <a:buNone/>
-        <a:defRPr sz="4400" kern="1200">
+        <a:defRPr sz="3600" kern="1200">
           <a:solidFill>
-            <a:schemeClr val="tx1"/>
+            <a:schemeClr val="tx1">
+              <a:lumMod val="85000"/>
+              <a:lumOff val="15000"/>
+            </a:schemeClr>
           </a:solidFill>
           <a:latin typeface="+mj-lt"/>
           <a:ea typeface="+mj-ea"/>
           <a:cs typeface="+mj-cs"/>
         </a:defRPr>
       </a:lvl1pPr>
+      <a:lvl2pPr eaLnBrk="1" hangingPunct="1">
+        <a:defRPr>
+          <a:solidFill>
+            <a:schemeClr val="tx2"/>
+          </a:solidFill>
+        </a:defRPr>
+      </a:lvl2pPr>
+      <a:lvl3pPr eaLnBrk="1" hangingPunct="1">
+        <a:defRPr>
+          <a:solidFill>
+            <a:schemeClr val="tx2"/>
+          </a:solidFill>
+        </a:defRPr>
+      </a:lvl3pPr>
+      <a:lvl4pPr eaLnBrk="1" hangingPunct="1">
+        <a:defRPr>
+          <a:solidFill>
+            <a:schemeClr val="tx2"/>
+          </a:solidFill>
+        </a:defRPr>
+      </a:lvl4pPr>
+      <a:lvl5pPr eaLnBrk="1" hangingPunct="1">
+        <a:defRPr>
+          <a:solidFill>
+            <a:schemeClr val="tx2"/>
+          </a:solidFill>
+        </a:defRPr>
+      </a:lvl5pPr>
+      <a:lvl6pPr eaLnBrk="1" hangingPunct="1">
+        <a:defRPr>
+          <a:solidFill>
+            <a:schemeClr val="tx2"/>
+          </a:solidFill>
+        </a:defRPr>
+      </a:lvl6pPr>
+      <a:lvl7pPr eaLnBrk="1" hangingPunct="1">
+        <a:defRPr>
+          <a:solidFill>
+            <a:schemeClr val="tx2"/>
+          </a:solidFill>
+        </a:defRPr>
+      </a:lvl7pPr>
+      <a:lvl8pPr eaLnBrk="1" hangingPunct="1">
+        <a:defRPr>
+          <a:solidFill>
+            <a:schemeClr val="tx2"/>
+          </a:solidFill>
+        </a:defRPr>
+      </a:lvl8pPr>
+      <a:lvl9pPr eaLnBrk="1" hangingPunct="1">
+        <a:defRPr>
+          <a:solidFill>
+            <a:schemeClr val="tx2"/>
+          </a:solidFill>
+        </a:defRPr>
+      </a:lvl9pPr>
     </p:titleStyle>
     <p:bodyStyle>
-      <a:lvl1pPr marL="228600" indent="-228600" algn="l" defTabSz="914400" rtl="0" eaLnBrk="1" latinLnBrk="0" hangingPunct="1">
-        <a:lnSpc>
-          <a:spcPct val="90000"/>
-        </a:lnSpc>
+      <a:lvl1pPr marL="342900" indent="-342900" algn="l" defTabSz="457200" rtl="0" eaLnBrk="1" latinLnBrk="0" hangingPunct="1">
         <a:spcBef>
           <a:spcPts val="1000"/>
         </a:spcBef>
-        <a:buFont typeface="Arial" panose="020B0604020202020204" pitchFamily="34" charset="0"/>
-        <a:buChar char="•"/>
-        <a:defRPr sz="2800" kern="1200">
+        <a:spcAft>
+          <a:spcPts val="0"/>
+        </a:spcAft>
+        <a:buClr>
+          <a:schemeClr val="accent1"/>
+        </a:buClr>
+        <a:buFont typeface="Wingdings 3" charset="2"/>
+        <a:buChar char=""/>
+        <a:defRPr sz="1800" kern="1200">
+          <a:solidFill>
+            <a:schemeClr val="tx1">
+              <a:lumMod val="75000"/>
+              <a:lumOff val="25000"/>
+            </a:schemeClr>
+          </a:solidFill>
+          <a:latin typeface="+mn-lt"/>
+          <a:ea typeface="+mn-ea"/>
+          <a:cs typeface="+mn-cs"/>
+        </a:defRPr>
+      </a:lvl1pPr>
+      <a:lvl2pPr marL="742950" indent="-285750" algn="l" defTabSz="457200" rtl="0" eaLnBrk="1" latinLnBrk="0" hangingPunct="1">
+        <a:spcBef>
+          <a:spcPts val="1000"/>
+        </a:spcBef>
+        <a:spcAft>
+          <a:spcPts val="0"/>
+        </a:spcAft>
+        <a:buClr>
+          <a:schemeClr val="accent1"/>
+        </a:buClr>
+        <a:buFont typeface="Wingdings 3" charset="2"/>
+        <a:buChar char=""/>
+        <a:defRPr sz="1600" kern="1200">
+          <a:solidFill>
+            <a:schemeClr val="tx1">
+              <a:lumMod val="75000"/>
+              <a:lumOff val="25000"/>
+            </a:schemeClr>
+          </a:solidFill>
+          <a:latin typeface="+mn-lt"/>
+          <a:ea typeface="+mn-ea"/>
+          <a:cs typeface="+mn-cs"/>
+        </a:defRPr>
+      </a:lvl2pPr>
+      <a:lvl3pPr marL="1143000" indent="-228600" algn="l" defTabSz="457200" rtl="0" eaLnBrk="1" latinLnBrk="0" hangingPunct="1">
+        <a:spcBef>
+          <a:spcPts val="1000"/>
+        </a:spcBef>
+        <a:spcAft>
+          <a:spcPts val="0"/>
+        </a:spcAft>
+        <a:buClr>
+          <a:schemeClr val="accent1"/>
+        </a:buClr>
+        <a:buFont typeface="Wingdings 3" charset="2"/>
+        <a:buChar char=""/>
+        <a:defRPr sz="1400" kern="1200">
+          <a:solidFill>
+            <a:schemeClr val="tx1">
+              <a:lumMod val="75000"/>
+              <a:lumOff val="25000"/>
+            </a:schemeClr>
+          </a:solidFill>
+          <a:latin typeface="+mn-lt"/>
+          <a:ea typeface="+mn-ea"/>
+          <a:cs typeface="+mn-cs"/>
+        </a:defRPr>
+      </a:lvl3pPr>
+      <a:lvl4pPr marL="1600200" indent="-228600" algn="l" defTabSz="457200" rtl="0" eaLnBrk="1" latinLnBrk="0" hangingPunct="1">
+        <a:spcBef>
+          <a:spcPts val="1000"/>
+        </a:spcBef>
+        <a:spcAft>
+          <a:spcPts val="0"/>
+        </a:spcAft>
+        <a:buClr>
+          <a:schemeClr val="accent1"/>
+        </a:buClr>
+        <a:buFont typeface="Wingdings 3" charset="2"/>
+        <a:buChar char=""/>
+        <a:defRPr sz="1200" kern="1200">
+          <a:solidFill>
+            <a:schemeClr val="tx1">
+              <a:lumMod val="75000"/>
+              <a:lumOff val="25000"/>
+            </a:schemeClr>
+          </a:solidFill>
+          <a:latin typeface="+mn-lt"/>
+          <a:ea typeface="+mn-ea"/>
+          <a:cs typeface="+mn-cs"/>
+        </a:defRPr>
+      </a:lvl4pPr>
+      <a:lvl5pPr marL="2057400" indent="-228600" algn="l" defTabSz="457200" rtl="0" eaLnBrk="1" latinLnBrk="0" hangingPunct="1">
+        <a:spcBef>
+          <a:spcPts val="1000"/>
+        </a:spcBef>
+        <a:spcAft>
+          <a:spcPts val="0"/>
+        </a:spcAft>
+        <a:buClr>
+          <a:schemeClr val="accent1"/>
+        </a:buClr>
+        <a:buFont typeface="Wingdings 3" charset="2"/>
+        <a:buChar char=""/>
+        <a:defRPr sz="1200" kern="1200">
+          <a:solidFill>
+            <a:schemeClr val="tx1">
+              <a:lumMod val="75000"/>
+              <a:lumOff val="25000"/>
+            </a:schemeClr>
+          </a:solidFill>
+          <a:latin typeface="+mn-lt"/>
+          <a:ea typeface="+mn-ea"/>
+          <a:cs typeface="+mn-cs"/>
+        </a:defRPr>
+      </a:lvl5pPr>
+      <a:lvl6pPr marL="2514600" indent="-228600" algn="l" defTabSz="457200" rtl="0" eaLnBrk="1" latinLnBrk="0" hangingPunct="1">
+        <a:spcBef>
+          <a:spcPts val="1000"/>
+        </a:spcBef>
+        <a:spcAft>
+          <a:spcPts val="0"/>
+        </a:spcAft>
+        <a:buClr>
+          <a:schemeClr val="accent1"/>
+        </a:buClr>
+        <a:buFont typeface="Wingdings 3" charset="2"/>
+        <a:buChar char=""/>
+        <a:defRPr sz="1200" kern="1200">
+          <a:solidFill>
+            <a:schemeClr val="tx1">
+              <a:lumMod val="75000"/>
+              <a:lumOff val="25000"/>
+            </a:schemeClr>
+          </a:solidFill>
+          <a:latin typeface="+mn-lt"/>
+          <a:ea typeface="+mn-ea"/>
+          <a:cs typeface="+mn-cs"/>
+        </a:defRPr>
+      </a:lvl6pPr>
+      <a:lvl7pPr marL="2971800" indent="-228600" algn="l" defTabSz="457200" rtl="0" eaLnBrk="1" latinLnBrk="0" hangingPunct="1">
+        <a:spcBef>
+          <a:spcPts val="1000"/>
+        </a:spcBef>
+        <a:spcAft>
+          <a:spcPts val="0"/>
+        </a:spcAft>
+        <a:buClr>
+          <a:schemeClr val="accent1"/>
+        </a:buClr>
+        <a:buFont typeface="Wingdings 3" charset="2"/>
+        <a:buChar char=""/>
+        <a:defRPr sz="1200" kern="1200">
+          <a:solidFill>
+            <a:schemeClr val="tx1">
+              <a:lumMod val="75000"/>
+              <a:lumOff val="25000"/>
+            </a:schemeClr>
+          </a:solidFill>
+          <a:latin typeface="+mn-lt"/>
+          <a:ea typeface="+mn-ea"/>
+          <a:cs typeface="+mn-cs"/>
+        </a:defRPr>
+      </a:lvl7pPr>
+      <a:lvl8pPr marL="3429000" indent="-228600" algn="l" defTabSz="457200" rtl="0" eaLnBrk="1" latinLnBrk="0" hangingPunct="1">
+        <a:spcBef>
+          <a:spcPts val="1000"/>
+        </a:spcBef>
+        <a:spcAft>
+          <a:spcPts val="0"/>
+        </a:spcAft>
+        <a:buClr>
+          <a:schemeClr val="accent1"/>
+        </a:buClr>
+        <a:buFont typeface="Wingdings 3" charset="2"/>
+        <a:buChar char=""/>
+        <a:defRPr sz="1200" kern="1200">
+          <a:solidFill>
+            <a:schemeClr val="tx1">
+              <a:lumMod val="75000"/>
+              <a:lumOff val="25000"/>
+            </a:schemeClr>
+          </a:solidFill>
+          <a:latin typeface="+mn-lt"/>
+          <a:ea typeface="+mn-ea"/>
+          <a:cs typeface="+mn-cs"/>
+        </a:defRPr>
+      </a:lvl8pPr>
+      <a:lvl9pPr marL="3886200" indent="-228600" algn="l" defTabSz="457200" rtl="0" eaLnBrk="1" latinLnBrk="0" hangingPunct="1">
+        <a:spcBef>
+          <a:spcPts val="1000"/>
+        </a:spcBef>
+        <a:spcAft>
+          <a:spcPts val="0"/>
+        </a:spcAft>
+        <a:buClr>
+          <a:schemeClr val="accent1"/>
+        </a:buClr>
+        <a:buFont typeface="Wingdings 3" charset="2"/>
+        <a:buChar char=""/>
+        <a:defRPr sz="1200" kern="1200">
+          <a:solidFill>
+            <a:schemeClr val="tx1">
+              <a:lumMod val="75000"/>
+              <a:lumOff val="25000"/>
+            </a:schemeClr>
+          </a:solidFill>
+          <a:latin typeface="+mn-lt"/>
+          <a:ea typeface="+mn-ea"/>
+          <a:cs typeface="+mn-cs"/>
+        </a:defRPr>
+      </a:lvl9pPr>
+    </p:bodyStyle>
+    <p:otherStyle>
+      <a:defPPr>
+        <a:defRPr lang="en-US"/>
+      </a:defPPr>
+      <a:lvl1pPr marL="0" algn="l" defTabSz="457200" rtl="0" eaLnBrk="1" latinLnBrk="0" hangingPunct="1">
+        <a:defRPr sz="1800" kern="1200">
           <a:solidFill>
             <a:schemeClr val="tx1"/>
           </a:solidFill>
@@ -3089,16 +7594,8 @@
           <a:cs typeface="+mn-cs"/>
         </a:defRPr>
       </a:lvl1pPr>
-      <a:lvl2pPr marL="685800" indent="-228600" algn="l" defTabSz="914400" rtl="0" eaLnBrk="1" latinLnBrk="0" hangingPunct="1">
-        <a:lnSpc>
-          <a:spcPct val="90000"/>
-        </a:lnSpc>
-        <a:spcBef>
-          <a:spcPts val="500"/>
-        </a:spcBef>
-        <a:buFont typeface="Arial" panose="020B0604020202020204" pitchFamily="34" charset="0"/>
-        <a:buChar char="•"/>
-        <a:defRPr sz="2400" kern="1200">
+      <a:lvl2pPr marL="457200" algn="l" defTabSz="457200" rtl="0" eaLnBrk="1" latinLnBrk="0" hangingPunct="1">
+        <a:defRPr sz="1800" kern="1200">
           <a:solidFill>
             <a:schemeClr val="tx1"/>
           </a:solidFill>
@@ -3107,16 +7604,8 @@
           <a:cs typeface="+mn-cs"/>
         </a:defRPr>
       </a:lvl2pPr>
-      <a:lvl3pPr marL="1143000" indent="-228600" algn="l" defTabSz="914400" rtl="0" eaLnBrk="1" latinLnBrk="0" hangingPunct="1">
-        <a:lnSpc>
-          <a:spcPct val="90000"/>
-        </a:lnSpc>
-        <a:spcBef>
-          <a:spcPts val="500"/>
-        </a:spcBef>
-        <a:buFont typeface="Arial" panose="020B0604020202020204" pitchFamily="34" charset="0"/>
-        <a:buChar char="•"/>
-        <a:defRPr sz="2000" kern="1200">
+      <a:lvl3pPr marL="914400" algn="l" defTabSz="457200" rtl="0" eaLnBrk="1" latinLnBrk="0" hangingPunct="1">
+        <a:defRPr sz="1800" kern="1200">
           <a:solidFill>
             <a:schemeClr val="tx1"/>
           </a:solidFill>
@@ -3125,15 +7614,7 @@
           <a:cs typeface="+mn-cs"/>
         </a:defRPr>
       </a:lvl3pPr>
-      <a:lvl4pPr marL="1600200" indent="-228600" algn="l" defTabSz="914400" rtl="0" eaLnBrk="1" latinLnBrk="0" hangingPunct="1">
-        <a:lnSpc>
-          <a:spcPct val="90000"/>
-        </a:lnSpc>
-        <a:spcBef>
-          <a:spcPts val="500"/>
-        </a:spcBef>
-        <a:buFont typeface="Arial" panose="020B0604020202020204" pitchFamily="34" charset="0"/>
-        <a:buChar char="•"/>
+      <a:lvl4pPr marL="1371600" algn="l" defTabSz="457200" rtl="0" eaLnBrk="1" latinLnBrk="0" hangingPunct="1">
         <a:defRPr sz="1800" kern="1200">
           <a:solidFill>
             <a:schemeClr val="tx1"/>
@@ -3143,15 +7624,7 @@
           <a:cs typeface="+mn-cs"/>
         </a:defRPr>
       </a:lvl4pPr>
-      <a:lvl5pPr marL="2057400" indent="-228600" algn="l" defTabSz="914400" rtl="0" eaLnBrk="1" latinLnBrk="0" hangingPunct="1">
-        <a:lnSpc>
-          <a:spcPct val="90000"/>
-        </a:lnSpc>
-        <a:spcBef>
-          <a:spcPts val="500"/>
-        </a:spcBef>
-        <a:buFont typeface="Arial" panose="020B0604020202020204" pitchFamily="34" charset="0"/>
-        <a:buChar char="•"/>
+      <a:lvl5pPr marL="1828800" algn="l" defTabSz="457200" rtl="0" eaLnBrk="1" latinLnBrk="0" hangingPunct="1">
         <a:defRPr sz="1800" kern="1200">
           <a:solidFill>
             <a:schemeClr val="tx1"/>
@@ -3161,15 +7634,7 @@
           <a:cs typeface="+mn-cs"/>
         </a:defRPr>
       </a:lvl5pPr>
-      <a:lvl6pPr marL="2514600" indent="-228600" algn="l" defTabSz="914400" rtl="0" eaLnBrk="1" latinLnBrk="0" hangingPunct="1">
-        <a:lnSpc>
-          <a:spcPct val="90000"/>
-        </a:lnSpc>
-        <a:spcBef>
-          <a:spcPts val="500"/>
-        </a:spcBef>
-        <a:buFont typeface="Arial" panose="020B0604020202020204" pitchFamily="34" charset="0"/>
-        <a:buChar char="•"/>
+      <a:lvl6pPr marL="2286000" algn="l" defTabSz="457200" rtl="0" eaLnBrk="1" latinLnBrk="0" hangingPunct="1">
         <a:defRPr sz="1800" kern="1200">
           <a:solidFill>
             <a:schemeClr val="tx1"/>
@@ -3179,15 +7644,7 @@
           <a:cs typeface="+mn-cs"/>
         </a:defRPr>
       </a:lvl6pPr>
-      <a:lvl7pPr marL="2971800" indent="-228600" algn="l" defTabSz="914400" rtl="0" eaLnBrk="1" latinLnBrk="0" hangingPunct="1">
-        <a:lnSpc>
-          <a:spcPct val="90000"/>
-        </a:lnSpc>
-        <a:spcBef>
-          <a:spcPts val="500"/>
-        </a:spcBef>
-        <a:buFont typeface="Arial" panose="020B0604020202020204" pitchFamily="34" charset="0"/>
-        <a:buChar char="•"/>
+      <a:lvl7pPr marL="2743200" algn="l" defTabSz="457200" rtl="0" eaLnBrk="1" latinLnBrk="0" hangingPunct="1">
         <a:defRPr sz="1800" kern="1200">
           <a:solidFill>
             <a:schemeClr val="tx1"/>
@@ -3197,15 +7654,7 @@
           <a:cs typeface="+mn-cs"/>
         </a:defRPr>
       </a:lvl7pPr>
-      <a:lvl8pPr marL="3429000" indent="-228600" algn="l" defTabSz="914400" rtl="0" eaLnBrk="1" latinLnBrk="0" hangingPunct="1">
-        <a:lnSpc>
-          <a:spcPct val="90000"/>
-        </a:lnSpc>
-        <a:spcBef>
-          <a:spcPts val="500"/>
-        </a:spcBef>
-        <a:buFont typeface="Arial" panose="020B0604020202020204" pitchFamily="34" charset="0"/>
-        <a:buChar char="•"/>
+      <a:lvl8pPr marL="3200400" algn="l" defTabSz="457200" rtl="0" eaLnBrk="1" latinLnBrk="0" hangingPunct="1">
         <a:defRPr sz="1800" kern="1200">
           <a:solidFill>
             <a:schemeClr val="tx1"/>
@@ -3215,110 +7664,7 @@
           <a:cs typeface="+mn-cs"/>
         </a:defRPr>
       </a:lvl8pPr>
-      <a:lvl9pPr marL="3886200" indent="-228600" algn="l" defTabSz="914400" rtl="0" eaLnBrk="1" latinLnBrk="0" hangingPunct="1">
-        <a:lnSpc>
-          <a:spcPct val="90000"/>
-        </a:lnSpc>
-        <a:spcBef>
-          <a:spcPts val="500"/>
-        </a:spcBef>
-        <a:buFont typeface="Arial" panose="020B0604020202020204" pitchFamily="34" charset="0"/>
-        <a:buChar char="•"/>
-        <a:defRPr sz="1800" kern="1200">
-          <a:solidFill>
-            <a:schemeClr val="tx1"/>
-          </a:solidFill>
-          <a:latin typeface="+mn-lt"/>
-          <a:ea typeface="+mn-ea"/>
-          <a:cs typeface="+mn-cs"/>
-        </a:defRPr>
-      </a:lvl9pPr>
-    </p:bodyStyle>
-    <p:otherStyle>
-      <a:defPPr>
-        <a:defRPr lang="en-RU"/>
-      </a:defPPr>
-      <a:lvl1pPr marL="0" algn="l" defTabSz="914400" rtl="0" eaLnBrk="1" latinLnBrk="0" hangingPunct="1">
-        <a:defRPr sz="1800" kern="1200">
-          <a:solidFill>
-            <a:schemeClr val="tx1"/>
-          </a:solidFill>
-          <a:latin typeface="+mn-lt"/>
-          <a:ea typeface="+mn-ea"/>
-          <a:cs typeface="+mn-cs"/>
-        </a:defRPr>
-      </a:lvl1pPr>
-      <a:lvl2pPr marL="457200" algn="l" defTabSz="914400" rtl="0" eaLnBrk="1" latinLnBrk="0" hangingPunct="1">
-        <a:defRPr sz="1800" kern="1200">
-          <a:solidFill>
-            <a:schemeClr val="tx1"/>
-          </a:solidFill>
-          <a:latin typeface="+mn-lt"/>
-          <a:ea typeface="+mn-ea"/>
-          <a:cs typeface="+mn-cs"/>
-        </a:defRPr>
-      </a:lvl2pPr>
-      <a:lvl3pPr marL="914400" algn="l" defTabSz="914400" rtl="0" eaLnBrk="1" latinLnBrk="0" hangingPunct="1">
-        <a:defRPr sz="1800" kern="1200">
-          <a:solidFill>
-            <a:schemeClr val="tx1"/>
-          </a:solidFill>
-          <a:latin typeface="+mn-lt"/>
-          <a:ea typeface="+mn-ea"/>
-          <a:cs typeface="+mn-cs"/>
-        </a:defRPr>
-      </a:lvl3pPr>
-      <a:lvl4pPr marL="1371600" algn="l" defTabSz="914400" rtl="0" eaLnBrk="1" latinLnBrk="0" hangingPunct="1">
-        <a:defRPr sz="1800" kern="1200">
-          <a:solidFill>
-            <a:schemeClr val="tx1"/>
-          </a:solidFill>
-          <a:latin typeface="+mn-lt"/>
-          <a:ea typeface="+mn-ea"/>
-          <a:cs typeface="+mn-cs"/>
-        </a:defRPr>
-      </a:lvl4pPr>
-      <a:lvl5pPr marL="1828800" algn="l" defTabSz="914400" rtl="0" eaLnBrk="1" latinLnBrk="0" hangingPunct="1">
-        <a:defRPr sz="1800" kern="1200">
-          <a:solidFill>
-            <a:schemeClr val="tx1"/>
-          </a:solidFill>
-          <a:latin typeface="+mn-lt"/>
-          <a:ea typeface="+mn-ea"/>
-          <a:cs typeface="+mn-cs"/>
-        </a:defRPr>
-      </a:lvl5pPr>
-      <a:lvl6pPr marL="2286000" algn="l" defTabSz="914400" rtl="0" eaLnBrk="1" latinLnBrk="0" hangingPunct="1">
-        <a:defRPr sz="1800" kern="1200">
-          <a:solidFill>
-            <a:schemeClr val="tx1"/>
-          </a:solidFill>
-          <a:latin typeface="+mn-lt"/>
-          <a:ea typeface="+mn-ea"/>
-          <a:cs typeface="+mn-cs"/>
-        </a:defRPr>
-      </a:lvl6pPr>
-      <a:lvl7pPr marL="2743200" algn="l" defTabSz="914400" rtl="0" eaLnBrk="1" latinLnBrk="0" hangingPunct="1">
-        <a:defRPr sz="1800" kern="1200">
-          <a:solidFill>
-            <a:schemeClr val="tx1"/>
-          </a:solidFill>
-          <a:latin typeface="+mn-lt"/>
-          <a:ea typeface="+mn-ea"/>
-          <a:cs typeface="+mn-cs"/>
-        </a:defRPr>
-      </a:lvl7pPr>
-      <a:lvl8pPr marL="3200400" algn="l" defTabSz="914400" rtl="0" eaLnBrk="1" latinLnBrk="0" hangingPunct="1">
-        <a:defRPr sz="1800" kern="1200">
-          <a:solidFill>
-            <a:schemeClr val="tx1"/>
-          </a:solidFill>
-          <a:latin typeface="+mn-lt"/>
-          <a:ea typeface="+mn-ea"/>
-          <a:cs typeface="+mn-cs"/>
-        </a:defRPr>
-      </a:lvl8pPr>
-      <a:lvl9pPr marL="3657600" algn="l" defTabSz="914400" rtl="0" eaLnBrk="1" latinLnBrk="0" hangingPunct="1">
+      <a:lvl9pPr marL="3657600" algn="l" defTabSz="457200" rtl="0" eaLnBrk="1" latinLnBrk="0" hangingPunct="1">
         <a:defRPr sz="1800" kern="1200">
           <a:solidFill>
             <a:schemeClr val="tx1"/>
@@ -3404,7 +7750,7 @@
         </p:nvSpPr>
         <p:spPr>
           <a:xfrm>
-            <a:off x="1524000" y="3910151"/>
+            <a:off x="2711055" y="4975250"/>
             <a:ext cx="9144000" cy="1655762"/>
           </a:xfrm>
         </p:spPr>
@@ -3478,7 +7824,7 @@
         </p:nvSpPr>
         <p:spPr>
           <a:xfrm>
-            <a:off x="838200" y="365125"/>
+            <a:off x="1789670" y="365125"/>
             <a:ext cx="10515600" cy="618849"/>
           </a:xfrm>
         </p:spPr>
@@ -3522,8 +7868,8 @@
         </p:nvSpPr>
         <p:spPr>
           <a:xfrm>
-            <a:off x="838200" y="1010616"/>
-            <a:ext cx="10515600" cy="5320610"/>
+            <a:off x="1068859" y="983974"/>
+            <a:ext cx="11123141" cy="5320610"/>
           </a:xfrm>
         </p:spPr>
         <p:txBody>
@@ -3777,7 +8123,7 @@
         </p:nvSpPr>
         <p:spPr>
           <a:xfrm>
-            <a:off x="838200" y="365125"/>
+            <a:off x="1676400" y="365125"/>
             <a:ext cx="10515600" cy="618849"/>
           </a:xfrm>
         </p:spPr>
@@ -3821,8 +8167,8 @@
         </p:nvSpPr>
         <p:spPr>
           <a:xfrm>
-            <a:off x="838200" y="1010616"/>
-            <a:ext cx="10515600" cy="5320610"/>
+            <a:off x="1122404" y="983974"/>
+            <a:ext cx="10826579" cy="5320610"/>
           </a:xfrm>
         </p:spPr>
         <p:txBody>
@@ -4055,7 +8401,7 @@
         </p:nvSpPr>
         <p:spPr>
           <a:xfrm>
-            <a:off x="838200" y="365125"/>
+            <a:off x="1676400" y="365125"/>
             <a:ext cx="10515600" cy="618849"/>
           </a:xfrm>
         </p:spPr>
@@ -4099,7 +8445,7 @@
         </p:nvSpPr>
         <p:spPr>
           <a:xfrm>
-            <a:off x="838200" y="1010616"/>
+            <a:off x="1270686" y="983974"/>
             <a:ext cx="10515600" cy="5320610"/>
           </a:xfrm>
         </p:spPr>
@@ -4288,7 +8634,7 @@
         </p:nvSpPr>
         <p:spPr>
           <a:xfrm>
-            <a:off x="838200" y="365126"/>
+            <a:off x="1443681" y="365126"/>
             <a:ext cx="10515600" cy="736088"/>
           </a:xfrm>
         </p:spPr>
@@ -4322,13 +8668,13 @@
         </p:nvSpPr>
         <p:spPr>
           <a:xfrm>
-            <a:off x="838200" y="1101214"/>
+            <a:off x="1320114" y="1101214"/>
             <a:ext cx="10515600" cy="5239543"/>
           </a:xfrm>
         </p:spPr>
         <p:txBody>
           <a:bodyPr>
-            <a:normAutofit fontScale="92500"/>
+            <a:normAutofit fontScale="85000" lnSpcReduction="20000"/>
           </a:bodyPr>
           <a:lstStyle/>
           <a:p>
@@ -4645,10 +8991,409 @@
 </p:sld>
 </file>
 
+<file path=ppt/slides/slide7.xml><?xml version="1.0" encoding="utf-8"?>
+<p:sld xmlns:a="http://schemas.openxmlformats.org/drawingml/2006/main" xmlns:r="http://schemas.openxmlformats.org/officeDocument/2006/relationships" xmlns:p="http://schemas.openxmlformats.org/presentationml/2006/main">
+  <p:cSld>
+    <p:spTree>
+      <p:nvGrpSpPr>
+        <p:cNvPr id="1" name=""/>
+        <p:cNvGrpSpPr/>
+        <p:nvPr/>
+      </p:nvGrpSpPr>
+      <p:grpSpPr>
+        <a:xfrm>
+          <a:off x="0" y="0"/>
+          <a:ext cx="0" cy="0"/>
+          <a:chOff x="0" y="0"/>
+          <a:chExt cx="0" cy="0"/>
+        </a:xfrm>
+      </p:grpSpPr>
+      <p:sp>
+        <p:nvSpPr>
+          <p:cNvPr id="2" name="Title 1">
+            <a:extLst>
+              <a:ext uri="{FF2B5EF4-FFF2-40B4-BE49-F238E27FC236}">
+                <a16:creationId xmlns:a16="http://schemas.microsoft.com/office/drawing/2014/main" id="{BAADC280-CA4F-7249-BB2F-4403A6512357}"/>
+              </a:ext>
+            </a:extLst>
+          </p:cNvPr>
+          <p:cNvSpPr>
+            <a:spLocks noGrp="1"/>
+          </p:cNvSpPr>
+          <p:nvPr>
+            <p:ph type="title"/>
+          </p:nvPr>
+        </p:nvSpPr>
+        <p:spPr/>
+        <p:txBody>
+          <a:bodyPr/>
+          <a:lstStyle/>
+          <a:p>
+            <a:r>
+              <a:rPr lang="ru-RU" dirty="0"/>
+              <a:t>Оценка прибыльности рейса</a:t>
+            </a:r>
+            <a:endParaRPr lang="en-RU" dirty="0"/>
+          </a:p>
+        </p:txBody>
+      </p:sp>
+      <p:sp>
+        <p:nvSpPr>
+          <p:cNvPr id="3" name="Content Placeholder 2">
+            <a:extLst>
+              <a:ext uri="{FF2B5EF4-FFF2-40B4-BE49-F238E27FC236}">
+                <a16:creationId xmlns:a16="http://schemas.microsoft.com/office/drawing/2014/main" id="{FD791CD5-76C4-2C4F-B93E-B49978975007}"/>
+              </a:ext>
+            </a:extLst>
+          </p:cNvPr>
+          <p:cNvSpPr>
+            <a:spLocks noGrp="1"/>
+          </p:cNvSpPr>
+          <p:nvPr>
+            <p:ph idx="1"/>
+          </p:nvPr>
+        </p:nvSpPr>
+        <p:spPr>
+          <a:xfrm>
+            <a:off x="838200" y="1447937"/>
+            <a:ext cx="10515600" cy="5044937"/>
+          </a:xfrm>
+        </p:spPr>
+        <p:txBody>
+          <a:bodyPr>
+            <a:normAutofit lnSpcReduction="10000"/>
+          </a:bodyPr>
+          <a:lstStyle/>
+          <a:p>
+            <a:pPr marL="0" indent="0">
+              <a:buNone/>
+            </a:pPr>
+            <a:r>
+              <a:rPr lang="ru-RU" sz="1600" dirty="0"/>
+              <a:t>Для оценки прибыльности рейса можно использовать следующие данные, непосредственно присутствующие в </a:t>
+            </a:r>
+            <a:r>
+              <a:rPr lang="ru-RU" sz="1600" dirty="0" err="1"/>
+              <a:t>датасете</a:t>
+            </a:r>
+            <a:r>
+              <a:rPr lang="ru-RU" sz="1600" dirty="0"/>
+              <a:t>: </a:t>
+            </a:r>
+          </a:p>
+          <a:p>
+            <a:pPr>
+              <a:buFontTx/>
+              <a:buChar char="-"/>
+            </a:pPr>
+            <a:r>
+              <a:rPr lang="en-GB" sz="1600" b="1" dirty="0" err="1"/>
+              <a:t>economy_revenue</a:t>
+            </a:r>
+            <a:r>
+              <a:rPr lang="ru-RU" sz="1600" b="1" dirty="0"/>
+              <a:t> + </a:t>
+            </a:r>
+            <a:r>
+              <a:rPr lang="en-US" sz="1600" b="1" dirty="0" err="1"/>
+              <a:t>business_revenue</a:t>
+            </a:r>
+            <a:r>
+              <a:rPr lang="en-US" sz="1600" b="1" dirty="0"/>
+              <a:t> </a:t>
+            </a:r>
+            <a:r>
+              <a:rPr lang="ru-RU" sz="1600" dirty="0"/>
+              <a:t>- сумма двух этих показателей дает понимание дохода, полученного от продажи билетов на данный рейс.</a:t>
+            </a:r>
+          </a:p>
+          <a:p>
+            <a:pPr>
+              <a:buFontTx/>
+              <a:buChar char="-"/>
+            </a:pPr>
+            <a:r>
+              <a:rPr lang="en-GB" sz="1600" b="1" dirty="0" err="1"/>
+              <a:t>economy_seats</a:t>
+            </a:r>
+            <a:r>
+              <a:rPr lang="ru-RU" sz="1600" b="1" dirty="0"/>
+              <a:t>, </a:t>
+            </a:r>
+            <a:r>
+              <a:rPr lang="en-US" sz="1600" b="1" dirty="0" err="1"/>
+              <a:t>business_seats</a:t>
+            </a:r>
+            <a:r>
+              <a:rPr lang="en-US" sz="1600" b="1" dirty="0"/>
+              <a:t>, </a:t>
+            </a:r>
+            <a:r>
+              <a:rPr lang="en-US" sz="1600" b="1" dirty="0" err="1"/>
+              <a:t>economy_seats_sold</a:t>
+            </a:r>
+            <a:r>
+              <a:rPr lang="en-US" sz="1600" b="1" dirty="0"/>
+              <a:t>, </a:t>
+            </a:r>
+            <a:r>
+              <a:rPr lang="en-US" sz="1600" b="1" dirty="0" err="1"/>
+              <a:t>business_seats_sold</a:t>
+            </a:r>
+            <a:r>
+              <a:rPr lang="en-US" sz="1600" dirty="0"/>
+              <a:t> – </a:t>
+            </a:r>
+            <a:r>
+              <a:rPr lang="ru-RU" sz="1600" dirty="0"/>
+              <a:t>данные показатели позволяют посчитать загруженность рейса, то есть соотношение полученного дохода (и количества проданных билетов) к максимально возможному доходу.</a:t>
+            </a:r>
+          </a:p>
+          <a:p>
+            <a:pPr>
+              <a:buFontTx/>
+              <a:buChar char="-"/>
+            </a:pPr>
+            <a:r>
+              <a:rPr lang="ru-RU" sz="1600" dirty="0"/>
+              <a:t>Также для оценки дохода можно использовать прочие данные, отсутствующие в </a:t>
+            </a:r>
+            <a:r>
+              <a:rPr lang="ru-RU" sz="1600" dirty="0" err="1"/>
+              <a:t>датасете</a:t>
+            </a:r>
+            <a:r>
+              <a:rPr lang="ru-RU" sz="1600" dirty="0"/>
+              <a:t>: доход от перевозки негабаритного и дополнительного багажа, от предоставления дополнительных платных услуг.</a:t>
+            </a:r>
+          </a:p>
+          <a:p>
+            <a:pPr>
+              <a:buFontTx/>
+              <a:buChar char="-"/>
+            </a:pPr>
+            <a:r>
+              <a:rPr lang="ru-RU" sz="1600" dirty="0"/>
+              <a:t>Для определения расходов на рейс необходимо суммировать стоимость всех расходных факторов, таких как стоимость потраченного на рейс горючего, аэропортовые сборы, лизинговые платежи за эксплуатацию воздушного судна, фонд оплаты труда персонала, операционные расходы и т. д. Часть из этих данных (стоимость горючего, сборы) достаточно просто соотнести с конкретным рейсом. Остальные,  такие как ФОТ и лизинговые платежи, необходимо распределять на все рейсы авиакомпании.</a:t>
+            </a:r>
+          </a:p>
+          <a:p>
+            <a:pPr>
+              <a:buFontTx/>
+              <a:buChar char="-"/>
+            </a:pPr>
+            <a:r>
+              <a:rPr lang="ru-RU" sz="1600" dirty="0"/>
+              <a:t>Вычитая расходы на рейс из полученных доходов, можно оценить прибыльность рейса.</a:t>
+            </a:r>
+          </a:p>
+          <a:p>
+            <a:pPr>
+              <a:buFontTx/>
+              <a:buChar char="-"/>
+            </a:pPr>
+            <a:r>
+              <a:rPr lang="ru-RU" sz="1600" dirty="0"/>
+              <a:t>Большая часть из этих данных недоступна, что не дает возможности корректно оценить прибыльность рейсов.</a:t>
+            </a:r>
+          </a:p>
+          <a:p>
+            <a:pPr>
+              <a:buFontTx/>
+              <a:buChar char="-"/>
+            </a:pPr>
+            <a:endParaRPr lang="ru-RU" sz="1600" b="1" dirty="0"/>
+          </a:p>
+        </p:txBody>
+      </p:sp>
+    </p:spTree>
+    <p:extLst>
+      <p:ext uri="{BB962C8B-B14F-4D97-AF65-F5344CB8AC3E}">
+        <p14:creationId xmlns:p14="http://schemas.microsoft.com/office/powerpoint/2010/main" val="427859567"/>
+      </p:ext>
+    </p:extLst>
+  </p:cSld>
+  <p:clrMapOvr>
+    <a:masterClrMapping/>
+  </p:clrMapOvr>
+</p:sld>
+</file>
+
+<file path=ppt/slides/slide8.xml><?xml version="1.0" encoding="utf-8"?>
+<p:sld xmlns:a="http://schemas.openxmlformats.org/drawingml/2006/main" xmlns:r="http://schemas.openxmlformats.org/officeDocument/2006/relationships" xmlns:p="http://schemas.openxmlformats.org/presentationml/2006/main">
+  <p:cSld>
+    <p:spTree>
+      <p:nvGrpSpPr>
+        <p:cNvPr id="1" name=""/>
+        <p:cNvGrpSpPr/>
+        <p:nvPr/>
+      </p:nvGrpSpPr>
+      <p:grpSpPr>
+        <a:xfrm>
+          <a:off x="0" y="0"/>
+          <a:ext cx="0" cy="0"/>
+          <a:chOff x="0" y="0"/>
+          <a:chExt cx="0" cy="0"/>
+        </a:xfrm>
+      </p:grpSpPr>
+      <p:sp>
+        <p:nvSpPr>
+          <p:cNvPr id="2" name="Title 1">
+            <a:extLst>
+              <a:ext uri="{FF2B5EF4-FFF2-40B4-BE49-F238E27FC236}">
+                <a16:creationId xmlns:a16="http://schemas.microsoft.com/office/drawing/2014/main" id="{3948DE3F-C0A1-4345-A03D-D1C0834BB711}"/>
+              </a:ext>
+            </a:extLst>
+          </p:cNvPr>
+          <p:cNvSpPr>
+            <a:spLocks noGrp="1"/>
+          </p:cNvSpPr>
+          <p:nvPr>
+            <p:ph type="title"/>
+          </p:nvPr>
+        </p:nvSpPr>
+        <p:spPr/>
+        <p:txBody>
+          <a:bodyPr/>
+          <a:lstStyle/>
+          <a:p>
+            <a:r>
+              <a:rPr lang="ru-RU" dirty="0"/>
+              <a:t>Выводы</a:t>
+            </a:r>
+            <a:endParaRPr lang="en-RU" dirty="0"/>
+          </a:p>
+        </p:txBody>
+      </p:sp>
+      <p:sp>
+        <p:nvSpPr>
+          <p:cNvPr id="3" name="Content Placeholder 2">
+            <a:extLst>
+              <a:ext uri="{FF2B5EF4-FFF2-40B4-BE49-F238E27FC236}">
+                <a16:creationId xmlns:a16="http://schemas.microsoft.com/office/drawing/2014/main" id="{3F54BD99-EBBC-904D-B175-D78A5220A241}"/>
+              </a:ext>
+            </a:extLst>
+          </p:cNvPr>
+          <p:cNvSpPr>
+            <a:spLocks noGrp="1"/>
+          </p:cNvSpPr>
+          <p:nvPr>
+            <p:ph idx="1"/>
+          </p:nvPr>
+        </p:nvSpPr>
+        <p:spPr>
+          <a:xfrm>
+            <a:off x="1325217" y="1401417"/>
+            <a:ext cx="10515600" cy="5004146"/>
+          </a:xfrm>
+        </p:spPr>
+        <p:txBody>
+          <a:bodyPr>
+            <a:noAutofit/>
+          </a:bodyPr>
+          <a:lstStyle/>
+          <a:p>
+            <a:pPr marL="0" indent="0">
+              <a:buNone/>
+            </a:pPr>
+            <a:r>
+              <a:rPr lang="ru-RU" sz="1400" dirty="0"/>
+              <a:t>Анализ полученного </a:t>
+            </a:r>
+            <a:r>
+              <a:rPr lang="ru-RU" sz="1400" dirty="0" err="1"/>
+              <a:t>датасета</a:t>
+            </a:r>
+            <a:r>
+              <a:rPr lang="ru-RU" sz="1400" dirty="0"/>
+              <a:t> предполагалось провести на уровне </a:t>
+            </a:r>
+            <a:r>
+              <a:rPr lang="en-GB" sz="1400" dirty="0"/>
+              <a:t>Advanced</a:t>
+            </a:r>
+            <a:r>
+              <a:rPr lang="ru-RU" sz="1400" dirty="0"/>
+              <a:t>. К сожалению, в подобном анализе нет большого смысла ввиду недостаточности информации в выборке и технической невозможности проведения выборок по базе билетов.</a:t>
+            </a:r>
+            <a:br>
+              <a:rPr lang="ru-RU" sz="1400" dirty="0"/>
+            </a:br>
+            <a:endParaRPr lang="ru-RU" sz="1400" dirty="0"/>
+          </a:p>
+          <a:p>
+            <a:pPr marL="0" indent="0">
+              <a:buNone/>
+            </a:pPr>
+            <a:r>
+              <a:rPr lang="ru-RU" sz="1400" dirty="0"/>
+              <a:t>- Нет информации о рейсах в Новокузнецк (количество и стоимость проданных билетов) - их приходится исключать из анализа.</a:t>
+            </a:r>
+          </a:p>
+          <a:p>
+            <a:pPr marL="0" indent="0">
+              <a:buNone/>
+            </a:pPr>
+            <a:r>
+              <a:rPr lang="ru-RU" sz="1400" dirty="0"/>
+              <a:t>- Исследовать прибыль невозможно, так как нет данных о расходах. Предполагается отталкиваться от стоимости топлива. Но это не единственный пункт расходов, а лишь один из многих. Тем более, что нет информации о расходах топлива на конкретном рейсе, а расстояние или длительность рейса дают очень неточную характеристику по потреблению топлива. Стоимость топлива меняется динамически во времени и зависит от цен на нефть, аэропорта заправки, сервисной компании и т. д. Расход топлива сильно зависит от погодных условий (направление и сила ветра).  Расход топлива не равномерен во время рейса и (в случае коротких рейсов, а это наш вариант) маневрирование на земле, взлет и посадка вносят очень сильный вклад в общий расход топлива.</a:t>
+            </a:r>
+          </a:p>
+          <a:p>
+            <a:pPr marL="0" indent="0">
+              <a:buNone/>
+            </a:pPr>
+            <a:r>
+              <a:rPr lang="ru-RU" sz="1400" dirty="0"/>
+              <a:t>- В нашем случае, когда есть всего два рейса с приблизительно одинаковой загруженностью, имело бы смысл исследовать расписание рейсов с возможной его оптимизацией. Но здесь опять недостаточно информации для проведения анализа. Исходя из того, что Анапа - маленький курортный город, логично предположить, что большинство пассажиров - это не местные жители, а гости из Новокузнецка, Белгорода, Москвы. Таким образом, нужно в первую очередь анализировать прямые рейсы из этих городов, а не обратные (вывозные).</a:t>
+            </a:r>
+          </a:p>
+          <a:p>
+            <a:pPr marL="0" indent="0">
+              <a:buNone/>
+            </a:pPr>
+            <a:r>
+              <a:rPr lang="ru-RU" sz="1400" dirty="0"/>
+              <a:t>Исходя из вышеизложенного, проведение детального анализа рентабельности рейсов не представляется возможным. Необходимо обогащение </a:t>
+            </a:r>
+            <a:r>
+              <a:rPr lang="ru-RU" sz="1400" dirty="0" err="1"/>
+              <a:t>датасета</a:t>
+            </a:r>
+            <a:r>
+              <a:rPr lang="ru-RU" sz="1400" dirty="0"/>
+              <a:t> большим количеством внешних данных для получения адекватной оценки рентабельности рейсов.</a:t>
+            </a:r>
+          </a:p>
+          <a:p>
+            <a:pPr marL="0" indent="0">
+              <a:buNone/>
+            </a:pPr>
+            <a:r>
+              <a:rPr lang="ru-RU" sz="1400" dirty="0"/>
+              <a:t> </a:t>
+            </a:r>
+            <a:endParaRPr lang="en-RU" sz="1400" dirty="0"/>
+          </a:p>
+        </p:txBody>
+      </p:sp>
+    </p:spTree>
+    <p:extLst>
+      <p:ext uri="{BB962C8B-B14F-4D97-AF65-F5344CB8AC3E}">
+        <p14:creationId xmlns:p14="http://schemas.microsoft.com/office/powerpoint/2010/main" val="279905808"/>
+      </p:ext>
+    </p:extLst>
+  </p:cSld>
+  <p:clrMapOvr>
+    <a:masterClrMapping/>
+  </p:clrMapOvr>
+</p:sld>
+</file>
+
 <file path=ppt/theme/theme1.xml><?xml version="1.0" encoding="utf-8"?>
-<a:theme xmlns:a="http://schemas.openxmlformats.org/drawingml/2006/main" name="Office Theme">
+<a:theme xmlns:a="http://schemas.openxmlformats.org/drawingml/2006/main" name="Wisp">
   <a:themeElements>
-    <a:clrScheme name="Office">
+    <a:clrScheme name="Wisp">
       <a:dk1>
         <a:sysClr val="windowText" lastClr="000000"/>
       </a:dk1>
@@ -4656,100 +9401,48 @@
         <a:sysClr val="window" lastClr="FFFFFF"/>
       </a:lt1>
       <a:dk2>
-        <a:srgbClr val="44546A"/>
+        <a:srgbClr val="766F54"/>
       </a:dk2>
       <a:lt2>
-        <a:srgbClr val="E7E6E6"/>
+        <a:srgbClr val="E3EACF"/>
       </a:lt2>
       <a:accent1>
-        <a:srgbClr val="4472C4"/>
+        <a:srgbClr val="A53010"/>
       </a:accent1>
       <a:accent2>
-        <a:srgbClr val="ED7D31"/>
+        <a:srgbClr val="DE7E18"/>
       </a:accent2>
       <a:accent3>
-        <a:srgbClr val="A5A5A5"/>
+        <a:srgbClr val="9F8351"/>
       </a:accent3>
       <a:accent4>
-        <a:srgbClr val="FFC000"/>
+        <a:srgbClr val="728653"/>
       </a:accent4>
       <a:accent5>
-        <a:srgbClr val="5B9BD5"/>
+        <a:srgbClr val="92AA4C"/>
       </a:accent5>
       <a:accent6>
-        <a:srgbClr val="70AD47"/>
+        <a:srgbClr val="6AAC91"/>
       </a:accent6>
       <a:hlink>
-        <a:srgbClr val="0563C1"/>
+        <a:srgbClr val="FB4A18"/>
       </a:hlink>
       <a:folHlink>
-        <a:srgbClr val="954F72"/>
+        <a:srgbClr val="FB9318"/>
       </a:folHlink>
     </a:clrScheme>
-    <a:fontScheme name="Office">
+    <a:fontScheme name="Wisp">
       <a:majorFont>
-        <a:latin typeface="Calibri Light" panose="020F0302020204030204"/>
+        <a:latin typeface="Century Gothic" panose="020B0502020202020204"/>
         <a:ea typeface=""/>
         <a:cs typeface=""/>
-        <a:font script="Jpan" typeface="游ゴシック Light"/>
-        <a:font script="Hang" typeface="맑은 고딕"/>
-        <a:font script="Hans" typeface="等线 Light"/>
-        <a:font script="Hant" typeface="新細明體"/>
-        <a:font script="Arab" typeface="Times New Roman"/>
-        <a:font script="Hebr" typeface="Times New Roman"/>
-        <a:font script="Thai" typeface="Angsana New"/>
-        <a:font script="Ethi" typeface="Nyala"/>
-        <a:font script="Beng" typeface="Vrinda"/>
-        <a:font script="Gujr" typeface="Shruti"/>
-        <a:font script="Khmr" typeface="MoolBoran"/>
-        <a:font script="Knda" typeface="Tunga"/>
-        <a:font script="Guru" typeface="Raavi"/>
-        <a:font script="Cans" typeface="Euphemia"/>
-        <a:font script="Cher" typeface="Plantagenet Cherokee"/>
-        <a:font script="Yiii" typeface="Microsoft Yi Baiti"/>
-        <a:font script="Tibt" typeface="Microsoft Himalaya"/>
-        <a:font script="Thaa" typeface="MV Boli"/>
-        <a:font script="Deva" typeface="Mangal"/>
-        <a:font script="Telu" typeface="Gautami"/>
-        <a:font script="Taml" typeface="Latha"/>
-        <a:font script="Syrc" typeface="Estrangelo Edessa"/>
-        <a:font script="Orya" typeface="Kalinga"/>
-        <a:font script="Mlym" typeface="Kartika"/>
-        <a:font script="Laoo" typeface="DokChampa"/>
-        <a:font script="Sinh" typeface="Iskoola Pota"/>
-        <a:font script="Mong" typeface="Mongolian Baiti"/>
-        <a:font script="Viet" typeface="Times New Roman"/>
-        <a:font script="Uigh" typeface="Microsoft Uighur"/>
-        <a:font script="Geor" typeface="Sylfaen"/>
-        <a:font script="Armn" typeface="Arial"/>
-        <a:font script="Bugi" typeface="Leelawadee UI"/>
-        <a:font script="Bopo" typeface="Microsoft JhengHei"/>
-        <a:font script="Java" typeface="Javanese Text"/>
-        <a:font script="Lisu" typeface="Segoe UI"/>
-        <a:font script="Mymr" typeface="Myanmar Text"/>
-        <a:font script="Nkoo" typeface="Ebrima"/>
-        <a:font script="Olck" typeface="Nirmala UI"/>
-        <a:font script="Osma" typeface="Ebrima"/>
-        <a:font script="Phag" typeface="Phagspa"/>
-        <a:font script="Syrn" typeface="Estrangelo Edessa"/>
-        <a:font script="Syrj" typeface="Estrangelo Edessa"/>
-        <a:font script="Syre" typeface="Estrangelo Edessa"/>
-        <a:font script="Sora" typeface="Nirmala UI"/>
-        <a:font script="Tale" typeface="Microsoft Tai Le"/>
-        <a:font script="Talu" typeface="Microsoft New Tai Lue"/>
-        <a:font script="Tfng" typeface="Ebrima"/>
-      </a:majorFont>
-      <a:minorFont>
-        <a:latin typeface="Calibri" panose="020F0502020204030204"/>
-        <a:ea typeface=""/>
-        <a:cs typeface=""/>
-        <a:font script="Jpan" typeface="游ゴシック"/>
-        <a:font script="Hang" typeface="맑은 고딕"/>
-        <a:font script="Hans" typeface="等线"/>
-        <a:font script="Hant" typeface="新細明體"/>
-        <a:font script="Arab" typeface="Arial"/>
-        <a:font script="Hebr" typeface="Arial"/>
-        <a:font script="Thai" typeface="Cordia New"/>
+        <a:font script="Jpan" typeface="メイリオ"/>
+        <a:font script="Hang" typeface="HY중고딕"/>
+        <a:font script="Hans" typeface="幼圆"/>
+        <a:font script="Hant" typeface="微軟正黑體"/>
+        <a:font script="Arab" typeface="Tahoma"/>
+        <a:font script="Hebr" typeface="Gisha"/>
+        <a:font script="Thai" typeface="DilleniaUPC"/>
         <a:font script="Ethi" typeface="Nyala"/>
         <a:font script="Beng" typeface="Vrinda"/>
         <a:font script="Gujr" typeface="Shruti"/>
@@ -4770,30 +9463,121 @@
         <a:font script="Laoo" typeface="DokChampa"/>
         <a:font script="Sinh" typeface="Iskoola Pota"/>
         <a:font script="Mong" typeface="Mongolian Baiti"/>
-        <a:font script="Viet" typeface="Arial"/>
+        <a:font script="Viet" typeface="Tahoma"/>
         <a:font script="Uigh" typeface="Microsoft Uighur"/>
         <a:font script="Geor" typeface="Sylfaen"/>
-        <a:font script="Armn" typeface="Arial"/>
-        <a:font script="Bugi" typeface="Leelawadee UI"/>
-        <a:font script="Bopo" typeface="Microsoft JhengHei"/>
-        <a:font script="Java" typeface="Javanese Text"/>
-        <a:font script="Lisu" typeface="Segoe UI"/>
-        <a:font script="Mymr" typeface="Myanmar Text"/>
-        <a:font script="Nkoo" typeface="Ebrima"/>
-        <a:font script="Olck" typeface="Nirmala UI"/>
-        <a:font script="Osma" typeface="Ebrima"/>
-        <a:font script="Phag" typeface="Phagspa"/>
-        <a:font script="Syrn" typeface="Estrangelo Edessa"/>
-        <a:font script="Syrj" typeface="Estrangelo Edessa"/>
-        <a:font script="Syre" typeface="Estrangelo Edessa"/>
-        <a:font script="Sora" typeface="Nirmala UI"/>
-        <a:font script="Tale" typeface="Microsoft Tai Le"/>
-        <a:font script="Talu" typeface="Microsoft New Tai Lue"/>
-        <a:font script="Tfng" typeface="Ebrima"/>
+      </a:majorFont>
+      <a:minorFont>
+        <a:latin typeface="Century Gothic" panose="020B0502020202020204"/>
+        <a:ea typeface=""/>
+        <a:cs typeface=""/>
+        <a:font script="Jpan" typeface="メイリオ"/>
+        <a:font script="Hang" typeface="HY중고딕"/>
+        <a:font script="Hans" typeface="幼圆"/>
+        <a:font script="Hant" typeface="微軟正黑體"/>
+        <a:font script="Arab" typeface="Tahoma"/>
+        <a:font script="Hebr" typeface="Gisha"/>
+        <a:font script="Thai" typeface="DilleniaUPC"/>
+        <a:font script="Ethi" typeface="Nyala"/>
+        <a:font script="Beng" typeface="Vrinda"/>
+        <a:font script="Gujr" typeface="Shruti"/>
+        <a:font script="Khmr" typeface="DaunPenh"/>
+        <a:font script="Knda" typeface="Tunga"/>
+        <a:font script="Guru" typeface="Raavi"/>
+        <a:font script="Cans" typeface="Euphemia"/>
+        <a:font script="Cher" typeface="Plantagenet Cherokee"/>
+        <a:font script="Yiii" typeface="Microsoft Yi Baiti"/>
+        <a:font script="Tibt" typeface="Microsoft Himalaya"/>
+        <a:font script="Thaa" typeface="MV Boli"/>
+        <a:font script="Deva" typeface="Mangal"/>
+        <a:font script="Telu" typeface="Gautami"/>
+        <a:font script="Taml" typeface="Latha"/>
+        <a:font script="Syrc" typeface="Estrangelo Edessa"/>
+        <a:font script="Orya" typeface="Kalinga"/>
+        <a:font script="Mlym" typeface="Kartika"/>
+        <a:font script="Laoo" typeface="DokChampa"/>
+        <a:font script="Sinh" typeface="Iskoola Pota"/>
+        <a:font script="Mong" typeface="Mongolian Baiti"/>
+        <a:font script="Viet" typeface="Tahoma"/>
+        <a:font script="Uigh" typeface="Microsoft Uighur"/>
+        <a:font script="Geor" typeface="Sylfaen"/>
       </a:minorFont>
     </a:fontScheme>
-    <a:fmtScheme name="Office">
+    <a:fmtScheme name="Wisp">
       <a:fillStyleLst>
+        <a:solidFill>
+          <a:schemeClr val="phClr"/>
+        </a:solidFill>
+        <a:solidFill>
+          <a:schemeClr val="phClr">
+            <a:tint val="70000"/>
+            <a:lumMod val="104000"/>
+          </a:schemeClr>
+        </a:solidFill>
+        <a:gradFill rotWithShape="1">
+          <a:gsLst>
+            <a:gs pos="0">
+              <a:schemeClr val="phClr">
+                <a:tint val="96000"/>
+                <a:lumMod val="104000"/>
+              </a:schemeClr>
+            </a:gs>
+            <a:gs pos="100000">
+              <a:schemeClr val="phClr">
+                <a:shade val="98000"/>
+                <a:lumMod val="94000"/>
+              </a:schemeClr>
+            </a:gs>
+          </a:gsLst>
+          <a:lin ang="5400000" scaled="0"/>
+        </a:gradFill>
+      </a:fillStyleLst>
+      <a:lnStyleLst>
+        <a:ln w="9525" cap="rnd" cmpd="sng" algn="ctr">
+          <a:solidFill>
+            <a:schemeClr val="phClr">
+              <a:shade val="90000"/>
+            </a:schemeClr>
+          </a:solidFill>
+          <a:prstDash val="solid"/>
+        </a:ln>
+        <a:ln w="15875" cap="rnd" cmpd="sng" algn="ctr">
+          <a:solidFill>
+            <a:schemeClr val="phClr"/>
+          </a:solidFill>
+          <a:prstDash val="solid"/>
+        </a:ln>
+        <a:ln w="22225" cap="rnd" cmpd="sng" algn="ctr">
+          <a:solidFill>
+            <a:schemeClr val="phClr"/>
+          </a:solidFill>
+          <a:prstDash val="solid"/>
+        </a:ln>
+      </a:lnStyleLst>
+      <a:effectStyleLst>
+        <a:effectStyle>
+          <a:effectLst/>
+        </a:effectStyle>
+        <a:effectStyle>
+          <a:effectLst>
+            <a:outerShdw blurRad="38100" dist="25400" dir="5400000" rotWithShape="0">
+              <a:srgbClr val="000000">
+                <a:alpha val="25000"/>
+              </a:srgbClr>
+            </a:outerShdw>
+          </a:effectLst>
+        </a:effectStyle>
+        <a:effectStyle>
+          <a:effectLst>
+            <a:outerShdw blurRad="50800" dist="38100" dir="5400000" rotWithShape="0">
+              <a:srgbClr val="000000">
+                <a:alpha val="60000"/>
+              </a:srgbClr>
+            </a:outerShdw>
+          </a:effectLst>
+        </a:effectStyle>
+      </a:effectStyleLst>
+      <a:bgFillStyleLst>
         <a:solidFill>
           <a:schemeClr val="phClr"/>
         </a:solidFill>
@@ -4801,23 +9585,15 @@
           <a:gsLst>
             <a:gs pos="0">
               <a:schemeClr val="phClr">
-                <a:lumMod val="110000"/>
-                <a:satMod val="105000"/>
-                <a:tint val="67000"/>
-              </a:schemeClr>
-            </a:gs>
-            <a:gs pos="50000">
-              <a:schemeClr val="phClr">
-                <a:lumMod val="105000"/>
-                <a:satMod val="103000"/>
-                <a:tint val="73000"/>
+                <a:tint val="90000"/>
+                <a:lumMod val="120000"/>
               </a:schemeClr>
             </a:gs>
             <a:gs pos="100000">
               <a:schemeClr val="phClr">
-                <a:lumMod val="105000"/>
-                <a:satMod val="109000"/>
-                <a:tint val="81000"/>
+                <a:shade val="98000"/>
+                <a:satMod val="120000"/>
+                <a:lumMod val="98000"/>
               </a:schemeClr>
             </a:gs>
           </a:gsLst>
@@ -4827,105 +9603,22 @@
           <a:gsLst>
             <a:gs pos="0">
               <a:schemeClr val="phClr">
-                <a:satMod val="103000"/>
-                <a:lumMod val="102000"/>
-                <a:tint val="94000"/>
-              </a:schemeClr>
-            </a:gs>
-            <a:gs pos="50000">
-              <a:schemeClr val="phClr">
-                <a:satMod val="110000"/>
-                <a:lumMod val="100000"/>
-                <a:shade val="100000"/>
+                <a:tint val="90000"/>
+                <a:satMod val="92000"/>
+                <a:lumMod val="120000"/>
               </a:schemeClr>
             </a:gs>
             <a:gs pos="100000">
               <a:schemeClr val="phClr">
-                <a:lumMod val="99000"/>
+                <a:shade val="98000"/>
                 <a:satMod val="120000"/>
-                <a:shade val="78000"/>
+                <a:lumMod val="98000"/>
               </a:schemeClr>
             </a:gs>
           </a:gsLst>
-          <a:lin ang="5400000" scaled="0"/>
-        </a:gradFill>
-      </a:fillStyleLst>
-      <a:lnStyleLst>
-        <a:ln w="6350" cap="flat" cmpd="sng" algn="ctr">
-          <a:solidFill>
-            <a:schemeClr val="phClr"/>
-          </a:solidFill>
-          <a:prstDash val="solid"/>
-          <a:miter lim="800000"/>
-        </a:ln>
-        <a:ln w="12700" cap="flat" cmpd="sng" algn="ctr">
-          <a:solidFill>
-            <a:schemeClr val="phClr"/>
-          </a:solidFill>
-          <a:prstDash val="solid"/>
-          <a:miter lim="800000"/>
-        </a:ln>
-        <a:ln w="19050" cap="flat" cmpd="sng" algn="ctr">
-          <a:solidFill>
-            <a:schemeClr val="phClr"/>
-          </a:solidFill>
-          <a:prstDash val="solid"/>
-          <a:miter lim="800000"/>
-        </a:ln>
-      </a:lnStyleLst>
-      <a:effectStyleLst>
-        <a:effectStyle>
-          <a:effectLst/>
-        </a:effectStyle>
-        <a:effectStyle>
-          <a:effectLst/>
-        </a:effectStyle>
-        <a:effectStyle>
-          <a:effectLst>
-            <a:outerShdw blurRad="57150" dist="19050" dir="5400000" algn="ctr" rotWithShape="0">
-              <a:srgbClr val="000000">
-                <a:alpha val="63000"/>
-              </a:srgbClr>
-            </a:outerShdw>
-          </a:effectLst>
-        </a:effectStyle>
-      </a:effectStyleLst>
-      <a:bgFillStyleLst>
-        <a:solidFill>
-          <a:schemeClr val="phClr"/>
-        </a:solidFill>
-        <a:solidFill>
-          <a:schemeClr val="phClr">
-            <a:tint val="95000"/>
-            <a:satMod val="170000"/>
-          </a:schemeClr>
-        </a:solidFill>
-        <a:gradFill rotWithShape="1">
-          <a:gsLst>
-            <a:gs pos="0">
-              <a:schemeClr val="phClr">
-                <a:tint val="93000"/>
-                <a:satMod val="150000"/>
-                <a:shade val="98000"/>
-                <a:lumMod val="102000"/>
-              </a:schemeClr>
-            </a:gs>
-            <a:gs pos="50000">
-              <a:schemeClr val="phClr">
-                <a:tint val="98000"/>
-                <a:satMod val="130000"/>
-                <a:shade val="90000"/>
-                <a:lumMod val="103000"/>
-              </a:schemeClr>
-            </a:gs>
-            <a:gs pos="100000">
-              <a:schemeClr val="phClr">
-                <a:shade val="63000"/>
-                <a:satMod val="120000"/>
-              </a:schemeClr>
-            </a:gs>
-          </a:gsLst>
-          <a:lin ang="5400000" scaled="0"/>
+          <a:path path="circle">
+            <a:fillToRect l="50000" t="50000" r="100000" b="100000"/>
+          </a:path>
         </a:gradFill>
       </a:bgFillStyleLst>
     </a:fmtScheme>
@@ -4934,7 +9627,7 @@
   <a:extraClrSchemeLst/>
   <a:extLst>
     <a:ext uri="{05A4C25C-085E-4340-85A3-A5531E510DB2}">
-      <thm15:themeFamily xmlns:thm15="http://schemas.microsoft.com/office/thememl/2012/main" name="Office Theme" id="{62F939B6-93AF-4DB8-9C6B-D6C7DFDC589F}" vid="{4A3C46E8-61CC-4603-A589-7422A47A8E4A}"/>
+      <thm15:themeFamily xmlns:thm15="http://schemas.microsoft.com/office/thememl/2012/main" name="Wisp" id="{7CB32D59-10C0-40DD-B7BD-2E94284A981C}" vid="{24B1A44C-C006-48B2-A4D7-E5549B3D8CD4}"/>
     </a:ext>
   </a:extLst>
 </a:theme>
